--- a/랩미팅/201805/180528 Zurich Lock-In(Jong).pptx
+++ b/랩미팅/201805/180528 Zurich Lock-In(Jong).pptx
@@ -5,12 +5,15 @@
     <p:sldMasterId id="2147483660" r:id="rId1"/>
   </p:sldMasterIdLst>
   <p:notesMasterIdLst>
-    <p:notesMasterId r:id="rId5"/>
+    <p:notesMasterId r:id="rId8"/>
   </p:notesMasterIdLst>
   <p:sldIdLst>
     <p:sldId id="258" r:id="rId2"/>
     <p:sldId id="279" r:id="rId3"/>
-    <p:sldId id="281" r:id="rId4"/>
+    <p:sldId id="282" r:id="rId4"/>
+    <p:sldId id="283" r:id="rId5"/>
+    <p:sldId id="284" r:id="rId6"/>
+    <p:sldId id="281" r:id="rId7"/>
   </p:sldIdLst>
   <p:sldSz cx="9144000" cy="6858000" type="screen4x3"/>
   <p:notesSz cx="6735763" cy="9866313"/>
@@ -199,7 +202,7 @@
           <a:p>
             <a:fld id="{A9D6DECA-6E4E-4D09-9277-E151A2E3F74C}" type="datetimeFigureOut">
               <a:rPr lang="ko-KR" altLang="en-US" smtClean="0"/>
-              <a:t>2018-05-24</a:t>
+              <a:t>2018-05-27</a:t>
             </a:fld>
             <a:endParaRPr lang="ko-KR" altLang="en-US"/>
           </a:p>
@@ -709,6 +712,258 @@
     </p:spTree>
     <p:extLst>
       <p:ext uri="{BB962C8B-B14F-4D97-AF65-F5344CB8AC3E}">
+        <p14:creationId xmlns:p14="http://schemas.microsoft.com/office/powerpoint/2010/main" val="1151805780"/>
+      </p:ext>
+    </p:extLst>
+  </p:cSld>
+  <p:clrMapOvr>
+    <a:masterClrMapping/>
+  </p:clrMapOvr>
+</p:notes>
+</file>
+
+<file path=ppt/notesSlides/notesSlide4.xml><?xml version="1.0" encoding="utf-8"?>
+<p:notes xmlns:a="http://schemas.openxmlformats.org/drawingml/2006/main" xmlns:r="http://schemas.openxmlformats.org/officeDocument/2006/relationships" xmlns:p="http://schemas.openxmlformats.org/presentationml/2006/main">
+  <p:cSld>
+    <p:spTree>
+      <p:nvGrpSpPr>
+        <p:cNvPr id="1" name=""/>
+        <p:cNvGrpSpPr/>
+        <p:nvPr/>
+      </p:nvGrpSpPr>
+      <p:grpSpPr>
+        <a:xfrm>
+          <a:off x="0" y="0"/>
+          <a:ext cx="0" cy="0"/>
+          <a:chOff x="0" y="0"/>
+          <a:chExt cx="0" cy="0"/>
+        </a:xfrm>
+      </p:grpSpPr>
+      <p:sp>
+        <p:nvSpPr>
+          <p:cNvPr id="2" name="슬라이드 이미지 개체 틀 1"/>
+          <p:cNvSpPr>
+            <a:spLocks noGrp="1" noRot="1" noChangeAspect="1"/>
+          </p:cNvSpPr>
+          <p:nvPr>
+            <p:ph type="sldImg"/>
+          </p:nvPr>
+        </p:nvSpPr>
+        <p:spPr/>
+      </p:sp>
+      <p:sp>
+        <p:nvSpPr>
+          <p:cNvPr id="3" name="슬라이드 노트 개체 틀 2"/>
+          <p:cNvSpPr>
+            <a:spLocks noGrp="1"/>
+          </p:cNvSpPr>
+          <p:nvPr>
+            <p:ph type="body" idx="1"/>
+          </p:nvPr>
+        </p:nvSpPr>
+        <p:spPr/>
+        <p:txBody>
+          <a:bodyPr/>
+          <a:lstStyle/>
+          <a:p>
+            <a:endParaRPr lang="ko-KR" altLang="en-US"/>
+          </a:p>
+        </p:txBody>
+      </p:sp>
+      <p:sp>
+        <p:nvSpPr>
+          <p:cNvPr id="4" name="슬라이드 번호 개체 틀 3"/>
+          <p:cNvSpPr>
+            <a:spLocks noGrp="1"/>
+          </p:cNvSpPr>
+          <p:nvPr>
+            <p:ph type="sldNum" sz="quarter" idx="10"/>
+          </p:nvPr>
+        </p:nvSpPr>
+        <p:spPr/>
+        <p:txBody>
+          <a:bodyPr/>
+          <a:lstStyle/>
+          <a:p>
+            <a:fld id="{6D0ABE42-EEBB-47F0-BC6E-2BB25FA03CFE}" type="slidenum">
+              <a:rPr lang="ko-KR" altLang="en-US" smtClean="0"/>
+              <a:t>4</a:t>
+            </a:fld>
+            <a:endParaRPr lang="ko-KR" altLang="en-US"/>
+          </a:p>
+        </p:txBody>
+      </p:sp>
+    </p:spTree>
+    <p:extLst>
+      <p:ext uri="{BB962C8B-B14F-4D97-AF65-F5344CB8AC3E}">
+        <p14:creationId xmlns:p14="http://schemas.microsoft.com/office/powerpoint/2010/main" val="2362799957"/>
+      </p:ext>
+    </p:extLst>
+  </p:cSld>
+  <p:clrMapOvr>
+    <a:masterClrMapping/>
+  </p:clrMapOvr>
+</p:notes>
+</file>
+
+<file path=ppt/notesSlides/notesSlide5.xml><?xml version="1.0" encoding="utf-8"?>
+<p:notes xmlns:a="http://schemas.openxmlformats.org/drawingml/2006/main" xmlns:r="http://schemas.openxmlformats.org/officeDocument/2006/relationships" xmlns:p="http://schemas.openxmlformats.org/presentationml/2006/main">
+  <p:cSld>
+    <p:spTree>
+      <p:nvGrpSpPr>
+        <p:cNvPr id="1" name=""/>
+        <p:cNvGrpSpPr/>
+        <p:nvPr/>
+      </p:nvGrpSpPr>
+      <p:grpSpPr>
+        <a:xfrm>
+          <a:off x="0" y="0"/>
+          <a:ext cx="0" cy="0"/>
+          <a:chOff x="0" y="0"/>
+          <a:chExt cx="0" cy="0"/>
+        </a:xfrm>
+      </p:grpSpPr>
+      <p:sp>
+        <p:nvSpPr>
+          <p:cNvPr id="2" name="슬라이드 이미지 개체 틀 1"/>
+          <p:cNvSpPr>
+            <a:spLocks noGrp="1" noRot="1" noChangeAspect="1"/>
+          </p:cNvSpPr>
+          <p:nvPr>
+            <p:ph type="sldImg"/>
+          </p:nvPr>
+        </p:nvSpPr>
+        <p:spPr/>
+      </p:sp>
+      <p:sp>
+        <p:nvSpPr>
+          <p:cNvPr id="3" name="슬라이드 노트 개체 틀 2"/>
+          <p:cNvSpPr>
+            <a:spLocks noGrp="1"/>
+          </p:cNvSpPr>
+          <p:nvPr>
+            <p:ph type="body" idx="1"/>
+          </p:nvPr>
+        </p:nvSpPr>
+        <p:spPr/>
+        <p:txBody>
+          <a:bodyPr/>
+          <a:lstStyle/>
+          <a:p>
+            <a:endParaRPr lang="ko-KR" altLang="en-US"/>
+          </a:p>
+        </p:txBody>
+      </p:sp>
+      <p:sp>
+        <p:nvSpPr>
+          <p:cNvPr id="4" name="슬라이드 번호 개체 틀 3"/>
+          <p:cNvSpPr>
+            <a:spLocks noGrp="1"/>
+          </p:cNvSpPr>
+          <p:nvPr>
+            <p:ph type="sldNum" sz="quarter" idx="10"/>
+          </p:nvPr>
+        </p:nvSpPr>
+        <p:spPr/>
+        <p:txBody>
+          <a:bodyPr/>
+          <a:lstStyle/>
+          <a:p>
+            <a:fld id="{6D0ABE42-EEBB-47F0-BC6E-2BB25FA03CFE}" type="slidenum">
+              <a:rPr lang="ko-KR" altLang="en-US" smtClean="0"/>
+              <a:t>5</a:t>
+            </a:fld>
+            <a:endParaRPr lang="ko-KR" altLang="en-US"/>
+          </a:p>
+        </p:txBody>
+      </p:sp>
+    </p:spTree>
+    <p:extLst>
+      <p:ext uri="{BB962C8B-B14F-4D97-AF65-F5344CB8AC3E}">
+        <p14:creationId xmlns:p14="http://schemas.microsoft.com/office/powerpoint/2010/main" val="1841031049"/>
+      </p:ext>
+    </p:extLst>
+  </p:cSld>
+  <p:clrMapOvr>
+    <a:masterClrMapping/>
+  </p:clrMapOvr>
+</p:notes>
+</file>
+
+<file path=ppt/notesSlides/notesSlide6.xml><?xml version="1.0" encoding="utf-8"?>
+<p:notes xmlns:a="http://schemas.openxmlformats.org/drawingml/2006/main" xmlns:r="http://schemas.openxmlformats.org/officeDocument/2006/relationships" xmlns:p="http://schemas.openxmlformats.org/presentationml/2006/main">
+  <p:cSld>
+    <p:spTree>
+      <p:nvGrpSpPr>
+        <p:cNvPr id="1" name=""/>
+        <p:cNvGrpSpPr/>
+        <p:nvPr/>
+      </p:nvGrpSpPr>
+      <p:grpSpPr>
+        <a:xfrm>
+          <a:off x="0" y="0"/>
+          <a:ext cx="0" cy="0"/>
+          <a:chOff x="0" y="0"/>
+          <a:chExt cx="0" cy="0"/>
+        </a:xfrm>
+      </p:grpSpPr>
+      <p:sp>
+        <p:nvSpPr>
+          <p:cNvPr id="2" name="슬라이드 이미지 개체 틀 1"/>
+          <p:cNvSpPr>
+            <a:spLocks noGrp="1" noRot="1" noChangeAspect="1"/>
+          </p:cNvSpPr>
+          <p:nvPr>
+            <p:ph type="sldImg"/>
+          </p:nvPr>
+        </p:nvSpPr>
+        <p:spPr/>
+      </p:sp>
+      <p:sp>
+        <p:nvSpPr>
+          <p:cNvPr id="3" name="슬라이드 노트 개체 틀 2"/>
+          <p:cNvSpPr>
+            <a:spLocks noGrp="1"/>
+          </p:cNvSpPr>
+          <p:nvPr>
+            <p:ph type="body" idx="1"/>
+          </p:nvPr>
+        </p:nvSpPr>
+        <p:spPr/>
+        <p:txBody>
+          <a:bodyPr/>
+          <a:lstStyle/>
+          <a:p>
+            <a:endParaRPr lang="ko-KR" altLang="en-US"/>
+          </a:p>
+        </p:txBody>
+      </p:sp>
+      <p:sp>
+        <p:nvSpPr>
+          <p:cNvPr id="4" name="슬라이드 번호 개체 틀 3"/>
+          <p:cNvSpPr>
+            <a:spLocks noGrp="1"/>
+          </p:cNvSpPr>
+          <p:nvPr>
+            <p:ph type="sldNum" sz="quarter" idx="10"/>
+          </p:nvPr>
+        </p:nvSpPr>
+        <p:spPr/>
+        <p:txBody>
+          <a:bodyPr/>
+          <a:lstStyle/>
+          <a:p>
+            <a:fld id="{6D0ABE42-EEBB-47F0-BC6E-2BB25FA03CFE}" type="slidenum">
+              <a:rPr lang="ko-KR" altLang="en-US" smtClean="0"/>
+              <a:t>6</a:t>
+            </a:fld>
+            <a:endParaRPr lang="ko-KR" altLang="en-US"/>
+          </a:p>
+        </p:txBody>
+      </p:sp>
+    </p:spTree>
+    <p:extLst>
+      <p:ext uri="{BB962C8B-B14F-4D97-AF65-F5344CB8AC3E}">
         <p14:creationId xmlns:p14="http://schemas.microsoft.com/office/powerpoint/2010/main" val="2950359054"/>
       </p:ext>
     </p:extLst>
@@ -850,7 +1105,7 @@
           <a:p>
             <a:fld id="{78E89258-A40F-4400-BA1A-638141289729}" type="datetime1">
               <a:rPr lang="ko-KR" altLang="en-US" smtClean="0"/>
-              <a:t>2018-05-24</a:t>
+              <a:t>2018-05-27</a:t>
             </a:fld>
             <a:endParaRPr lang="ko-KR" altLang="en-US"/>
           </a:p>
@@ -1027,7 +1282,7 @@
           <a:p>
             <a:fld id="{CD116CEF-802E-43F7-8932-78519DF2A264}" type="datetime1">
               <a:rPr lang="ko-KR" altLang="en-US" smtClean="0"/>
-              <a:t>2018-05-24</a:t>
+              <a:t>2018-05-27</a:t>
             </a:fld>
             <a:endParaRPr lang="ko-KR" altLang="en-US"/>
           </a:p>
@@ -1207,7 +1462,7 @@
           <a:p>
             <a:fld id="{EFD9D7C3-1982-427D-BFA7-1AF9687AAB0F}" type="datetime1">
               <a:rPr lang="ko-KR" altLang="en-US" smtClean="0"/>
-              <a:t>2018-05-24</a:t>
+              <a:t>2018-05-27</a:t>
             </a:fld>
             <a:endParaRPr lang="ko-KR" altLang="en-US"/>
           </a:p>
@@ -1377,7 +1632,7 @@
           <a:p>
             <a:fld id="{EDD93E7F-B437-40E5-8ACB-B79696783EFA}" type="datetime1">
               <a:rPr lang="ko-KR" altLang="en-US" smtClean="0"/>
-              <a:t>2018-05-24</a:t>
+              <a:t>2018-05-27</a:t>
             </a:fld>
             <a:endParaRPr lang="ko-KR" altLang="en-US"/>
           </a:p>
@@ -1621,7 +1876,7 @@
           <a:p>
             <a:fld id="{DB249950-0BD4-4F6E-BE3F-CB53B7E2FD06}" type="datetime1">
               <a:rPr lang="ko-KR" altLang="en-US" smtClean="0"/>
-              <a:t>2018-05-24</a:t>
+              <a:t>2018-05-27</a:t>
             </a:fld>
             <a:endParaRPr lang="ko-KR" altLang="en-US"/>
           </a:p>
@@ -1853,7 +2108,7 @@
           <a:p>
             <a:fld id="{7B016D7E-32C0-4DB3-B6B3-0506A62840FB}" type="datetime1">
               <a:rPr lang="ko-KR" altLang="en-US" smtClean="0"/>
-              <a:t>2018-05-24</a:t>
+              <a:t>2018-05-27</a:t>
             </a:fld>
             <a:endParaRPr lang="ko-KR" altLang="en-US"/>
           </a:p>
@@ -2220,7 +2475,7 @@
           <a:p>
             <a:fld id="{B246672D-B3FD-4B2E-92C0-4A80DA670927}" type="datetime1">
               <a:rPr lang="ko-KR" altLang="en-US" smtClean="0"/>
-              <a:t>2018-05-24</a:t>
+              <a:t>2018-05-27</a:t>
             </a:fld>
             <a:endParaRPr lang="ko-KR" altLang="en-US"/>
           </a:p>
@@ -2338,7 +2593,7 @@
           <a:p>
             <a:fld id="{9B9B7D2E-B202-4D7A-9519-0C490A04EB9C}" type="datetime1">
               <a:rPr lang="ko-KR" altLang="en-US" smtClean="0"/>
-              <a:t>2018-05-24</a:t>
+              <a:t>2018-05-27</a:t>
             </a:fld>
             <a:endParaRPr lang="ko-KR" altLang="en-US"/>
           </a:p>
@@ -2433,7 +2688,7 @@
           <a:p>
             <a:fld id="{12FB9327-987E-47D6-AE2D-63CED8A79494}" type="datetime1">
               <a:rPr lang="ko-KR" altLang="en-US" smtClean="0"/>
-              <a:t>2018-05-24</a:t>
+              <a:t>2018-05-27</a:t>
             </a:fld>
             <a:endParaRPr lang="ko-KR" altLang="en-US"/>
           </a:p>
@@ -2710,7 +2965,7 @@
           <a:p>
             <a:fld id="{D8D87011-7294-4632-A156-4F695AB9E41C}" type="datetime1">
               <a:rPr lang="ko-KR" altLang="en-US" smtClean="0"/>
-              <a:t>2018-05-24</a:t>
+              <a:t>2018-05-27</a:t>
             </a:fld>
             <a:endParaRPr lang="ko-KR" altLang="en-US"/>
           </a:p>
@@ -2967,7 +3222,7 @@
           <a:p>
             <a:fld id="{1BDC7FDB-72DE-4D65-AF4F-510496DAF70F}" type="datetime1">
               <a:rPr lang="ko-KR" altLang="en-US" smtClean="0"/>
-              <a:t>2018-05-24</a:t>
+              <a:t>2018-05-27</a:t>
             </a:fld>
             <a:endParaRPr lang="ko-KR" altLang="en-US"/>
           </a:p>
@@ -3180,7 +3435,7 @@
           <a:p>
             <a:fld id="{9A286DBF-DB43-470A-A903-26374CB6EF47}" type="datetime1">
               <a:rPr lang="ko-KR" altLang="en-US" smtClean="0"/>
-              <a:t>2018-05-24</a:t>
+              <a:t>2018-05-27</a:t>
             </a:fld>
             <a:endParaRPr lang="ko-KR" altLang="en-US"/>
           </a:p>
@@ -3765,7 +4020,7 @@
           <a:p>
             <a:fld id="{32C03489-23FC-4021-B9AB-958EFB3C0FE7}" type="datetime1">
               <a:rPr lang="ko-KR" altLang="en-US" smtClean="0"/>
-              <a:t>2018-05-24</a:t>
+              <a:t>2018-05-27</a:t>
             </a:fld>
             <a:endParaRPr lang="ko-KR" altLang="en-US"/>
           </a:p>
@@ -3888,14 +4143,17 @@
                 </a:solidFill>
                 <a:latin typeface="Arial" panose="020B0604020202020204" pitchFamily="34" charset="0"/>
               </a:rPr>
-              <a:t>Lase Week…</a:t>
-            </a:r>
-            <a:endParaRPr lang="en-US" altLang="ko-KR" sz="2800" dirty="0" smtClean="0">
-              <a:solidFill>
-                <a:schemeClr val="bg1"/>
-              </a:solidFill>
-              <a:latin typeface="Arial" panose="020B0604020202020204" pitchFamily="34" charset="0"/>
-            </a:endParaRPr>
+              <a:t>Last </a:t>
+            </a:r>
+            <a:r>
+              <a:rPr lang="en-US" altLang="ko-KR" sz="2800" dirty="0" smtClean="0">
+                <a:solidFill>
+                  <a:schemeClr val="bg1"/>
+                </a:solidFill>
+                <a:latin typeface="Arial" panose="020B0604020202020204" pitchFamily="34" charset="0"/>
+              </a:rPr>
+              <a:t>Week…</a:t>
+            </a:r>
           </a:p>
         </p:txBody>
       </p:sp>
@@ -3916,7 +4174,7 @@
           <a:p>
             <a:fld id="{53646E5C-8775-44A9-9523-40B6CCA06789}" type="datetime1">
               <a:rPr lang="ko-KR" altLang="en-US" smtClean="0"/>
-              <a:t>2018-05-24</a:t>
+              <a:t>2018-05-27</a:t>
             </a:fld>
             <a:endParaRPr lang="ko-KR" altLang="en-US"/>
           </a:p>
@@ -3953,7 +4211,7 @@
         </p:nvSpPr>
         <p:spPr>
           <a:xfrm>
-            <a:off x="720969" y="1108766"/>
+            <a:off x="720969" y="1359286"/>
             <a:ext cx="2853504" cy="400110"/>
           </a:xfrm>
           <a:prstGeom prst="rect">
@@ -3975,11 +4233,6 @@
               </a:rPr>
               <a:t>MATLAB</a:t>
             </a:r>
-            <a:endParaRPr lang="en-US" altLang="ko-KR" sz="2000" dirty="0" smtClean="0">
-              <a:solidFill>
-                <a:srgbClr val="3333FF"/>
-              </a:solidFill>
-            </a:endParaRPr>
           </a:p>
         </p:txBody>
       </p:sp>
@@ -3991,7 +4244,7 @@
         </p:nvSpPr>
         <p:spPr>
           <a:xfrm>
-            <a:off x="720968" y="1595283"/>
+            <a:off x="720968" y="1845803"/>
             <a:ext cx="6481497" cy="1200329"/>
           </a:xfrm>
           <a:prstGeom prst="rect">
@@ -4029,12 +4282,8 @@
               <a:t>가 학교에서 </a:t>
             </a:r>
             <a:r>
-              <a:rPr lang="ko-KR" altLang="en-US" dirty="0" err="1" smtClean="0"/>
-              <a:t>제공된것</a:t>
-            </a:r>
-            <a:r>
               <a:rPr lang="ko-KR" altLang="en-US" dirty="0" smtClean="0"/>
-              <a:t> </a:t>
+              <a:t>제공된 것 </a:t>
             </a:r>
             <a:r>
               <a:rPr lang="en-US" altLang="ko-KR" dirty="0" smtClean="0">
@@ -4084,7 +4333,7 @@
         </p:nvSpPr>
         <p:spPr>
           <a:xfrm>
-            <a:off x="628650" y="2875739"/>
+            <a:off x="628650" y="3126259"/>
             <a:ext cx="2853504" cy="400110"/>
           </a:xfrm>
           <a:prstGeom prst="rect">
@@ -4106,11 +4355,6 @@
               </a:rPr>
               <a:t>Zurich Single Lock In Amp.</a:t>
             </a:r>
-            <a:endParaRPr lang="en-US" altLang="ko-KR" sz="2000" dirty="0" smtClean="0">
-              <a:solidFill>
-                <a:srgbClr val="3333FF"/>
-              </a:solidFill>
-            </a:endParaRPr>
           </a:p>
         </p:txBody>
       </p:sp>
@@ -4122,7 +4366,7 @@
         </p:nvSpPr>
         <p:spPr>
           <a:xfrm>
-            <a:off x="720969" y="3394792"/>
+            <a:off x="720969" y="3645312"/>
             <a:ext cx="4155831" cy="369332"/>
           </a:xfrm>
           <a:prstGeom prst="rect">
@@ -4137,6 +4381,79 @@
           <a:lstStyle/>
           <a:p>
             <a:endParaRPr lang="ko-KR" altLang="en-US" dirty="0"/>
+          </a:p>
+        </p:txBody>
+      </p:sp>
+      <p:sp>
+        <p:nvSpPr>
+          <p:cNvPr id="9" name="TextBox 8"/>
+          <p:cNvSpPr txBox="1"/>
+          <p:nvPr/>
+        </p:nvSpPr>
+        <p:spPr>
+          <a:xfrm>
+            <a:off x="720968" y="3606496"/>
+            <a:ext cx="7496106" cy="646331"/>
+          </a:xfrm>
+          <a:prstGeom prst="rect">
+            <a:avLst/>
+          </a:prstGeom>
+          <a:noFill/>
+        </p:spPr>
+        <p:txBody>
+          <a:bodyPr wrap="square" rtlCol="0">
+            <a:spAutoFit/>
+          </a:bodyPr>
+          <a:lstStyle/>
+          <a:p>
+            <a:pPr marL="285750" indent="-285750">
+              <a:buFontTx/>
+              <a:buChar char="-"/>
+            </a:pPr>
+            <a:r>
+              <a:rPr lang="en-US" altLang="ko-KR" dirty="0" smtClean="0"/>
+              <a:t>Internal oscillator</a:t>
+            </a:r>
+            <a:r>
+              <a:rPr lang="ko-KR" altLang="en-US" dirty="0" smtClean="0"/>
+              <a:t>가 있어 </a:t>
+            </a:r>
+            <a:r>
+              <a:rPr lang="en-US" altLang="ko-KR" dirty="0"/>
+              <a:t>i</a:t>
+            </a:r>
+            <a:r>
+              <a:rPr lang="en-US" altLang="ko-KR" dirty="0" smtClean="0"/>
+              <a:t>nternal reference</a:t>
+            </a:r>
+            <a:r>
+              <a:rPr lang="ko-KR" altLang="en-US" dirty="0" smtClean="0"/>
+              <a:t>가 가능</a:t>
+            </a:r>
+            <a:endParaRPr lang="en-US" altLang="ko-KR" dirty="0"/>
+          </a:p>
+          <a:p>
+            <a:pPr marL="285750" indent="-285750">
+              <a:buFontTx/>
+              <a:buChar char="-"/>
+            </a:pPr>
+            <a:r>
+              <a:rPr lang="en-US" altLang="ko-KR" dirty="0" smtClean="0"/>
+              <a:t>External reference</a:t>
+            </a:r>
+            <a:r>
+              <a:rPr lang="ko-KR" altLang="en-US" dirty="0" smtClean="0"/>
+              <a:t>를 사용하기 위해서는 </a:t>
+            </a:r>
+            <a:r>
+              <a:rPr lang="en-US" altLang="ko-KR" dirty="0" smtClean="0"/>
+              <a:t>PLL (Phase Locked Loop)</a:t>
+            </a:r>
+            <a:r>
+              <a:rPr lang="ko-KR" altLang="en-US" dirty="0" smtClean="0"/>
+              <a:t>를 사용</a:t>
+            </a:r>
+            <a:endParaRPr lang="en-US" altLang="ko-KR" dirty="0" smtClean="0"/>
           </a:p>
         </p:txBody>
       </p:sp>
@@ -4234,8 +4551,14 @@
                 </a:solidFill>
                 <a:latin typeface="Arial" panose="020B0604020202020204" pitchFamily="34" charset="0"/>
               </a:rPr>
-              <a:t>Week Plan</a:t>
-            </a:r>
+              <a:t>Single Lock-In</a:t>
+            </a:r>
+            <a:endParaRPr lang="en-US" altLang="ko-KR" sz="2800" dirty="0" smtClean="0">
+              <a:solidFill>
+                <a:schemeClr val="bg1"/>
+              </a:solidFill>
+              <a:latin typeface="Arial" panose="020B0604020202020204" pitchFamily="34" charset="0"/>
+            </a:endParaRPr>
           </a:p>
         </p:txBody>
       </p:sp>
@@ -4256,7 +4579,7 @@
           <a:p>
             <a:fld id="{53646E5C-8775-44A9-9523-40B6CCA06789}" type="datetime1">
               <a:rPr lang="ko-KR" altLang="en-US" smtClean="0"/>
-              <a:t>2018-05-24</a:t>
+              <a:t>2018-05-27</a:t>
             </a:fld>
             <a:endParaRPr lang="ko-KR" altLang="en-US"/>
           </a:p>
@@ -4281,20 +4604,104 @@
               <a:rPr lang="ko-KR" altLang="en-US" smtClean="0"/>
               <a:t>3</a:t>
             </a:fld>
+            <a:endParaRPr lang="ko-KR" altLang="en-US"/>
+          </a:p>
+        </p:txBody>
+      </p:sp>
+      <p:sp>
+        <p:nvSpPr>
+          <p:cNvPr id="3" name="직사각형 2"/>
+          <p:cNvSpPr/>
+          <p:nvPr/>
+        </p:nvSpPr>
+        <p:spPr>
+          <a:xfrm>
+            <a:off x="3319399" y="3181908"/>
+            <a:ext cx="1132822" cy="563671"/>
+          </a:xfrm>
+          <a:prstGeom prst="rect">
+            <a:avLst/>
+          </a:prstGeom>
+        </p:spPr>
+        <p:style>
+          <a:lnRef idx="2">
+            <a:schemeClr val="dk1"/>
+          </a:lnRef>
+          <a:fillRef idx="1">
+            <a:schemeClr val="lt1"/>
+          </a:fillRef>
+          <a:effectRef idx="0">
+            <a:schemeClr val="dk1"/>
+          </a:effectRef>
+          <a:fontRef idx="minor">
+            <a:schemeClr val="dk1"/>
+          </a:fontRef>
+        </p:style>
+        <p:txBody>
+          <a:bodyPr rtlCol="0" anchor="ctr"/>
+          <a:lstStyle/>
+          <a:p>
+            <a:pPr algn="ctr"/>
+            <a:r>
+              <a:rPr lang="en-US" altLang="ko-KR" dirty="0" smtClean="0"/>
+              <a:t>PLL</a:t>
+            </a:r>
             <a:endParaRPr lang="ko-KR" altLang="en-US" dirty="0"/>
           </a:p>
         </p:txBody>
       </p:sp>
       <p:sp>
         <p:nvSpPr>
-          <p:cNvPr id="6" name="TextBox 5"/>
+          <p:cNvPr id="11" name="직사각형 10"/>
+          <p:cNvSpPr/>
+          <p:nvPr/>
+        </p:nvSpPr>
+        <p:spPr>
+          <a:xfrm>
+            <a:off x="3319399" y="1703779"/>
+            <a:ext cx="1132822" cy="563671"/>
+          </a:xfrm>
+          <a:prstGeom prst="rect">
+            <a:avLst/>
+          </a:prstGeom>
+        </p:spPr>
+        <p:style>
+          <a:lnRef idx="2">
+            <a:schemeClr val="dk1"/>
+          </a:lnRef>
+          <a:fillRef idx="1">
+            <a:schemeClr val="lt1"/>
+          </a:fillRef>
+          <a:effectRef idx="0">
+            <a:schemeClr val="dk1"/>
+          </a:effectRef>
+          <a:fontRef idx="minor">
+            <a:schemeClr val="dk1"/>
+          </a:fontRef>
+        </p:style>
+        <p:txBody>
+          <a:bodyPr rtlCol="0" anchor="ctr"/>
+          <a:lstStyle/>
+          <a:p>
+            <a:pPr algn="ctr"/>
+            <a:r>
+              <a:rPr lang="en-US" altLang="ko-KR" dirty="0" smtClean="0"/>
+              <a:t>PLL</a:t>
+            </a:r>
+            <a:endParaRPr lang="ko-KR" altLang="en-US" dirty="0"/>
+          </a:p>
+        </p:txBody>
+      </p:sp>
+      <p:sp>
+        <p:nvSpPr>
+          <p:cNvPr id="16" name="TextBox 15"/>
           <p:cNvSpPr txBox="1"/>
           <p:nvPr/>
         </p:nvSpPr>
         <p:spPr>
           <a:xfrm>
-            <a:off x="714375" y="1052890"/>
-            <a:ext cx="7715250" cy="923330"/>
+            <a:off x="720969" y="1108766"/>
+            <a:ext cx="2853504" cy="400110"/>
           </a:xfrm>
           <a:prstGeom prst="rect">
             <a:avLst/>
@@ -4308,22 +4715,898 @@
           <a:lstStyle/>
           <a:p>
             <a:r>
-              <a:rPr lang="en-US" altLang="ko-KR" dirty="0" smtClean="0">
+              <a:rPr lang="en-US" altLang="ko-KR" sz="2000" dirty="0" smtClean="0">
                 <a:solidFill>
                   <a:srgbClr val="3333FF"/>
                 </a:solidFill>
               </a:rPr>
-              <a:t>Zurich Lock-In Amplifier</a:t>
-            </a:r>
-          </a:p>
-          <a:p>
-            <a:pPr marL="285750" indent="-285750">
-              <a:buFontTx/>
-              <a:buChar char="-"/>
-            </a:pPr>
+              <a:t>SR830</a:t>
+            </a:r>
+            <a:endParaRPr lang="en-US" altLang="ko-KR" sz="2000" dirty="0" smtClean="0">
+              <a:solidFill>
+                <a:srgbClr val="3333FF"/>
+              </a:solidFill>
+            </a:endParaRPr>
+          </a:p>
+        </p:txBody>
+      </p:sp>
+      <p:sp>
+        <p:nvSpPr>
+          <p:cNvPr id="17" name="TextBox 16"/>
+          <p:cNvSpPr txBox="1"/>
+          <p:nvPr/>
+        </p:nvSpPr>
+        <p:spPr>
+          <a:xfrm>
+            <a:off x="720969" y="2705169"/>
+            <a:ext cx="2853504" cy="400110"/>
+          </a:xfrm>
+          <a:prstGeom prst="rect">
+            <a:avLst/>
+          </a:prstGeom>
+          <a:noFill/>
+        </p:spPr>
+        <p:txBody>
+          <a:bodyPr wrap="square" rtlCol="0">
+            <a:spAutoFit/>
+          </a:bodyPr>
+          <a:lstStyle/>
+          <a:p>
+            <a:r>
+              <a:rPr lang="en-US" altLang="ko-KR" sz="2000" dirty="0" smtClean="0">
+                <a:solidFill>
+                  <a:srgbClr val="3333FF"/>
+                </a:solidFill>
+              </a:rPr>
+              <a:t>Zurich HF2LI</a:t>
+            </a:r>
+            <a:endParaRPr lang="en-US" altLang="ko-KR" sz="2000" dirty="0" smtClean="0">
+              <a:solidFill>
+                <a:srgbClr val="3333FF"/>
+              </a:solidFill>
+            </a:endParaRPr>
+          </a:p>
+        </p:txBody>
+      </p:sp>
+      <p:sp>
+        <p:nvSpPr>
+          <p:cNvPr id="4" name="TextBox 3"/>
+          <p:cNvSpPr txBox="1"/>
+          <p:nvPr/>
+        </p:nvSpPr>
+        <p:spPr>
+          <a:xfrm>
+            <a:off x="964504" y="1800948"/>
+            <a:ext cx="1841328" cy="369332"/>
+          </a:xfrm>
+          <a:prstGeom prst="rect">
+            <a:avLst/>
+          </a:prstGeom>
+          <a:noFill/>
+        </p:spPr>
+        <p:txBody>
+          <a:bodyPr wrap="square" rtlCol="0">
+            <a:spAutoFit/>
+          </a:bodyPr>
+          <a:lstStyle/>
+          <a:p>
             <a:r>
               <a:rPr lang="en-US" altLang="ko-KR" dirty="0" smtClean="0"/>
-              <a:t>LabVIEW Programming (Scope module, Noise measure example</a:t>
+              <a:t>Reference Signal</a:t>
+            </a:r>
+            <a:endParaRPr lang="ko-KR" altLang="en-US" dirty="0"/>
+          </a:p>
+        </p:txBody>
+      </p:sp>
+      <p:cxnSp>
+        <p:nvCxnSpPr>
+          <p:cNvPr id="6" name="직선 화살표 연결선 5"/>
+          <p:cNvCxnSpPr>
+            <a:stCxn id="4" idx="3"/>
+            <a:endCxn id="11" idx="1"/>
+          </p:cNvCxnSpPr>
+          <p:nvPr/>
+        </p:nvCxnSpPr>
+        <p:spPr>
+          <a:xfrm>
+            <a:off x="2805832" y="1985614"/>
+            <a:ext cx="513567" cy="1"/>
+          </a:xfrm>
+          <a:prstGeom prst="straightConnector1">
+            <a:avLst/>
+          </a:prstGeom>
+          <a:ln>
+            <a:tailEnd type="triangle"/>
+          </a:ln>
+        </p:spPr>
+        <p:style>
+          <a:lnRef idx="1">
+            <a:schemeClr val="dk1"/>
+          </a:lnRef>
+          <a:fillRef idx="0">
+            <a:schemeClr val="dk1"/>
+          </a:fillRef>
+          <a:effectRef idx="0">
+            <a:schemeClr val="dk1"/>
+          </a:effectRef>
+          <a:fontRef idx="minor">
+            <a:schemeClr val="tx1"/>
+          </a:fontRef>
+        </p:style>
+      </p:cxnSp>
+      <p:sp>
+        <p:nvSpPr>
+          <p:cNvPr id="18" name="TextBox 17"/>
+          <p:cNvSpPr txBox="1"/>
+          <p:nvPr/>
+        </p:nvSpPr>
+        <p:spPr>
+          <a:xfrm>
+            <a:off x="964504" y="3284229"/>
+            <a:ext cx="1841328" cy="369332"/>
+          </a:xfrm>
+          <a:prstGeom prst="rect">
+            <a:avLst/>
+          </a:prstGeom>
+          <a:noFill/>
+        </p:spPr>
+        <p:txBody>
+          <a:bodyPr wrap="square" rtlCol="0">
+            <a:spAutoFit/>
+          </a:bodyPr>
+          <a:lstStyle/>
+          <a:p>
+            <a:r>
+              <a:rPr lang="en-US" altLang="ko-KR" dirty="0" smtClean="0"/>
+              <a:t>Reference Signal</a:t>
+            </a:r>
+            <a:endParaRPr lang="ko-KR" altLang="en-US" dirty="0"/>
+          </a:p>
+        </p:txBody>
+      </p:sp>
+      <p:cxnSp>
+        <p:nvCxnSpPr>
+          <p:cNvPr id="19" name="직선 화살표 연결선 18"/>
+          <p:cNvCxnSpPr>
+            <a:stCxn id="18" idx="3"/>
+            <a:endCxn id="3" idx="1"/>
+          </p:cNvCxnSpPr>
+          <p:nvPr/>
+        </p:nvCxnSpPr>
+        <p:spPr>
+          <a:xfrm flipV="1">
+            <a:off x="2805832" y="3463744"/>
+            <a:ext cx="513567" cy="5151"/>
+          </a:xfrm>
+          <a:prstGeom prst="straightConnector1">
+            <a:avLst/>
+          </a:prstGeom>
+          <a:ln>
+            <a:tailEnd type="triangle"/>
+          </a:ln>
+        </p:spPr>
+        <p:style>
+          <a:lnRef idx="1">
+            <a:schemeClr val="dk1"/>
+          </a:lnRef>
+          <a:fillRef idx="0">
+            <a:schemeClr val="dk1"/>
+          </a:fillRef>
+          <a:effectRef idx="0">
+            <a:schemeClr val="dk1"/>
+          </a:effectRef>
+          <a:fontRef idx="minor">
+            <a:schemeClr val="tx1"/>
+          </a:fontRef>
+        </p:style>
+      </p:cxnSp>
+      <p:sp>
+        <p:nvSpPr>
+          <p:cNvPr id="22" name="순서도: 가산 접합 21"/>
+          <p:cNvSpPr/>
+          <p:nvPr/>
+        </p:nvSpPr>
+        <p:spPr>
+          <a:xfrm>
+            <a:off x="5749446" y="1572255"/>
+            <a:ext cx="826717" cy="826717"/>
+          </a:xfrm>
+          <a:prstGeom prst="flowChartSummingJunction">
+            <a:avLst/>
+          </a:prstGeom>
+        </p:spPr>
+        <p:style>
+          <a:lnRef idx="2">
+            <a:schemeClr val="dk1"/>
+          </a:lnRef>
+          <a:fillRef idx="1">
+            <a:schemeClr val="lt1"/>
+          </a:fillRef>
+          <a:effectRef idx="0">
+            <a:schemeClr val="dk1"/>
+          </a:effectRef>
+          <a:fontRef idx="minor">
+            <a:schemeClr val="dk1"/>
+          </a:fontRef>
+        </p:style>
+        <p:txBody>
+          <a:bodyPr rtlCol="0" anchor="ctr"/>
+          <a:lstStyle/>
+          <a:p>
+            <a:pPr algn="ctr"/>
+            <a:endParaRPr lang="ko-KR" altLang="en-US"/>
+          </a:p>
+        </p:txBody>
+      </p:sp>
+      <p:cxnSp>
+        <p:nvCxnSpPr>
+          <p:cNvPr id="24" name="직선 화살표 연결선 23"/>
+          <p:cNvCxnSpPr>
+            <a:stCxn id="11" idx="3"/>
+            <a:endCxn id="22" idx="2"/>
+          </p:cNvCxnSpPr>
+          <p:nvPr/>
+        </p:nvCxnSpPr>
+        <p:spPr>
+          <a:xfrm flipV="1">
+            <a:off x="4452221" y="1985614"/>
+            <a:ext cx="1297225" cy="1"/>
+          </a:xfrm>
+          <a:prstGeom prst="straightConnector1">
+            <a:avLst/>
+          </a:prstGeom>
+          <a:ln>
+            <a:tailEnd type="triangle"/>
+          </a:ln>
+        </p:spPr>
+        <p:style>
+          <a:lnRef idx="1">
+            <a:schemeClr val="dk1"/>
+          </a:lnRef>
+          <a:fillRef idx="0">
+            <a:schemeClr val="dk1"/>
+          </a:fillRef>
+          <a:effectRef idx="0">
+            <a:schemeClr val="dk1"/>
+          </a:effectRef>
+          <a:fontRef idx="minor">
+            <a:schemeClr val="tx1"/>
+          </a:fontRef>
+        </p:style>
+      </p:cxnSp>
+      <p:sp>
+        <p:nvSpPr>
+          <p:cNvPr id="27" name="순서도: 가산 접합 26"/>
+          <p:cNvSpPr/>
+          <p:nvPr/>
+        </p:nvSpPr>
+        <p:spPr>
+          <a:xfrm>
+            <a:off x="5794070" y="3050384"/>
+            <a:ext cx="826717" cy="826717"/>
+          </a:xfrm>
+          <a:prstGeom prst="flowChartSummingJunction">
+            <a:avLst/>
+          </a:prstGeom>
+        </p:spPr>
+        <p:style>
+          <a:lnRef idx="2">
+            <a:schemeClr val="dk1"/>
+          </a:lnRef>
+          <a:fillRef idx="1">
+            <a:schemeClr val="lt1"/>
+          </a:fillRef>
+          <a:effectRef idx="0">
+            <a:schemeClr val="dk1"/>
+          </a:effectRef>
+          <a:fontRef idx="minor">
+            <a:schemeClr val="dk1"/>
+          </a:fontRef>
+        </p:style>
+        <p:txBody>
+          <a:bodyPr rtlCol="0" anchor="ctr"/>
+          <a:lstStyle/>
+          <a:p>
+            <a:pPr algn="ctr"/>
+            <a:endParaRPr lang="ko-KR" altLang="en-US"/>
+          </a:p>
+        </p:txBody>
+      </p:sp>
+      <p:cxnSp>
+        <p:nvCxnSpPr>
+          <p:cNvPr id="28" name="직선 화살표 연결선 27"/>
+          <p:cNvCxnSpPr>
+            <a:stCxn id="3" idx="3"/>
+            <a:endCxn id="27" idx="2"/>
+          </p:cNvCxnSpPr>
+          <p:nvPr/>
+        </p:nvCxnSpPr>
+        <p:spPr>
+          <a:xfrm flipV="1">
+            <a:off x="4452221" y="3463743"/>
+            <a:ext cx="1341849" cy="1"/>
+          </a:xfrm>
+          <a:prstGeom prst="straightConnector1">
+            <a:avLst/>
+          </a:prstGeom>
+          <a:ln>
+            <a:tailEnd type="triangle"/>
+          </a:ln>
+        </p:spPr>
+        <p:style>
+          <a:lnRef idx="1">
+            <a:schemeClr val="dk1"/>
+          </a:lnRef>
+          <a:fillRef idx="0">
+            <a:schemeClr val="dk1"/>
+          </a:fillRef>
+          <a:effectRef idx="0">
+            <a:schemeClr val="dk1"/>
+          </a:effectRef>
+          <a:fontRef idx="minor">
+            <a:schemeClr val="tx1"/>
+          </a:fontRef>
+        </p:style>
+      </p:cxnSp>
+      <p:sp>
+        <p:nvSpPr>
+          <p:cNvPr id="30" name="왼쪽 중괄호 29"/>
+          <p:cNvSpPr/>
+          <p:nvPr/>
+        </p:nvSpPr>
+        <p:spPr>
+          <a:xfrm rot="5400000">
+            <a:off x="3772338" y="2807785"/>
+            <a:ext cx="226944" cy="2312366"/>
+          </a:xfrm>
+          <a:prstGeom prst="leftBrace">
+            <a:avLst/>
+          </a:prstGeom>
+        </p:spPr>
+        <p:style>
+          <a:lnRef idx="1">
+            <a:schemeClr val="dk1"/>
+          </a:lnRef>
+          <a:fillRef idx="0">
+            <a:schemeClr val="dk1"/>
+          </a:fillRef>
+          <a:effectRef idx="0">
+            <a:schemeClr val="dk1"/>
+          </a:effectRef>
+          <a:fontRef idx="minor">
+            <a:schemeClr val="tx1"/>
+          </a:fontRef>
+        </p:style>
+        <p:txBody>
+          <a:bodyPr rtlCol="0" anchor="ctr"/>
+          <a:lstStyle/>
+          <a:p>
+            <a:pPr algn="ctr"/>
+            <a:endParaRPr lang="ko-KR" altLang="en-US"/>
+          </a:p>
+        </p:txBody>
+      </p:sp>
+      <p:sp>
+        <p:nvSpPr>
+          <p:cNvPr id="36" name="직사각형 35"/>
+          <p:cNvSpPr/>
+          <p:nvPr/>
+        </p:nvSpPr>
+        <p:spPr>
+          <a:xfrm>
+            <a:off x="1692386" y="4098526"/>
+            <a:ext cx="2074482" cy="924466"/>
+          </a:xfrm>
+          <a:prstGeom prst="rect">
+            <a:avLst/>
+          </a:prstGeom>
+        </p:spPr>
+        <p:style>
+          <a:lnRef idx="2">
+            <a:schemeClr val="dk1"/>
+          </a:lnRef>
+          <a:fillRef idx="1">
+            <a:schemeClr val="lt1"/>
+          </a:fillRef>
+          <a:effectRef idx="0">
+            <a:schemeClr val="dk1"/>
+          </a:effectRef>
+          <a:fontRef idx="minor">
+            <a:schemeClr val="dk1"/>
+          </a:fontRef>
+        </p:style>
+        <p:txBody>
+          <a:bodyPr rtlCol="0" anchor="ctr"/>
+          <a:lstStyle/>
+          <a:p>
+            <a:pPr algn="ctr"/>
+            <a:r>
+              <a:rPr lang="en-US" altLang="ko-KR" dirty="0" smtClean="0"/>
+              <a:t>LPF</a:t>
+            </a:r>
+          </a:p>
+          <a:p>
+            <a:pPr algn="ctr"/>
+            <a:r>
+              <a:rPr lang="en-US" altLang="ko-KR" dirty="0" smtClean="0"/>
+              <a:t>(Time const., order) </a:t>
+            </a:r>
+            <a:endParaRPr lang="ko-KR" altLang="en-US" dirty="0"/>
+          </a:p>
+        </p:txBody>
+      </p:sp>
+      <p:sp>
+        <p:nvSpPr>
+          <p:cNvPr id="38" name="직사각형 37"/>
+          <p:cNvSpPr/>
+          <p:nvPr/>
+        </p:nvSpPr>
+        <p:spPr>
+          <a:xfrm>
+            <a:off x="4004752" y="4098526"/>
+            <a:ext cx="2074482" cy="924466"/>
+          </a:xfrm>
+          <a:prstGeom prst="rect">
+            <a:avLst/>
+          </a:prstGeom>
+        </p:spPr>
+        <p:style>
+          <a:lnRef idx="2">
+            <a:schemeClr val="dk1"/>
+          </a:lnRef>
+          <a:fillRef idx="1">
+            <a:schemeClr val="lt1"/>
+          </a:fillRef>
+          <a:effectRef idx="0">
+            <a:schemeClr val="dk1"/>
+          </a:effectRef>
+          <a:fontRef idx="minor">
+            <a:schemeClr val="dk1"/>
+          </a:fontRef>
+        </p:style>
+        <p:txBody>
+          <a:bodyPr rtlCol="0" anchor="ctr"/>
+          <a:lstStyle/>
+          <a:p>
+            <a:pPr algn="ctr"/>
+            <a:r>
+              <a:rPr lang="en-US" altLang="ko-KR" dirty="0" smtClean="0"/>
+              <a:t>PID Controller</a:t>
+            </a:r>
+          </a:p>
+          <a:p>
+            <a:pPr algn="ctr"/>
+            <a:r>
+              <a:rPr lang="en-US" altLang="ko-KR" dirty="0" smtClean="0"/>
+              <a:t>(P, I, D) </a:t>
+            </a:r>
+            <a:endParaRPr lang="ko-KR" altLang="en-US" dirty="0"/>
+          </a:p>
+        </p:txBody>
+      </p:sp>
+      <p:sp>
+        <p:nvSpPr>
+          <p:cNvPr id="41" name="TextBox 40"/>
+          <p:cNvSpPr txBox="1"/>
+          <p:nvPr/>
+        </p:nvSpPr>
+        <p:spPr>
+          <a:xfrm>
+            <a:off x="2965146" y="5059751"/>
+            <a:ext cx="1841328" cy="369332"/>
+          </a:xfrm>
+          <a:prstGeom prst="rect">
+            <a:avLst/>
+          </a:prstGeom>
+          <a:noFill/>
+        </p:spPr>
+        <p:txBody>
+          <a:bodyPr wrap="square" rtlCol="0">
+            <a:spAutoFit/>
+          </a:bodyPr>
+          <a:lstStyle/>
+          <a:p>
+            <a:r>
+              <a:rPr lang="en-US" altLang="ko-KR" dirty="0" smtClean="0">
+                <a:sym typeface="Wingdings" panose="05000000000000000000" pitchFamily="2" charset="2"/>
+              </a:rPr>
+              <a:t> Auto Setting</a:t>
+            </a:r>
+            <a:endParaRPr lang="ko-KR" altLang="en-US" dirty="0"/>
+          </a:p>
+        </p:txBody>
+      </p:sp>
+      <p:sp>
+        <p:nvSpPr>
+          <p:cNvPr id="42" name="TextBox 41"/>
+          <p:cNvSpPr txBox="1"/>
+          <p:nvPr/>
+        </p:nvSpPr>
+        <p:spPr>
+          <a:xfrm>
+            <a:off x="5766569" y="1275065"/>
+            <a:ext cx="792470" cy="369332"/>
+          </a:xfrm>
+          <a:prstGeom prst="rect">
+            <a:avLst/>
+          </a:prstGeom>
+          <a:noFill/>
+        </p:spPr>
+        <p:txBody>
+          <a:bodyPr wrap="square" rtlCol="0">
+            <a:spAutoFit/>
+          </a:bodyPr>
+          <a:lstStyle/>
+          <a:p>
+            <a:r>
+              <a:rPr lang="en-US" altLang="ko-KR" dirty="0" smtClean="0">
+                <a:sym typeface="Wingdings" panose="05000000000000000000" pitchFamily="2" charset="2"/>
+              </a:rPr>
+              <a:t>Mixer</a:t>
+            </a:r>
+            <a:endParaRPr lang="ko-KR" altLang="en-US" dirty="0"/>
+          </a:p>
+        </p:txBody>
+      </p:sp>
+      <p:sp>
+        <p:nvSpPr>
+          <p:cNvPr id="43" name="TextBox 42"/>
+          <p:cNvSpPr txBox="1"/>
+          <p:nvPr/>
+        </p:nvSpPr>
+        <p:spPr>
+          <a:xfrm>
+            <a:off x="5811193" y="2746691"/>
+            <a:ext cx="792470" cy="369332"/>
+          </a:xfrm>
+          <a:prstGeom prst="rect">
+            <a:avLst/>
+          </a:prstGeom>
+          <a:noFill/>
+        </p:spPr>
+        <p:txBody>
+          <a:bodyPr wrap="square" rtlCol="0">
+            <a:spAutoFit/>
+          </a:bodyPr>
+          <a:lstStyle/>
+          <a:p>
+            <a:r>
+              <a:rPr lang="en-US" altLang="ko-KR" dirty="0" smtClean="0">
+                <a:sym typeface="Wingdings" panose="05000000000000000000" pitchFamily="2" charset="2"/>
+              </a:rPr>
+              <a:t>Mixer</a:t>
+            </a:r>
+            <a:endParaRPr lang="ko-KR" altLang="en-US" dirty="0"/>
+          </a:p>
+        </p:txBody>
+      </p:sp>
+    </p:spTree>
+    <p:extLst>
+      <p:ext uri="{BB962C8B-B14F-4D97-AF65-F5344CB8AC3E}">
+        <p14:creationId xmlns:p14="http://schemas.microsoft.com/office/powerpoint/2010/main" val="3596248998"/>
+      </p:ext>
+    </p:extLst>
+  </p:cSld>
+  <p:clrMapOvr>
+    <a:masterClrMapping/>
+  </p:clrMapOvr>
+  <p:timing>
+    <p:tnLst>
+      <p:par>
+        <p:cTn id="1" dur="indefinite" restart="never" nodeType="tmRoot"/>
+      </p:par>
+    </p:tnLst>
+  </p:timing>
+</p:sld>
+</file>
+
+<file path=ppt/slides/slide4.xml><?xml version="1.0" encoding="utf-8"?>
+<p:sld xmlns:a="http://schemas.openxmlformats.org/drawingml/2006/main" xmlns:r="http://schemas.openxmlformats.org/officeDocument/2006/relationships" xmlns:p="http://schemas.openxmlformats.org/presentationml/2006/main">
+  <p:cSld>
+    <p:spTree>
+      <p:nvGrpSpPr>
+        <p:cNvPr id="1" name=""/>
+        <p:cNvGrpSpPr/>
+        <p:nvPr/>
+      </p:nvGrpSpPr>
+      <p:grpSpPr>
+        <a:xfrm>
+          <a:off x="0" y="0"/>
+          <a:ext cx="0" cy="0"/>
+          <a:chOff x="0" y="0"/>
+          <a:chExt cx="0" cy="0"/>
+        </a:xfrm>
+      </p:grpSpPr>
+      <p:sp>
+        <p:nvSpPr>
+          <p:cNvPr id="6199" name="Rectangle 55"/>
+          <p:cNvSpPr>
+            <a:spLocks noChangeArrowheads="1"/>
+          </p:cNvSpPr>
+          <p:nvPr/>
+        </p:nvSpPr>
+        <p:spPr bwMode="auto">
+          <a:xfrm>
+            <a:off x="0" y="0"/>
+            <a:ext cx="9144000" cy="692150"/>
+          </a:xfrm>
+          <a:prstGeom prst="rect">
+            <a:avLst/>
+          </a:prstGeom>
+          <a:solidFill>
+            <a:srgbClr val="3333FF"/>
+          </a:solidFill>
+          <a:ln>
+            <a:noFill/>
+          </a:ln>
+          <a:effectLst/>
+          <a:extLst>
+            <a:ext uri="{91240B29-F687-4F45-9708-019B960494DF}">
+              <a14:hiddenLine xmlns:a14="http://schemas.microsoft.com/office/drawing/2010/main" w="9525">
+                <a:solidFill>
+                  <a:schemeClr val="tx1"/>
+                </a:solidFill>
+                <a:miter lim="800000"/>
+                <a:headEnd/>
+                <a:tailEnd/>
+              </a14:hiddenLine>
+            </a:ext>
+            <a:ext uri="{AF507438-7753-43E0-B8FC-AC1667EBCBE1}">
+              <a14:hiddenEffects xmlns:a14="http://schemas.microsoft.com/office/drawing/2010/main">
+                <a:effectLst>
+                  <a:outerShdw dist="35921" dir="2700000" algn="ctr" rotWithShape="0">
+                    <a:schemeClr val="bg2"/>
+                  </a:outerShdw>
+                </a:effectLst>
+              </a14:hiddenEffects>
+            </a:ext>
+          </a:extLst>
+        </p:spPr>
+        <p:txBody>
+          <a:bodyPr wrap="none" anchor="ctr"/>
+          <a:lstStyle/>
+          <a:p>
+            <a:pPr algn="ctr"/>
+            <a:r>
+              <a:rPr lang="en-US" altLang="ko-KR" sz="2800" dirty="0" smtClean="0">
+                <a:solidFill>
+                  <a:schemeClr val="bg1"/>
+                </a:solidFill>
+                <a:latin typeface="Arial" panose="020B0604020202020204" pitchFamily="34" charset="0"/>
+              </a:rPr>
+              <a:t>Single Lock-In</a:t>
+            </a:r>
+            <a:endParaRPr lang="en-US" altLang="ko-KR" sz="2800" dirty="0" smtClean="0">
+              <a:solidFill>
+                <a:schemeClr val="bg1"/>
+              </a:solidFill>
+              <a:latin typeface="Arial" panose="020B0604020202020204" pitchFamily="34" charset="0"/>
+            </a:endParaRPr>
+          </a:p>
+        </p:txBody>
+      </p:sp>
+      <p:sp>
+        <p:nvSpPr>
+          <p:cNvPr id="2" name="날짜 개체 틀 1"/>
+          <p:cNvSpPr>
+            <a:spLocks noGrp="1"/>
+          </p:cNvSpPr>
+          <p:nvPr>
+            <p:ph type="dt" sz="half" idx="10"/>
+          </p:nvPr>
+        </p:nvSpPr>
+        <p:spPr/>
+        <p:txBody>
+          <a:bodyPr/>
+          <a:lstStyle/>
+          <a:p>
+            <a:fld id="{53646E5C-8775-44A9-9523-40B6CCA06789}" type="datetime1">
+              <a:rPr lang="ko-KR" altLang="en-US" smtClean="0"/>
+              <a:t>2018-05-27</a:t>
+            </a:fld>
+            <a:endParaRPr lang="ko-KR" altLang="en-US"/>
+          </a:p>
+        </p:txBody>
+      </p:sp>
+      <p:sp>
+        <p:nvSpPr>
+          <p:cNvPr id="15" name="슬라이드 번호 개체 틀 14"/>
+          <p:cNvSpPr>
+            <a:spLocks noGrp="1"/>
+          </p:cNvSpPr>
+          <p:nvPr>
+            <p:ph type="sldNum" sz="quarter" idx="12"/>
+          </p:nvPr>
+        </p:nvSpPr>
+        <p:spPr/>
+        <p:txBody>
+          <a:bodyPr/>
+          <a:lstStyle/>
+          <a:p>
+            <a:fld id="{8765F8EB-1186-4395-8E70-F957669279DD}" type="slidenum">
+              <a:rPr lang="ko-KR" altLang="en-US" smtClean="0"/>
+              <a:t>4</a:t>
+            </a:fld>
+            <a:endParaRPr lang="ko-KR" altLang="en-US"/>
+          </a:p>
+        </p:txBody>
+      </p:sp>
+      <p:sp>
+        <p:nvSpPr>
+          <p:cNvPr id="16" name="TextBox 15"/>
+          <p:cNvSpPr txBox="1"/>
+          <p:nvPr/>
+        </p:nvSpPr>
+        <p:spPr>
+          <a:xfrm>
+            <a:off x="720969" y="810256"/>
+            <a:ext cx="2853504" cy="400110"/>
+          </a:xfrm>
+          <a:prstGeom prst="rect">
+            <a:avLst/>
+          </a:prstGeom>
+          <a:noFill/>
+        </p:spPr>
+        <p:txBody>
+          <a:bodyPr wrap="square" rtlCol="0">
+            <a:spAutoFit/>
+          </a:bodyPr>
+          <a:lstStyle/>
+          <a:p>
+            <a:r>
+              <a:rPr lang="en-US" altLang="ko-KR" sz="2000" dirty="0" err="1" smtClean="0">
+                <a:solidFill>
+                  <a:srgbClr val="3333FF"/>
+                </a:solidFill>
+              </a:rPr>
+              <a:t>LabOne</a:t>
+            </a:r>
+            <a:r>
+              <a:rPr lang="en-US" altLang="ko-KR" sz="2000" dirty="0" smtClean="0">
+                <a:solidFill>
+                  <a:srgbClr val="3333FF"/>
+                </a:solidFill>
+              </a:rPr>
+              <a:t> Setting</a:t>
+            </a:r>
+            <a:endParaRPr lang="en-US" altLang="ko-KR" sz="2000" dirty="0" smtClean="0">
+              <a:solidFill>
+                <a:srgbClr val="3333FF"/>
+              </a:solidFill>
+            </a:endParaRPr>
+          </a:p>
+        </p:txBody>
+      </p:sp>
+      <p:sp>
+        <p:nvSpPr>
+          <p:cNvPr id="17" name="TextBox 16"/>
+          <p:cNvSpPr txBox="1"/>
+          <p:nvPr/>
+        </p:nvSpPr>
+        <p:spPr>
+          <a:xfrm>
+            <a:off x="720969" y="2924085"/>
+            <a:ext cx="2853504" cy="400110"/>
+          </a:xfrm>
+          <a:prstGeom prst="rect">
+            <a:avLst/>
+          </a:prstGeom>
+          <a:noFill/>
+        </p:spPr>
+        <p:txBody>
+          <a:bodyPr wrap="square" rtlCol="0">
+            <a:spAutoFit/>
+          </a:bodyPr>
+          <a:lstStyle/>
+          <a:p>
+            <a:r>
+              <a:rPr lang="en-US" altLang="ko-KR" sz="2000" dirty="0" smtClean="0">
+                <a:solidFill>
+                  <a:srgbClr val="3333FF"/>
+                </a:solidFill>
+              </a:rPr>
+              <a:t>LabVIEW Setting</a:t>
+            </a:r>
+            <a:endParaRPr lang="en-US" altLang="ko-KR" sz="2000" dirty="0" smtClean="0">
+              <a:solidFill>
+                <a:srgbClr val="3333FF"/>
+              </a:solidFill>
+            </a:endParaRPr>
+          </a:p>
+        </p:txBody>
+      </p:sp>
+      <p:pic>
+        <p:nvPicPr>
+          <p:cNvPr id="5" name="그림 4"/>
+          <p:cNvPicPr>
+            <a:picLocks noChangeAspect="1"/>
+          </p:cNvPicPr>
+          <p:nvPr/>
+        </p:nvPicPr>
+        <p:blipFill>
+          <a:blip r:embed="rId3"/>
+          <a:stretch>
+            <a:fillRect/>
+          </a:stretch>
+        </p:blipFill>
+        <p:spPr>
+          <a:xfrm>
+            <a:off x="745907" y="3481080"/>
+            <a:ext cx="3630202" cy="2652840"/>
+          </a:xfrm>
+          <a:prstGeom prst="rect">
+            <a:avLst/>
+          </a:prstGeom>
+        </p:spPr>
+      </p:pic>
+      <p:pic>
+        <p:nvPicPr>
+          <p:cNvPr id="7" name="그림 6"/>
+          <p:cNvPicPr>
+            <a:picLocks noChangeAspect="1"/>
+          </p:cNvPicPr>
+          <p:nvPr/>
+        </p:nvPicPr>
+        <p:blipFill rotWithShape="1">
+          <a:blip r:embed="rId4"/>
+          <a:srcRect l="2124" t="13121" r="6744" b="3129"/>
+          <a:stretch/>
+        </p:blipFill>
+        <p:spPr>
+          <a:xfrm>
+            <a:off x="4903470" y="3571585"/>
+            <a:ext cx="3108960" cy="2471830"/>
+          </a:xfrm>
+          <a:prstGeom prst="rect">
+            <a:avLst/>
+          </a:prstGeom>
+        </p:spPr>
+      </p:pic>
+      <p:sp>
+        <p:nvSpPr>
+          <p:cNvPr id="25" name="TextBox 24"/>
+          <p:cNvSpPr txBox="1"/>
+          <p:nvPr/>
+        </p:nvSpPr>
+        <p:spPr>
+          <a:xfrm>
+            <a:off x="720968" y="1210366"/>
+            <a:ext cx="7496106" cy="646331"/>
+          </a:xfrm>
+          <a:prstGeom prst="rect">
+            <a:avLst/>
+          </a:prstGeom>
+          <a:noFill/>
+        </p:spPr>
+        <p:txBody>
+          <a:bodyPr wrap="square" rtlCol="0">
+            <a:spAutoFit/>
+          </a:bodyPr>
+          <a:lstStyle/>
+          <a:p>
+            <a:r>
+              <a:rPr lang="en-US" altLang="ko-KR" dirty="0" smtClean="0"/>
+              <a:t>PLL</a:t>
+            </a:r>
+            <a:r>
+              <a:rPr lang="ko-KR" altLang="en-US" dirty="0" smtClean="0"/>
+              <a:t>에서 </a:t>
+            </a:r>
+            <a:r>
+              <a:rPr lang="en-US" altLang="ko-KR" dirty="0" smtClean="0"/>
+              <a:t>freq.</a:t>
+            </a:r>
+            <a:r>
+              <a:rPr lang="ko-KR" altLang="en-US" dirty="0" smtClean="0"/>
+              <a:t>와 </a:t>
+            </a:r>
+            <a:r>
+              <a:rPr lang="en-US" altLang="ko-KR" dirty="0" smtClean="0"/>
+              <a:t>phase </a:t>
+            </a:r>
+            <a:r>
+              <a:rPr lang="ko-KR" altLang="en-US" dirty="0" smtClean="0"/>
+              <a:t>정보를 얻으면 내부</a:t>
             </a:r>
             <a:r>
               <a:rPr lang="en-US" altLang="ko-KR" dirty="0"/>
@@ -4331,18 +5614,305 @@
             </a:r>
             <a:r>
               <a:rPr lang="en-US" altLang="ko-KR" dirty="0" smtClean="0"/>
-              <a:t>and etc.)</a:t>
-            </a:r>
-          </a:p>
-          <a:p>
-            <a:pPr marL="285750" indent="-285750">
-              <a:buFontTx/>
-              <a:buChar char="-"/>
-            </a:pPr>
+              <a:t>oscillator</a:t>
+            </a:r>
+            <a:r>
+              <a:rPr lang="ko-KR" altLang="en-US" dirty="0" smtClean="0"/>
+              <a:t>에서 이를 다시 구현하여 </a:t>
+            </a:r>
             <a:r>
               <a:rPr lang="en-US" altLang="ko-KR" dirty="0" smtClean="0"/>
-              <a:t>PLL, PID function</a:t>
-            </a:r>
+              <a:t>lock-in mixer</a:t>
+            </a:r>
+            <a:r>
+              <a:rPr lang="ko-KR" altLang="en-US" dirty="0" smtClean="0"/>
+              <a:t>에 입력한다</a:t>
+            </a:r>
+            <a:r>
+              <a:rPr lang="en-US" altLang="ko-KR" dirty="0" smtClean="0"/>
+              <a:t>.</a:t>
+            </a:r>
+            <a:endParaRPr lang="en-US" altLang="ko-KR" dirty="0" smtClean="0"/>
+          </a:p>
+        </p:txBody>
+      </p:sp>
+      <p:sp>
+        <p:nvSpPr>
+          <p:cNvPr id="8" name="직사각형 7"/>
+          <p:cNvSpPr/>
+          <p:nvPr/>
+        </p:nvSpPr>
+        <p:spPr>
+          <a:xfrm>
+            <a:off x="831272" y="4740544"/>
+            <a:ext cx="1379913" cy="902520"/>
+          </a:xfrm>
+          <a:prstGeom prst="rect">
+            <a:avLst/>
+          </a:prstGeom>
+          <a:noFill/>
+          <a:ln w="38100">
+            <a:solidFill>
+              <a:srgbClr val="FF0000"/>
+            </a:solidFill>
+            <a:prstDash val="dash"/>
+          </a:ln>
+        </p:spPr>
+        <p:style>
+          <a:lnRef idx="2">
+            <a:schemeClr val="accent1">
+              <a:shade val="50000"/>
+            </a:schemeClr>
+          </a:lnRef>
+          <a:fillRef idx="1">
+            <a:schemeClr val="accent1"/>
+          </a:fillRef>
+          <a:effectRef idx="0">
+            <a:schemeClr val="accent1"/>
+          </a:effectRef>
+          <a:fontRef idx="minor">
+            <a:schemeClr val="lt1"/>
+          </a:fontRef>
+        </p:style>
+        <p:txBody>
+          <a:bodyPr rtlCol="0" anchor="ctr"/>
+          <a:lstStyle/>
+          <a:p>
+            <a:pPr algn="ctr"/>
+            <a:endParaRPr lang="ko-KR" altLang="en-US"/>
+          </a:p>
+        </p:txBody>
+      </p:sp>
+      <p:sp>
+        <p:nvSpPr>
+          <p:cNvPr id="29" name="TextBox 28"/>
+          <p:cNvSpPr txBox="1"/>
+          <p:nvPr/>
+        </p:nvSpPr>
+        <p:spPr>
+          <a:xfrm>
+            <a:off x="2062356" y="5650051"/>
+            <a:ext cx="2313753" cy="430887"/>
+          </a:xfrm>
+          <a:prstGeom prst="rect">
+            <a:avLst/>
+          </a:prstGeom>
+          <a:noFill/>
+        </p:spPr>
+        <p:txBody>
+          <a:bodyPr wrap="square" rtlCol="0">
+            <a:spAutoFit/>
+          </a:bodyPr>
+          <a:lstStyle/>
+          <a:p>
+            <a:r>
+              <a:rPr lang="en-US" altLang="ko-KR" sz="1100" dirty="0" smtClean="0"/>
+              <a:t>Center frequency, time constant, PID</a:t>
+            </a:r>
+          </a:p>
+          <a:p>
+            <a:r>
+              <a:rPr lang="en-US" altLang="ko-KR" sz="1100" dirty="0" smtClean="0"/>
+              <a:t>Auto setting</a:t>
+            </a:r>
+          </a:p>
+        </p:txBody>
+      </p:sp>
+    </p:spTree>
+    <p:extLst>
+      <p:ext uri="{BB962C8B-B14F-4D97-AF65-F5344CB8AC3E}">
+        <p14:creationId xmlns:p14="http://schemas.microsoft.com/office/powerpoint/2010/main" val="3115932472"/>
+      </p:ext>
+    </p:extLst>
+  </p:cSld>
+  <p:clrMapOvr>
+    <a:masterClrMapping/>
+  </p:clrMapOvr>
+  <p:timing>
+    <p:tnLst>
+      <p:par>
+        <p:cTn id="1" dur="indefinite" restart="never" nodeType="tmRoot"/>
+      </p:par>
+    </p:tnLst>
+  </p:timing>
+</p:sld>
+</file>
+
+<file path=ppt/slides/slide5.xml><?xml version="1.0" encoding="utf-8"?>
+<p:sld xmlns:a="http://schemas.openxmlformats.org/drawingml/2006/main" xmlns:r="http://schemas.openxmlformats.org/officeDocument/2006/relationships" xmlns:p="http://schemas.openxmlformats.org/presentationml/2006/main">
+  <p:cSld>
+    <p:spTree>
+      <p:nvGrpSpPr>
+        <p:cNvPr id="1" name=""/>
+        <p:cNvGrpSpPr/>
+        <p:nvPr/>
+      </p:nvGrpSpPr>
+      <p:grpSpPr>
+        <a:xfrm>
+          <a:off x="0" y="0"/>
+          <a:ext cx="0" cy="0"/>
+          <a:chOff x="0" y="0"/>
+          <a:chExt cx="0" cy="0"/>
+        </a:xfrm>
+      </p:grpSpPr>
+      <p:sp>
+        <p:nvSpPr>
+          <p:cNvPr id="6199" name="Rectangle 55"/>
+          <p:cNvSpPr>
+            <a:spLocks noChangeArrowheads="1"/>
+          </p:cNvSpPr>
+          <p:nvPr/>
+        </p:nvSpPr>
+        <p:spPr bwMode="auto">
+          <a:xfrm>
+            <a:off x="0" y="0"/>
+            <a:ext cx="9144000" cy="692150"/>
+          </a:xfrm>
+          <a:prstGeom prst="rect">
+            <a:avLst/>
+          </a:prstGeom>
+          <a:solidFill>
+            <a:srgbClr val="3333FF"/>
+          </a:solidFill>
+          <a:ln>
+            <a:noFill/>
+          </a:ln>
+          <a:effectLst/>
+          <a:extLst>
+            <a:ext uri="{91240B29-F687-4F45-9708-019B960494DF}">
+              <a14:hiddenLine xmlns:a14="http://schemas.microsoft.com/office/drawing/2010/main" w="9525">
+                <a:solidFill>
+                  <a:schemeClr val="tx1"/>
+                </a:solidFill>
+                <a:miter lim="800000"/>
+                <a:headEnd/>
+                <a:tailEnd/>
+              </a14:hiddenLine>
+            </a:ext>
+            <a:ext uri="{AF507438-7753-43E0-B8FC-AC1667EBCBE1}">
+              <a14:hiddenEffects xmlns:a14="http://schemas.microsoft.com/office/drawing/2010/main">
+                <a:effectLst>
+                  <a:outerShdw dist="35921" dir="2700000" algn="ctr" rotWithShape="0">
+                    <a:schemeClr val="bg2"/>
+                  </a:outerShdw>
+                </a:effectLst>
+              </a14:hiddenEffects>
+            </a:ext>
+          </a:extLst>
+        </p:spPr>
+        <p:txBody>
+          <a:bodyPr wrap="none" anchor="ctr"/>
+          <a:lstStyle/>
+          <a:p>
+            <a:pPr algn="ctr"/>
+            <a:r>
+              <a:rPr lang="en-US" altLang="ko-KR" sz="2800" dirty="0" smtClean="0">
+                <a:solidFill>
+                  <a:schemeClr val="bg1"/>
+                </a:solidFill>
+                <a:latin typeface="Arial" panose="020B0604020202020204" pitchFamily="34" charset="0"/>
+              </a:rPr>
+              <a:t>Dual</a:t>
+            </a:r>
+            <a:r>
+              <a:rPr lang="en-US" altLang="ko-KR" sz="2800" dirty="0" smtClean="0">
+                <a:solidFill>
+                  <a:schemeClr val="bg1"/>
+                </a:solidFill>
+                <a:latin typeface="Arial" panose="020B0604020202020204" pitchFamily="34" charset="0"/>
+              </a:rPr>
+              <a:t> Lock-In</a:t>
+            </a:r>
+            <a:endParaRPr lang="en-US" altLang="ko-KR" sz="2800" dirty="0" smtClean="0">
+              <a:solidFill>
+                <a:schemeClr val="bg1"/>
+              </a:solidFill>
+              <a:latin typeface="Arial" panose="020B0604020202020204" pitchFamily="34" charset="0"/>
+            </a:endParaRPr>
+          </a:p>
+        </p:txBody>
+      </p:sp>
+      <p:sp>
+        <p:nvSpPr>
+          <p:cNvPr id="2" name="날짜 개체 틀 1"/>
+          <p:cNvSpPr>
+            <a:spLocks noGrp="1"/>
+          </p:cNvSpPr>
+          <p:nvPr>
+            <p:ph type="dt" sz="half" idx="10"/>
+          </p:nvPr>
+        </p:nvSpPr>
+        <p:spPr/>
+        <p:txBody>
+          <a:bodyPr/>
+          <a:lstStyle/>
+          <a:p>
+            <a:fld id="{53646E5C-8775-44A9-9523-40B6CCA06789}" type="datetime1">
+              <a:rPr lang="ko-KR" altLang="en-US" smtClean="0"/>
+              <a:t>2018-05-27</a:t>
+            </a:fld>
+            <a:endParaRPr lang="ko-KR" altLang="en-US"/>
+          </a:p>
+        </p:txBody>
+      </p:sp>
+      <p:sp>
+        <p:nvSpPr>
+          <p:cNvPr id="15" name="슬라이드 번호 개체 틀 14"/>
+          <p:cNvSpPr>
+            <a:spLocks noGrp="1"/>
+          </p:cNvSpPr>
+          <p:nvPr>
+            <p:ph type="sldNum" sz="quarter" idx="12"/>
+          </p:nvPr>
+        </p:nvSpPr>
+        <p:spPr/>
+        <p:txBody>
+          <a:bodyPr/>
+          <a:lstStyle/>
+          <a:p>
+            <a:fld id="{8765F8EB-1186-4395-8E70-F957669279DD}" type="slidenum">
+              <a:rPr lang="ko-KR" altLang="en-US" smtClean="0"/>
+              <a:t>5</a:t>
+            </a:fld>
+            <a:endParaRPr lang="ko-KR" altLang="en-US"/>
+          </a:p>
+        </p:txBody>
+      </p:sp>
+      <p:sp>
+        <p:nvSpPr>
+          <p:cNvPr id="17" name="TextBox 16"/>
+          <p:cNvSpPr txBox="1"/>
+          <p:nvPr/>
+        </p:nvSpPr>
+        <p:spPr>
+          <a:xfrm>
+            <a:off x="720969" y="752702"/>
+            <a:ext cx="2853504" cy="400110"/>
+          </a:xfrm>
+          <a:prstGeom prst="rect">
+            <a:avLst/>
+          </a:prstGeom>
+          <a:noFill/>
+        </p:spPr>
+        <p:txBody>
+          <a:bodyPr wrap="square" rtlCol="0">
+            <a:spAutoFit/>
+          </a:bodyPr>
+          <a:lstStyle/>
+          <a:p>
+            <a:r>
+              <a:rPr lang="en-US" altLang="ko-KR" sz="2000" dirty="0" smtClean="0">
+                <a:solidFill>
+                  <a:srgbClr val="3333FF"/>
+                </a:solidFill>
+              </a:rPr>
+              <a:t>Patent Data</a:t>
+            </a:r>
+            <a:endParaRPr lang="en-US" altLang="ko-KR" sz="2000" dirty="0" smtClean="0">
+              <a:solidFill>
+                <a:srgbClr val="3333FF"/>
+              </a:solidFill>
+            </a:endParaRPr>
           </a:p>
         </p:txBody>
       </p:sp>
@@ -4354,15 +5924,142 @@
           </p:cNvPicPr>
           <p:nvPr/>
         </p:nvPicPr>
-        <p:blipFill rotWithShape="1">
+        <p:blipFill>
           <a:blip r:embed="rId3"/>
-          <a:srcRect l="1701" t="7432" r="1096" b="2528"/>
-          <a:stretch/>
+          <a:stretch>
+            <a:fillRect/>
+          </a:stretch>
         </p:blipFill>
         <p:spPr>
           <a:xfrm>
-            <a:off x="0" y="2269331"/>
-            <a:ext cx="4547367" cy="3240000"/>
+            <a:off x="848331" y="1152813"/>
+            <a:ext cx="2611952" cy="1897958"/>
+          </a:xfrm>
+          <a:prstGeom prst="rect">
+            <a:avLst/>
+          </a:prstGeom>
+        </p:spPr>
+      </p:pic>
+      <p:sp>
+        <p:nvSpPr>
+          <p:cNvPr id="8" name="직사각형 7"/>
+          <p:cNvSpPr/>
+          <p:nvPr/>
+        </p:nvSpPr>
+        <p:spPr>
+          <a:xfrm>
+            <a:off x="720969" y="6044829"/>
+            <a:ext cx="4572000" cy="369332"/>
+          </a:xfrm>
+          <a:prstGeom prst="rect">
+            <a:avLst/>
+          </a:prstGeom>
+        </p:spPr>
+        <p:txBody>
+          <a:bodyPr>
+            <a:spAutoFit/>
+          </a:bodyPr>
+          <a:lstStyle/>
+          <a:p>
+            <a:r>
+              <a:rPr lang="en-US" altLang="ko-KR" sz="900" i="1" dirty="0">
+                <a:solidFill>
+                  <a:srgbClr val="333333"/>
+                </a:solidFill>
+                <a:latin typeface="Times New Roman" panose="02020603050405020304" pitchFamily="18" charset="0"/>
+                <a:cs typeface="Times New Roman" panose="02020603050405020304" pitchFamily="18" charset="0"/>
+              </a:rPr>
+              <a:t>U.S. Patent No. US 7590196 B2. (2005). Washington, DC: U.S. Patent and Trademark Office</a:t>
+            </a:r>
+            <a:r>
+              <a:rPr lang="en-US" altLang="ko-KR" sz="900" i="1" dirty="0" smtClean="0">
+                <a:solidFill>
+                  <a:srgbClr val="333333"/>
+                </a:solidFill>
+                <a:latin typeface="Times New Roman" panose="02020603050405020304" pitchFamily="18" charset="0"/>
+                <a:cs typeface="Times New Roman" panose="02020603050405020304" pitchFamily="18" charset="0"/>
+              </a:rPr>
+              <a:t>.</a:t>
+            </a:r>
+          </a:p>
+          <a:p>
+            <a:r>
+              <a:rPr lang="en-US" altLang="ko-KR" sz="900" i="1" dirty="0" err="1">
+                <a:latin typeface="Times New Roman" panose="02020603050405020304" pitchFamily="18" charset="0"/>
+                <a:cs typeface="Times New Roman" panose="02020603050405020304" pitchFamily="18" charset="0"/>
+              </a:rPr>
+              <a:t>Goree</a:t>
+            </a:r>
+            <a:r>
+              <a:rPr lang="en-US" altLang="ko-KR" sz="900" i="1" dirty="0">
+                <a:latin typeface="Times New Roman" panose="02020603050405020304" pitchFamily="18" charset="0"/>
+                <a:cs typeface="Times New Roman" panose="02020603050405020304" pitchFamily="18" charset="0"/>
+              </a:rPr>
+              <a:t>, J. Review of Scientific Instruments 1985, 56 (8), 1662–1664.</a:t>
+            </a:r>
+            <a:endParaRPr lang="ko-KR" altLang="en-US" sz="900" i="1" dirty="0">
+              <a:latin typeface="Times New Roman" panose="02020603050405020304" pitchFamily="18" charset="0"/>
+              <a:cs typeface="Times New Roman" panose="02020603050405020304" pitchFamily="18" charset="0"/>
+            </a:endParaRPr>
+          </a:p>
+        </p:txBody>
+      </p:sp>
+      <p:sp>
+        <p:nvSpPr>
+          <p:cNvPr id="9" name="TextBox 8"/>
+          <p:cNvSpPr txBox="1"/>
+          <p:nvPr/>
+        </p:nvSpPr>
+        <p:spPr>
+          <a:xfrm>
+            <a:off x="720969" y="3243005"/>
+            <a:ext cx="2853504" cy="400110"/>
+          </a:xfrm>
+          <a:prstGeom prst="rect">
+            <a:avLst/>
+          </a:prstGeom>
+          <a:noFill/>
+        </p:spPr>
+        <p:txBody>
+          <a:bodyPr wrap="square" rtlCol="0">
+            <a:spAutoFit/>
+          </a:bodyPr>
+          <a:lstStyle/>
+          <a:p>
+            <a:r>
+              <a:rPr lang="en-US" altLang="ko-KR" sz="2000" dirty="0" smtClean="0">
+                <a:solidFill>
+                  <a:srgbClr val="3333FF"/>
+                </a:solidFill>
+              </a:rPr>
+              <a:t>Paper</a:t>
+            </a:r>
+            <a:endParaRPr lang="en-US" altLang="ko-KR" sz="2000" dirty="0" smtClean="0">
+              <a:solidFill>
+                <a:srgbClr val="3333FF"/>
+              </a:solidFill>
+            </a:endParaRPr>
+          </a:p>
+        </p:txBody>
+      </p:sp>
+      <p:pic>
+        <p:nvPicPr>
+          <p:cNvPr id="4" name="그림 3"/>
+          <p:cNvPicPr>
+            <a:picLocks noChangeAspect="1"/>
+          </p:cNvPicPr>
+          <p:nvPr/>
+        </p:nvPicPr>
+        <p:blipFill>
+          <a:blip r:embed="rId4"/>
+          <a:stretch>
+            <a:fillRect/>
+          </a:stretch>
+        </p:blipFill>
+        <p:spPr>
+          <a:xfrm>
+            <a:off x="848331" y="3643114"/>
+            <a:ext cx="2564776" cy="1440000"/>
           </a:xfrm>
           <a:prstGeom prst="rect">
             <a:avLst/>
@@ -4371,27 +6068,2414 @@
       </p:pic>
       <p:pic>
         <p:nvPicPr>
-          <p:cNvPr id="4" name="그림 3"/>
+          <p:cNvPr id="5" name="그림 4"/>
           <p:cNvPicPr>
             <a:picLocks noChangeAspect="1"/>
           </p:cNvPicPr>
           <p:nvPr/>
         </p:nvPicPr>
-        <p:blipFill rotWithShape="1">
-          <a:blip r:embed="rId4"/>
-          <a:srcRect l="408" t="8779" r="1030"/>
-          <a:stretch/>
+        <p:blipFill>
+          <a:blip r:embed="rId5"/>
+          <a:stretch>
+            <a:fillRect/>
+          </a:stretch>
         </p:blipFill>
         <p:spPr>
           <a:xfrm>
-            <a:off x="4590161" y="2269331"/>
-            <a:ext cx="4553839" cy="3240000"/>
+            <a:off x="3574473" y="3643114"/>
+            <a:ext cx="2578775" cy="1440000"/>
           </a:xfrm>
           <a:prstGeom prst="rect">
             <a:avLst/>
           </a:prstGeom>
         </p:spPr>
       </p:pic>
+      <p:pic>
+        <p:nvPicPr>
+          <p:cNvPr id="6" name="그림 5"/>
+          <p:cNvPicPr>
+            <a:picLocks noChangeAspect="1"/>
+          </p:cNvPicPr>
+          <p:nvPr/>
+        </p:nvPicPr>
+        <p:blipFill>
+          <a:blip r:embed="rId6"/>
+          <a:stretch>
+            <a:fillRect/>
+          </a:stretch>
+        </p:blipFill>
+        <p:spPr>
+          <a:xfrm>
+            <a:off x="6314614" y="920564"/>
+            <a:ext cx="2743200" cy="4895850"/>
+          </a:xfrm>
+          <a:prstGeom prst="rect">
+            <a:avLst/>
+          </a:prstGeom>
+        </p:spPr>
+      </p:pic>
+    </p:spTree>
+    <p:extLst>
+      <p:ext uri="{BB962C8B-B14F-4D97-AF65-F5344CB8AC3E}">
+        <p14:creationId xmlns:p14="http://schemas.microsoft.com/office/powerpoint/2010/main" val="3354701013"/>
+      </p:ext>
+    </p:extLst>
+  </p:cSld>
+  <p:clrMapOvr>
+    <a:masterClrMapping/>
+  </p:clrMapOvr>
+  <p:timing>
+    <p:tnLst>
+      <p:par>
+        <p:cTn id="1" dur="indefinite" restart="never" nodeType="tmRoot"/>
+      </p:par>
+    </p:tnLst>
+  </p:timing>
+</p:sld>
+</file>
+
+<file path=ppt/slides/slide6.xml><?xml version="1.0" encoding="utf-8"?>
+<p:sld xmlns:a="http://schemas.openxmlformats.org/drawingml/2006/main" xmlns:r="http://schemas.openxmlformats.org/officeDocument/2006/relationships" xmlns:p="http://schemas.openxmlformats.org/presentationml/2006/main">
+  <p:cSld>
+    <p:spTree>
+      <p:nvGrpSpPr>
+        <p:cNvPr id="1" name=""/>
+        <p:cNvGrpSpPr/>
+        <p:nvPr/>
+      </p:nvGrpSpPr>
+      <p:grpSpPr>
+        <a:xfrm>
+          <a:off x="0" y="0"/>
+          <a:ext cx="0" cy="0"/>
+          <a:chOff x="0" y="0"/>
+          <a:chExt cx="0" cy="0"/>
+        </a:xfrm>
+      </p:grpSpPr>
+      <p:sp>
+        <p:nvSpPr>
+          <p:cNvPr id="6199" name="Rectangle 55"/>
+          <p:cNvSpPr>
+            <a:spLocks noChangeArrowheads="1"/>
+          </p:cNvSpPr>
+          <p:nvPr/>
+        </p:nvSpPr>
+        <p:spPr bwMode="auto">
+          <a:xfrm>
+            <a:off x="0" y="0"/>
+            <a:ext cx="9144000" cy="692150"/>
+          </a:xfrm>
+          <a:prstGeom prst="rect">
+            <a:avLst/>
+          </a:prstGeom>
+          <a:solidFill>
+            <a:srgbClr val="3333FF"/>
+          </a:solidFill>
+          <a:ln>
+            <a:noFill/>
+          </a:ln>
+          <a:effectLst/>
+          <a:extLst>
+            <a:ext uri="{91240B29-F687-4F45-9708-019B960494DF}">
+              <a14:hiddenLine xmlns:a14="http://schemas.microsoft.com/office/drawing/2010/main" w="9525">
+                <a:solidFill>
+                  <a:schemeClr val="tx1"/>
+                </a:solidFill>
+                <a:miter lim="800000"/>
+                <a:headEnd/>
+                <a:tailEnd/>
+              </a14:hiddenLine>
+            </a:ext>
+            <a:ext uri="{AF507438-7753-43E0-B8FC-AC1667EBCBE1}">
+              <a14:hiddenEffects xmlns:a14="http://schemas.microsoft.com/office/drawing/2010/main">
+                <a:effectLst>
+                  <a:outerShdw dist="35921" dir="2700000" algn="ctr" rotWithShape="0">
+                    <a:schemeClr val="bg2"/>
+                  </a:outerShdw>
+                </a:effectLst>
+              </a14:hiddenEffects>
+            </a:ext>
+          </a:extLst>
+        </p:spPr>
+        <p:txBody>
+          <a:bodyPr wrap="none" anchor="ctr"/>
+          <a:lstStyle/>
+          <a:p>
+            <a:pPr algn="ctr"/>
+            <a:r>
+              <a:rPr lang="en-US" altLang="ko-KR" sz="2800" dirty="0" smtClean="0">
+                <a:solidFill>
+                  <a:schemeClr val="bg1"/>
+                </a:solidFill>
+                <a:latin typeface="Arial" panose="020B0604020202020204" pitchFamily="34" charset="0"/>
+              </a:rPr>
+              <a:t>Week Plan</a:t>
+            </a:r>
+          </a:p>
+        </p:txBody>
+      </p:sp>
+      <p:sp>
+        <p:nvSpPr>
+          <p:cNvPr id="2" name="날짜 개체 틀 1"/>
+          <p:cNvSpPr>
+            <a:spLocks noGrp="1"/>
+          </p:cNvSpPr>
+          <p:nvPr>
+            <p:ph type="dt" sz="half" idx="10"/>
+          </p:nvPr>
+        </p:nvSpPr>
+        <p:spPr/>
+        <p:txBody>
+          <a:bodyPr/>
+          <a:lstStyle/>
+          <a:p>
+            <a:fld id="{53646E5C-8775-44A9-9523-40B6CCA06789}" type="datetime1">
+              <a:rPr lang="ko-KR" altLang="en-US" smtClean="0"/>
+              <a:t>2018-05-27</a:t>
+            </a:fld>
+            <a:endParaRPr lang="ko-KR" altLang="en-US"/>
+          </a:p>
+        </p:txBody>
+      </p:sp>
+      <p:sp>
+        <p:nvSpPr>
+          <p:cNvPr id="15" name="슬라이드 번호 개체 틀 14"/>
+          <p:cNvSpPr>
+            <a:spLocks noGrp="1"/>
+          </p:cNvSpPr>
+          <p:nvPr>
+            <p:ph type="sldNum" sz="quarter" idx="12"/>
+          </p:nvPr>
+        </p:nvSpPr>
+        <p:spPr/>
+        <p:txBody>
+          <a:bodyPr/>
+          <a:lstStyle/>
+          <a:p>
+            <a:fld id="{8765F8EB-1186-4395-8E70-F957669279DD}" type="slidenum">
+              <a:rPr lang="ko-KR" altLang="en-US" smtClean="0"/>
+              <a:t>6</a:t>
+            </a:fld>
+            <a:endParaRPr lang="ko-KR" altLang="en-US" dirty="0"/>
+          </a:p>
+        </p:txBody>
+      </p:sp>
+      <p:graphicFrame>
+        <p:nvGraphicFramePr>
+          <p:cNvPr id="5" name="표 4"/>
+          <p:cNvGraphicFramePr>
+            <a:graphicFrameLocks noGrp="1"/>
+          </p:cNvGraphicFramePr>
+          <p:nvPr>
+            <p:extLst>
+              <p:ext uri="{D42A27DB-BD31-4B8C-83A1-F6EECF244321}">
+                <p14:modId xmlns:p14="http://schemas.microsoft.com/office/powerpoint/2010/main" val="277149499"/>
+              </p:ext>
+            </p:extLst>
+          </p:nvPr>
+        </p:nvGraphicFramePr>
+        <p:xfrm>
+          <a:off x="1152396" y="1396998"/>
+          <a:ext cx="7089731" cy="3230117"/>
+        </p:xfrm>
+        <a:graphic>
+          <a:graphicData uri="http://schemas.openxmlformats.org/drawingml/2006/table">
+            <a:tbl>
+              <a:tblPr firstRow="1" bandRow="1">
+                <a:tableStyleId>{2D5ABB26-0587-4C30-8999-92F81FD0307C}</a:tableStyleId>
+              </a:tblPr>
+              <a:tblGrid>
+                <a:gridCol w="1490596">
+                  <a:extLst>
+                    <a:ext uri="{9D8B030D-6E8A-4147-A177-3AD203B41FA5}">
+                      <a16:colId xmlns:a16="http://schemas.microsoft.com/office/drawing/2014/main" val="3751341464"/>
+                    </a:ext>
+                  </a:extLst>
+                </a:gridCol>
+                <a:gridCol w="1119827">
+                  <a:extLst>
+                    <a:ext uri="{9D8B030D-6E8A-4147-A177-3AD203B41FA5}">
+                      <a16:colId xmlns:a16="http://schemas.microsoft.com/office/drawing/2014/main" val="4090605972"/>
+                    </a:ext>
+                  </a:extLst>
+                </a:gridCol>
+                <a:gridCol w="1119827">
+                  <a:extLst>
+                    <a:ext uri="{9D8B030D-6E8A-4147-A177-3AD203B41FA5}">
+                      <a16:colId xmlns:a16="http://schemas.microsoft.com/office/drawing/2014/main" val="3510855832"/>
+                    </a:ext>
+                  </a:extLst>
+                </a:gridCol>
+                <a:gridCol w="1119827">
+                  <a:extLst>
+                    <a:ext uri="{9D8B030D-6E8A-4147-A177-3AD203B41FA5}">
+                      <a16:colId xmlns:a16="http://schemas.microsoft.com/office/drawing/2014/main" val="835025531"/>
+                    </a:ext>
+                  </a:extLst>
+                </a:gridCol>
+                <a:gridCol w="1119827">
+                  <a:extLst>
+                    <a:ext uri="{9D8B030D-6E8A-4147-A177-3AD203B41FA5}">
+                      <a16:colId xmlns:a16="http://schemas.microsoft.com/office/drawing/2014/main" val="4005027411"/>
+                    </a:ext>
+                  </a:extLst>
+                </a:gridCol>
+                <a:gridCol w="1119827">
+                  <a:extLst>
+                    <a:ext uri="{9D8B030D-6E8A-4147-A177-3AD203B41FA5}">
+                      <a16:colId xmlns:a16="http://schemas.microsoft.com/office/drawing/2014/main" val="2760397003"/>
+                    </a:ext>
+                  </a:extLst>
+                </a:gridCol>
+              </a:tblGrid>
+              <a:tr h="669797">
+                <a:tc>
+                  <a:txBody>
+                    <a:bodyPr/>
+                    <a:lstStyle/>
+                    <a:p>
+                      <a:pPr algn="ctr" latinLnBrk="1"/>
+                      <a:endParaRPr lang="ko-KR" altLang="en-US" dirty="0">
+                        <a:solidFill>
+                          <a:schemeClr val="bg1"/>
+                        </a:solidFill>
+                      </a:endParaRPr>
+                    </a:p>
+                  </a:txBody>
+                  <a:tcPr anchor="ctr">
+                    <a:lnL w="12700" cap="flat" cmpd="sng" algn="ctr">
+                      <a:solidFill>
+                        <a:schemeClr val="tx1"/>
+                      </a:solidFill>
+                      <a:prstDash val="solid"/>
+                      <a:round/>
+                      <a:headEnd type="none" w="med" len="med"/>
+                      <a:tailEnd type="none" w="med" len="med"/>
+                    </a:lnL>
+                    <a:lnR w="12700" cap="flat" cmpd="sng" algn="ctr">
+                      <a:solidFill>
+                        <a:schemeClr val="tx1"/>
+                      </a:solidFill>
+                      <a:prstDash val="solid"/>
+                      <a:round/>
+                      <a:headEnd type="none" w="med" len="med"/>
+                      <a:tailEnd type="none" w="med" len="med"/>
+                    </a:lnR>
+                    <a:lnT w="12700" cap="flat" cmpd="sng" algn="ctr">
+                      <a:solidFill>
+                        <a:schemeClr val="tx1"/>
+                      </a:solidFill>
+                      <a:prstDash val="solid"/>
+                      <a:round/>
+                      <a:headEnd type="none" w="med" len="med"/>
+                      <a:tailEnd type="none" w="med" len="med"/>
+                    </a:lnT>
+                    <a:lnB w="12700" cap="flat" cmpd="sng" algn="ctr">
+                      <a:solidFill>
+                        <a:schemeClr val="tx1"/>
+                      </a:solidFill>
+                      <a:prstDash val="solid"/>
+                      <a:round/>
+                      <a:headEnd type="none" w="med" len="med"/>
+                      <a:tailEnd type="none" w="med" len="med"/>
+                    </a:lnB>
+                    <a:lnTlToBr w="12700" cmpd="sng">
+                      <a:noFill/>
+                      <a:prstDash val="solid"/>
+                    </a:lnTlToBr>
+                    <a:lnBlToTr w="12700" cmpd="sng">
+                      <a:noFill/>
+                      <a:prstDash val="solid"/>
+                    </a:lnBlToTr>
+                    <a:solidFill>
+                      <a:srgbClr val="3333FF"/>
+                    </a:solidFill>
+                  </a:tcPr>
+                </a:tc>
+                <a:tc>
+                  <a:txBody>
+                    <a:bodyPr/>
+                    <a:lstStyle/>
+                    <a:p>
+                      <a:pPr algn="ctr" latinLnBrk="1"/>
+                      <a:r>
+                        <a:rPr lang="en-US" altLang="ko-KR" dirty="0" smtClean="0">
+                          <a:solidFill>
+                            <a:schemeClr val="bg1"/>
+                          </a:solidFill>
+                        </a:rPr>
+                        <a:t>May</a:t>
+                      </a:r>
+                      <a:endParaRPr lang="en-US" altLang="ko-KR" baseline="0" dirty="0" smtClean="0">
+                        <a:solidFill>
+                          <a:schemeClr val="bg1"/>
+                        </a:solidFill>
+                      </a:endParaRPr>
+                    </a:p>
+                    <a:p>
+                      <a:pPr algn="ctr" latinLnBrk="1"/>
+                      <a:r>
+                        <a:rPr lang="en-US" altLang="ko-KR" baseline="0" dirty="0" smtClean="0">
+                          <a:solidFill>
+                            <a:schemeClr val="bg1"/>
+                          </a:solidFill>
+                        </a:rPr>
+                        <a:t>5</a:t>
+                      </a:r>
+                      <a:r>
+                        <a:rPr lang="en-US" altLang="ko-KR" baseline="30000" dirty="0" smtClean="0">
+                          <a:solidFill>
+                            <a:schemeClr val="bg1"/>
+                          </a:solidFill>
+                        </a:rPr>
+                        <a:t>th</a:t>
+                      </a:r>
+                      <a:r>
+                        <a:rPr lang="en-US" altLang="ko-KR" baseline="0" dirty="0" smtClean="0">
+                          <a:solidFill>
+                            <a:schemeClr val="bg1"/>
+                          </a:solidFill>
+                        </a:rPr>
+                        <a:t> wk.</a:t>
+                      </a:r>
+                      <a:endParaRPr lang="ko-KR" altLang="en-US" dirty="0">
+                        <a:solidFill>
+                          <a:schemeClr val="bg1"/>
+                        </a:solidFill>
+                      </a:endParaRPr>
+                    </a:p>
+                  </a:txBody>
+                  <a:tcPr anchor="ctr">
+                    <a:lnL w="12700" cap="flat" cmpd="sng" algn="ctr">
+                      <a:solidFill>
+                        <a:schemeClr val="tx1"/>
+                      </a:solidFill>
+                      <a:prstDash val="solid"/>
+                      <a:round/>
+                      <a:headEnd type="none" w="med" len="med"/>
+                      <a:tailEnd type="none" w="med" len="med"/>
+                    </a:lnL>
+                    <a:lnR w="12700" cap="flat" cmpd="sng" algn="ctr">
+                      <a:solidFill>
+                        <a:schemeClr val="tx1"/>
+                      </a:solidFill>
+                      <a:prstDash val="solid"/>
+                      <a:round/>
+                      <a:headEnd type="none" w="med" len="med"/>
+                      <a:tailEnd type="none" w="med" len="med"/>
+                    </a:lnR>
+                    <a:lnT w="12700" cap="flat" cmpd="sng" algn="ctr">
+                      <a:solidFill>
+                        <a:schemeClr val="tx1"/>
+                      </a:solidFill>
+                      <a:prstDash val="solid"/>
+                      <a:round/>
+                      <a:headEnd type="none" w="med" len="med"/>
+                      <a:tailEnd type="none" w="med" len="med"/>
+                    </a:lnT>
+                    <a:lnB w="12700" cap="flat" cmpd="sng" algn="ctr">
+                      <a:solidFill>
+                        <a:schemeClr val="tx1"/>
+                      </a:solidFill>
+                      <a:prstDash val="solid"/>
+                      <a:round/>
+                      <a:headEnd type="none" w="med" len="med"/>
+                      <a:tailEnd type="none" w="med" len="med"/>
+                    </a:lnB>
+                    <a:lnTlToBr w="12700" cmpd="sng">
+                      <a:noFill/>
+                      <a:prstDash val="solid"/>
+                    </a:lnTlToBr>
+                    <a:lnBlToTr w="12700" cmpd="sng">
+                      <a:noFill/>
+                      <a:prstDash val="solid"/>
+                    </a:lnBlToTr>
+                    <a:solidFill>
+                      <a:srgbClr val="3333FF"/>
+                    </a:solidFill>
+                  </a:tcPr>
+                </a:tc>
+                <a:tc>
+                  <a:txBody>
+                    <a:bodyPr/>
+                    <a:lstStyle/>
+                    <a:p>
+                      <a:pPr algn="ctr" latinLnBrk="1"/>
+                      <a:r>
+                        <a:rPr lang="en-US" altLang="ko-KR" dirty="0" smtClean="0">
+                          <a:solidFill>
+                            <a:schemeClr val="bg1"/>
+                          </a:solidFill>
+                        </a:rPr>
+                        <a:t>June</a:t>
+                      </a:r>
+                    </a:p>
+                    <a:p>
+                      <a:pPr algn="ctr" latinLnBrk="1"/>
+                      <a:r>
+                        <a:rPr lang="en-US" altLang="ko-KR" dirty="0" smtClean="0">
+                          <a:solidFill>
+                            <a:schemeClr val="bg1"/>
+                          </a:solidFill>
+                        </a:rPr>
+                        <a:t>1</a:t>
+                      </a:r>
+                      <a:r>
+                        <a:rPr lang="en-US" altLang="ko-KR" baseline="30000" dirty="0" smtClean="0">
+                          <a:solidFill>
+                            <a:schemeClr val="bg1"/>
+                          </a:solidFill>
+                        </a:rPr>
+                        <a:t>st</a:t>
+                      </a:r>
+                      <a:r>
+                        <a:rPr lang="en-US" altLang="ko-KR" dirty="0" smtClean="0">
+                          <a:solidFill>
+                            <a:schemeClr val="bg1"/>
+                          </a:solidFill>
+                        </a:rPr>
+                        <a:t> wk.</a:t>
+                      </a:r>
+                      <a:endParaRPr lang="ko-KR" altLang="en-US" dirty="0">
+                        <a:solidFill>
+                          <a:schemeClr val="bg1"/>
+                        </a:solidFill>
+                      </a:endParaRPr>
+                    </a:p>
+                  </a:txBody>
+                  <a:tcPr anchor="ctr">
+                    <a:lnL w="12700" cap="flat" cmpd="sng" algn="ctr">
+                      <a:solidFill>
+                        <a:schemeClr val="tx1"/>
+                      </a:solidFill>
+                      <a:prstDash val="solid"/>
+                      <a:round/>
+                      <a:headEnd type="none" w="med" len="med"/>
+                      <a:tailEnd type="none" w="med" len="med"/>
+                    </a:lnL>
+                    <a:lnR w="12700" cap="flat" cmpd="sng" algn="ctr">
+                      <a:solidFill>
+                        <a:schemeClr val="tx1"/>
+                      </a:solidFill>
+                      <a:prstDash val="solid"/>
+                      <a:round/>
+                      <a:headEnd type="none" w="med" len="med"/>
+                      <a:tailEnd type="none" w="med" len="med"/>
+                    </a:lnR>
+                    <a:lnT w="12700" cap="flat" cmpd="sng" algn="ctr">
+                      <a:solidFill>
+                        <a:schemeClr val="tx1"/>
+                      </a:solidFill>
+                      <a:prstDash val="solid"/>
+                      <a:round/>
+                      <a:headEnd type="none" w="med" len="med"/>
+                      <a:tailEnd type="none" w="med" len="med"/>
+                    </a:lnT>
+                    <a:lnB w="12700" cap="flat" cmpd="sng" algn="ctr">
+                      <a:solidFill>
+                        <a:schemeClr val="tx1"/>
+                      </a:solidFill>
+                      <a:prstDash val="solid"/>
+                      <a:round/>
+                      <a:headEnd type="none" w="med" len="med"/>
+                      <a:tailEnd type="none" w="med" len="med"/>
+                    </a:lnB>
+                    <a:lnTlToBr w="12700" cmpd="sng">
+                      <a:noFill/>
+                      <a:prstDash val="solid"/>
+                    </a:lnTlToBr>
+                    <a:lnBlToTr w="12700" cmpd="sng">
+                      <a:noFill/>
+                      <a:prstDash val="solid"/>
+                    </a:lnBlToTr>
+                    <a:solidFill>
+                      <a:srgbClr val="3333FF"/>
+                    </a:solidFill>
+                  </a:tcPr>
+                </a:tc>
+                <a:tc>
+                  <a:txBody>
+                    <a:bodyPr/>
+                    <a:lstStyle/>
+                    <a:p>
+                      <a:pPr algn="ctr" latinLnBrk="1"/>
+                      <a:r>
+                        <a:rPr lang="en-US" altLang="ko-KR" dirty="0" smtClean="0">
+                          <a:solidFill>
+                            <a:schemeClr val="bg1"/>
+                          </a:solidFill>
+                        </a:rPr>
+                        <a:t>June</a:t>
+                      </a:r>
+                    </a:p>
+                    <a:p>
+                      <a:pPr algn="ctr" latinLnBrk="1"/>
+                      <a:r>
+                        <a:rPr lang="en-US" altLang="ko-KR" dirty="0" smtClean="0">
+                          <a:solidFill>
+                            <a:schemeClr val="bg1"/>
+                          </a:solidFill>
+                        </a:rPr>
+                        <a:t>2</a:t>
+                      </a:r>
+                      <a:r>
+                        <a:rPr lang="en-US" altLang="ko-KR" baseline="30000" dirty="0" smtClean="0">
+                          <a:solidFill>
+                            <a:schemeClr val="bg1"/>
+                          </a:solidFill>
+                        </a:rPr>
+                        <a:t>nd</a:t>
+                      </a:r>
+                      <a:r>
+                        <a:rPr lang="en-US" altLang="ko-KR" dirty="0" smtClean="0">
+                          <a:solidFill>
+                            <a:schemeClr val="bg1"/>
+                          </a:solidFill>
+                        </a:rPr>
+                        <a:t> wk.</a:t>
+                      </a:r>
+                    </a:p>
+                  </a:txBody>
+                  <a:tcPr anchor="ctr">
+                    <a:lnL w="12700" cap="flat" cmpd="sng" algn="ctr">
+                      <a:solidFill>
+                        <a:schemeClr val="tx1"/>
+                      </a:solidFill>
+                      <a:prstDash val="solid"/>
+                      <a:round/>
+                      <a:headEnd type="none" w="med" len="med"/>
+                      <a:tailEnd type="none" w="med" len="med"/>
+                    </a:lnL>
+                    <a:lnR w="12700" cap="flat" cmpd="sng" algn="ctr">
+                      <a:solidFill>
+                        <a:schemeClr val="tx1"/>
+                      </a:solidFill>
+                      <a:prstDash val="solid"/>
+                      <a:round/>
+                      <a:headEnd type="none" w="med" len="med"/>
+                      <a:tailEnd type="none" w="med" len="med"/>
+                    </a:lnR>
+                    <a:lnT w="12700" cap="flat" cmpd="sng" algn="ctr">
+                      <a:solidFill>
+                        <a:schemeClr val="tx1"/>
+                      </a:solidFill>
+                      <a:prstDash val="solid"/>
+                      <a:round/>
+                      <a:headEnd type="none" w="med" len="med"/>
+                      <a:tailEnd type="none" w="med" len="med"/>
+                    </a:lnT>
+                    <a:lnB w="12700" cap="flat" cmpd="sng" algn="ctr">
+                      <a:solidFill>
+                        <a:schemeClr val="tx1"/>
+                      </a:solidFill>
+                      <a:prstDash val="solid"/>
+                      <a:round/>
+                      <a:headEnd type="none" w="med" len="med"/>
+                      <a:tailEnd type="none" w="med" len="med"/>
+                    </a:lnB>
+                    <a:lnTlToBr w="12700" cmpd="sng">
+                      <a:noFill/>
+                      <a:prstDash val="solid"/>
+                    </a:lnTlToBr>
+                    <a:lnBlToTr w="12700" cmpd="sng">
+                      <a:noFill/>
+                      <a:prstDash val="solid"/>
+                    </a:lnBlToTr>
+                    <a:solidFill>
+                      <a:srgbClr val="3333FF"/>
+                    </a:solidFill>
+                  </a:tcPr>
+                </a:tc>
+                <a:tc>
+                  <a:txBody>
+                    <a:bodyPr/>
+                    <a:lstStyle/>
+                    <a:p>
+                      <a:pPr algn="ctr" latinLnBrk="1"/>
+                      <a:r>
+                        <a:rPr lang="en-US" altLang="ko-KR" dirty="0" smtClean="0">
+                          <a:solidFill>
+                            <a:schemeClr val="bg1"/>
+                          </a:solidFill>
+                        </a:rPr>
+                        <a:t>June</a:t>
+                      </a:r>
+                    </a:p>
+                    <a:p>
+                      <a:pPr algn="ctr" latinLnBrk="1"/>
+                      <a:r>
+                        <a:rPr lang="en-US" altLang="ko-KR" dirty="0" smtClean="0">
+                          <a:solidFill>
+                            <a:schemeClr val="bg1"/>
+                          </a:solidFill>
+                        </a:rPr>
+                        <a:t>3</a:t>
+                      </a:r>
+                      <a:r>
+                        <a:rPr lang="en-US" altLang="ko-KR" baseline="30000" dirty="0" smtClean="0">
+                          <a:solidFill>
+                            <a:schemeClr val="bg1"/>
+                          </a:solidFill>
+                        </a:rPr>
+                        <a:t>rd</a:t>
+                      </a:r>
+                      <a:r>
+                        <a:rPr lang="en-US" altLang="ko-KR" dirty="0" smtClean="0">
+                          <a:solidFill>
+                            <a:schemeClr val="bg1"/>
+                          </a:solidFill>
+                        </a:rPr>
+                        <a:t> wk.</a:t>
+                      </a:r>
+                      <a:endParaRPr lang="ko-KR" altLang="en-US" dirty="0">
+                        <a:solidFill>
+                          <a:schemeClr val="bg1"/>
+                        </a:solidFill>
+                      </a:endParaRPr>
+                    </a:p>
+                  </a:txBody>
+                  <a:tcPr anchor="ctr">
+                    <a:lnL w="12700" cap="flat" cmpd="sng" algn="ctr">
+                      <a:solidFill>
+                        <a:schemeClr val="tx1"/>
+                      </a:solidFill>
+                      <a:prstDash val="solid"/>
+                      <a:round/>
+                      <a:headEnd type="none" w="med" len="med"/>
+                      <a:tailEnd type="none" w="med" len="med"/>
+                    </a:lnL>
+                    <a:lnR w="12700" cap="flat" cmpd="sng" algn="ctr">
+                      <a:solidFill>
+                        <a:schemeClr val="tx1"/>
+                      </a:solidFill>
+                      <a:prstDash val="solid"/>
+                      <a:round/>
+                      <a:headEnd type="none" w="med" len="med"/>
+                      <a:tailEnd type="none" w="med" len="med"/>
+                    </a:lnR>
+                    <a:lnT w="12700" cap="flat" cmpd="sng" algn="ctr">
+                      <a:solidFill>
+                        <a:schemeClr val="tx1"/>
+                      </a:solidFill>
+                      <a:prstDash val="solid"/>
+                      <a:round/>
+                      <a:headEnd type="none" w="med" len="med"/>
+                      <a:tailEnd type="none" w="med" len="med"/>
+                    </a:lnT>
+                    <a:lnB w="12700" cap="flat" cmpd="sng" algn="ctr">
+                      <a:solidFill>
+                        <a:schemeClr val="tx1"/>
+                      </a:solidFill>
+                      <a:prstDash val="solid"/>
+                      <a:round/>
+                      <a:headEnd type="none" w="med" len="med"/>
+                      <a:tailEnd type="none" w="med" len="med"/>
+                    </a:lnB>
+                    <a:lnTlToBr w="12700" cmpd="sng">
+                      <a:noFill/>
+                      <a:prstDash val="solid"/>
+                    </a:lnTlToBr>
+                    <a:lnBlToTr w="12700" cmpd="sng">
+                      <a:noFill/>
+                      <a:prstDash val="solid"/>
+                    </a:lnBlToTr>
+                    <a:solidFill>
+                      <a:srgbClr val="3333FF"/>
+                    </a:solidFill>
+                  </a:tcPr>
+                </a:tc>
+                <a:tc>
+                  <a:txBody>
+                    <a:bodyPr/>
+                    <a:lstStyle/>
+                    <a:p>
+                      <a:pPr algn="ctr" latinLnBrk="1"/>
+                      <a:r>
+                        <a:rPr lang="en-US" altLang="ko-KR" dirty="0" smtClean="0">
+                          <a:solidFill>
+                            <a:schemeClr val="bg1"/>
+                          </a:solidFill>
+                        </a:rPr>
+                        <a:t>June</a:t>
+                      </a:r>
+                    </a:p>
+                    <a:p>
+                      <a:pPr algn="ctr" latinLnBrk="1"/>
+                      <a:r>
+                        <a:rPr lang="en-US" altLang="ko-KR" dirty="0" smtClean="0">
+                          <a:solidFill>
+                            <a:schemeClr val="bg1"/>
+                          </a:solidFill>
+                        </a:rPr>
+                        <a:t>4</a:t>
+                      </a:r>
+                      <a:r>
+                        <a:rPr lang="en-US" altLang="ko-KR" baseline="30000" dirty="0" smtClean="0">
+                          <a:solidFill>
+                            <a:schemeClr val="bg1"/>
+                          </a:solidFill>
+                        </a:rPr>
+                        <a:t>th</a:t>
+                      </a:r>
+                      <a:r>
+                        <a:rPr lang="en-US" altLang="ko-KR" dirty="0" smtClean="0">
+                          <a:solidFill>
+                            <a:schemeClr val="bg1"/>
+                          </a:solidFill>
+                        </a:rPr>
+                        <a:t> wk.</a:t>
+                      </a:r>
+                      <a:endParaRPr lang="ko-KR" altLang="en-US" dirty="0">
+                        <a:solidFill>
+                          <a:schemeClr val="bg1"/>
+                        </a:solidFill>
+                      </a:endParaRPr>
+                    </a:p>
+                  </a:txBody>
+                  <a:tcPr anchor="ctr">
+                    <a:lnL w="12700" cap="flat" cmpd="sng" algn="ctr">
+                      <a:solidFill>
+                        <a:schemeClr val="tx1"/>
+                      </a:solidFill>
+                      <a:prstDash val="solid"/>
+                      <a:round/>
+                      <a:headEnd type="none" w="med" len="med"/>
+                      <a:tailEnd type="none" w="med" len="med"/>
+                    </a:lnL>
+                    <a:lnR w="12700" cap="flat" cmpd="sng" algn="ctr">
+                      <a:solidFill>
+                        <a:schemeClr val="tx1"/>
+                      </a:solidFill>
+                      <a:prstDash val="solid"/>
+                      <a:round/>
+                      <a:headEnd type="none" w="med" len="med"/>
+                      <a:tailEnd type="none" w="med" len="med"/>
+                    </a:lnR>
+                    <a:lnT w="12700" cap="flat" cmpd="sng" algn="ctr">
+                      <a:solidFill>
+                        <a:schemeClr val="tx1"/>
+                      </a:solidFill>
+                      <a:prstDash val="solid"/>
+                      <a:round/>
+                      <a:headEnd type="none" w="med" len="med"/>
+                      <a:tailEnd type="none" w="med" len="med"/>
+                    </a:lnT>
+                    <a:lnB w="12700" cap="flat" cmpd="sng" algn="ctr">
+                      <a:solidFill>
+                        <a:schemeClr val="tx1"/>
+                      </a:solidFill>
+                      <a:prstDash val="solid"/>
+                      <a:round/>
+                      <a:headEnd type="none" w="med" len="med"/>
+                      <a:tailEnd type="none" w="med" len="med"/>
+                    </a:lnB>
+                    <a:lnTlToBr w="12700" cmpd="sng">
+                      <a:noFill/>
+                      <a:prstDash val="solid"/>
+                    </a:lnTlToBr>
+                    <a:lnBlToTr w="12700" cmpd="sng">
+                      <a:noFill/>
+                      <a:prstDash val="solid"/>
+                    </a:lnBlToTr>
+                    <a:solidFill>
+                      <a:srgbClr val="3333FF"/>
+                    </a:solidFill>
+                  </a:tcPr>
+                </a:tc>
+                <a:extLst>
+                  <a:ext uri="{0D108BD9-81ED-4DB2-BD59-A6C34878D82A}">
+                    <a16:rowId xmlns:a16="http://schemas.microsoft.com/office/drawing/2014/main" val="4057196349"/>
+                  </a:ext>
+                </a:extLst>
+              </a:tr>
+              <a:tr h="640080">
+                <a:tc>
+                  <a:txBody>
+                    <a:bodyPr/>
+                    <a:lstStyle/>
+                    <a:p>
+                      <a:pPr algn="ctr" latinLnBrk="1"/>
+                      <a:r>
+                        <a:rPr lang="en-US" altLang="ko-KR" dirty="0" smtClean="0"/>
+                        <a:t>PLL</a:t>
+                      </a:r>
+                      <a:endParaRPr lang="ko-KR" altLang="en-US" dirty="0"/>
+                    </a:p>
+                  </a:txBody>
+                  <a:tcPr anchor="ctr">
+                    <a:lnL w="12700" cap="flat" cmpd="sng" algn="ctr">
+                      <a:solidFill>
+                        <a:schemeClr val="tx1"/>
+                      </a:solidFill>
+                      <a:prstDash val="solid"/>
+                      <a:round/>
+                      <a:headEnd type="none" w="med" len="med"/>
+                      <a:tailEnd type="none" w="med" len="med"/>
+                    </a:lnL>
+                    <a:lnR w="12700" cap="flat" cmpd="sng" algn="ctr">
+                      <a:solidFill>
+                        <a:schemeClr val="tx1"/>
+                      </a:solidFill>
+                      <a:prstDash val="solid"/>
+                      <a:round/>
+                      <a:headEnd type="none" w="med" len="med"/>
+                      <a:tailEnd type="none" w="med" len="med"/>
+                    </a:lnR>
+                    <a:lnT w="12700" cap="flat" cmpd="sng" algn="ctr">
+                      <a:solidFill>
+                        <a:schemeClr val="tx1"/>
+                      </a:solidFill>
+                      <a:prstDash val="solid"/>
+                      <a:round/>
+                      <a:headEnd type="none" w="med" len="med"/>
+                      <a:tailEnd type="none" w="med" len="med"/>
+                    </a:lnT>
+                    <a:lnB w="12700" cap="flat" cmpd="sng" algn="ctr">
+                      <a:solidFill>
+                        <a:schemeClr val="tx1"/>
+                      </a:solidFill>
+                      <a:prstDash val="solid"/>
+                      <a:round/>
+                      <a:headEnd type="none" w="med" len="med"/>
+                      <a:tailEnd type="none" w="med" len="med"/>
+                    </a:lnB>
+                    <a:lnTlToBr w="12700" cmpd="sng">
+                      <a:noFill/>
+                      <a:prstDash val="solid"/>
+                    </a:lnTlToBr>
+                    <a:lnBlToTr w="12700" cmpd="sng">
+                      <a:noFill/>
+                      <a:prstDash val="solid"/>
+                    </a:lnBlToTr>
+                  </a:tcPr>
+                </a:tc>
+                <a:tc>
+                  <a:txBody>
+                    <a:bodyPr/>
+                    <a:lstStyle/>
+                    <a:p>
+                      <a:pPr algn="ctr" latinLnBrk="1"/>
+                      <a:endParaRPr lang="ko-KR" altLang="en-US" dirty="0"/>
+                    </a:p>
+                  </a:txBody>
+                  <a:tcPr anchor="ctr">
+                    <a:lnL w="12700" cap="flat" cmpd="sng" algn="ctr">
+                      <a:solidFill>
+                        <a:schemeClr val="tx1"/>
+                      </a:solidFill>
+                      <a:prstDash val="solid"/>
+                      <a:round/>
+                      <a:headEnd type="none" w="med" len="med"/>
+                      <a:tailEnd type="none" w="med" len="med"/>
+                    </a:lnL>
+                    <a:lnR w="12700" cap="flat" cmpd="sng" algn="ctr">
+                      <a:solidFill>
+                        <a:schemeClr val="tx1"/>
+                      </a:solidFill>
+                      <a:prstDash val="solid"/>
+                      <a:round/>
+                      <a:headEnd type="none" w="med" len="med"/>
+                      <a:tailEnd type="none" w="med" len="med"/>
+                    </a:lnR>
+                    <a:lnT w="12700" cap="flat" cmpd="sng" algn="ctr">
+                      <a:solidFill>
+                        <a:schemeClr val="tx1"/>
+                      </a:solidFill>
+                      <a:prstDash val="solid"/>
+                      <a:round/>
+                      <a:headEnd type="none" w="med" len="med"/>
+                      <a:tailEnd type="none" w="med" len="med"/>
+                    </a:lnT>
+                    <a:lnB w="12700" cap="flat" cmpd="sng" algn="ctr">
+                      <a:solidFill>
+                        <a:schemeClr val="tx1"/>
+                      </a:solidFill>
+                      <a:prstDash val="solid"/>
+                      <a:round/>
+                      <a:headEnd type="none" w="med" len="med"/>
+                      <a:tailEnd type="none" w="med" len="med"/>
+                    </a:lnB>
+                    <a:lnTlToBr w="12700" cmpd="sng">
+                      <a:noFill/>
+                      <a:prstDash val="solid"/>
+                    </a:lnTlToBr>
+                    <a:lnBlToTr w="12700" cmpd="sng">
+                      <a:noFill/>
+                      <a:prstDash val="solid"/>
+                    </a:lnBlToTr>
+                  </a:tcPr>
+                </a:tc>
+                <a:tc>
+                  <a:txBody>
+                    <a:bodyPr/>
+                    <a:lstStyle/>
+                    <a:p>
+                      <a:pPr algn="ctr" latinLnBrk="1"/>
+                      <a:endParaRPr lang="ko-KR" altLang="en-US" dirty="0"/>
+                    </a:p>
+                  </a:txBody>
+                  <a:tcPr anchor="ctr">
+                    <a:lnL w="12700" cap="flat" cmpd="sng" algn="ctr">
+                      <a:solidFill>
+                        <a:schemeClr val="tx1"/>
+                      </a:solidFill>
+                      <a:prstDash val="solid"/>
+                      <a:round/>
+                      <a:headEnd type="none" w="med" len="med"/>
+                      <a:tailEnd type="none" w="med" len="med"/>
+                    </a:lnL>
+                    <a:lnR w="12700" cap="flat" cmpd="sng" algn="ctr">
+                      <a:solidFill>
+                        <a:schemeClr val="tx1"/>
+                      </a:solidFill>
+                      <a:prstDash val="solid"/>
+                      <a:round/>
+                      <a:headEnd type="none" w="med" len="med"/>
+                      <a:tailEnd type="none" w="med" len="med"/>
+                    </a:lnR>
+                    <a:lnT w="12700" cap="flat" cmpd="sng" algn="ctr">
+                      <a:solidFill>
+                        <a:schemeClr val="tx1"/>
+                      </a:solidFill>
+                      <a:prstDash val="solid"/>
+                      <a:round/>
+                      <a:headEnd type="none" w="med" len="med"/>
+                      <a:tailEnd type="none" w="med" len="med"/>
+                    </a:lnT>
+                    <a:lnB w="12700" cap="flat" cmpd="sng" algn="ctr">
+                      <a:solidFill>
+                        <a:schemeClr val="tx1"/>
+                      </a:solidFill>
+                      <a:prstDash val="solid"/>
+                      <a:round/>
+                      <a:headEnd type="none" w="med" len="med"/>
+                      <a:tailEnd type="none" w="med" len="med"/>
+                    </a:lnB>
+                    <a:lnTlToBr w="12700" cmpd="sng">
+                      <a:noFill/>
+                      <a:prstDash val="solid"/>
+                    </a:lnTlToBr>
+                    <a:lnBlToTr w="12700" cmpd="sng">
+                      <a:noFill/>
+                      <a:prstDash val="solid"/>
+                    </a:lnBlToTr>
+                  </a:tcPr>
+                </a:tc>
+                <a:tc>
+                  <a:txBody>
+                    <a:bodyPr/>
+                    <a:lstStyle/>
+                    <a:p>
+                      <a:pPr algn="ctr" latinLnBrk="1"/>
+                      <a:endParaRPr lang="ko-KR" altLang="en-US" dirty="0"/>
+                    </a:p>
+                  </a:txBody>
+                  <a:tcPr anchor="ctr">
+                    <a:lnL w="12700" cap="flat" cmpd="sng" algn="ctr">
+                      <a:solidFill>
+                        <a:schemeClr val="tx1"/>
+                      </a:solidFill>
+                      <a:prstDash val="solid"/>
+                      <a:round/>
+                      <a:headEnd type="none" w="med" len="med"/>
+                      <a:tailEnd type="none" w="med" len="med"/>
+                    </a:lnL>
+                    <a:lnR w="12700" cap="flat" cmpd="sng" algn="ctr">
+                      <a:solidFill>
+                        <a:schemeClr val="tx1"/>
+                      </a:solidFill>
+                      <a:prstDash val="solid"/>
+                      <a:round/>
+                      <a:headEnd type="none" w="med" len="med"/>
+                      <a:tailEnd type="none" w="med" len="med"/>
+                    </a:lnR>
+                    <a:lnT w="12700" cap="flat" cmpd="sng" algn="ctr">
+                      <a:solidFill>
+                        <a:schemeClr val="tx1"/>
+                      </a:solidFill>
+                      <a:prstDash val="solid"/>
+                      <a:round/>
+                      <a:headEnd type="none" w="med" len="med"/>
+                      <a:tailEnd type="none" w="med" len="med"/>
+                    </a:lnT>
+                    <a:lnB w="12700" cap="flat" cmpd="sng" algn="ctr">
+                      <a:solidFill>
+                        <a:schemeClr val="tx1"/>
+                      </a:solidFill>
+                      <a:prstDash val="solid"/>
+                      <a:round/>
+                      <a:headEnd type="none" w="med" len="med"/>
+                      <a:tailEnd type="none" w="med" len="med"/>
+                    </a:lnB>
+                    <a:lnTlToBr w="12700" cmpd="sng">
+                      <a:noFill/>
+                      <a:prstDash val="solid"/>
+                    </a:lnTlToBr>
+                    <a:lnBlToTr w="12700" cmpd="sng">
+                      <a:noFill/>
+                      <a:prstDash val="solid"/>
+                    </a:lnBlToTr>
+                  </a:tcPr>
+                </a:tc>
+                <a:tc>
+                  <a:txBody>
+                    <a:bodyPr/>
+                    <a:lstStyle/>
+                    <a:p>
+                      <a:pPr algn="ctr" latinLnBrk="1"/>
+                      <a:endParaRPr lang="ko-KR" altLang="en-US" dirty="0"/>
+                    </a:p>
+                  </a:txBody>
+                  <a:tcPr anchor="ctr">
+                    <a:lnL w="12700" cap="flat" cmpd="sng" algn="ctr">
+                      <a:solidFill>
+                        <a:schemeClr val="tx1"/>
+                      </a:solidFill>
+                      <a:prstDash val="solid"/>
+                      <a:round/>
+                      <a:headEnd type="none" w="med" len="med"/>
+                      <a:tailEnd type="none" w="med" len="med"/>
+                    </a:lnL>
+                    <a:lnR w="12700" cap="flat" cmpd="sng" algn="ctr">
+                      <a:solidFill>
+                        <a:schemeClr val="tx1"/>
+                      </a:solidFill>
+                      <a:prstDash val="solid"/>
+                      <a:round/>
+                      <a:headEnd type="none" w="med" len="med"/>
+                      <a:tailEnd type="none" w="med" len="med"/>
+                    </a:lnR>
+                    <a:lnT w="12700" cap="flat" cmpd="sng" algn="ctr">
+                      <a:solidFill>
+                        <a:schemeClr val="tx1"/>
+                      </a:solidFill>
+                      <a:prstDash val="solid"/>
+                      <a:round/>
+                      <a:headEnd type="none" w="med" len="med"/>
+                      <a:tailEnd type="none" w="med" len="med"/>
+                    </a:lnT>
+                    <a:lnB w="12700" cap="flat" cmpd="sng" algn="ctr">
+                      <a:solidFill>
+                        <a:schemeClr val="tx1"/>
+                      </a:solidFill>
+                      <a:prstDash val="solid"/>
+                      <a:round/>
+                      <a:headEnd type="none" w="med" len="med"/>
+                      <a:tailEnd type="none" w="med" len="med"/>
+                    </a:lnB>
+                    <a:lnTlToBr w="12700" cmpd="sng">
+                      <a:noFill/>
+                      <a:prstDash val="solid"/>
+                    </a:lnTlToBr>
+                    <a:lnBlToTr w="12700" cmpd="sng">
+                      <a:noFill/>
+                      <a:prstDash val="solid"/>
+                    </a:lnBlToTr>
+                  </a:tcPr>
+                </a:tc>
+                <a:tc>
+                  <a:txBody>
+                    <a:bodyPr/>
+                    <a:lstStyle/>
+                    <a:p>
+                      <a:pPr algn="ctr" latinLnBrk="1"/>
+                      <a:endParaRPr lang="ko-KR" altLang="en-US"/>
+                    </a:p>
+                  </a:txBody>
+                  <a:tcPr anchor="ctr">
+                    <a:lnL w="12700" cap="flat" cmpd="sng" algn="ctr">
+                      <a:solidFill>
+                        <a:schemeClr val="tx1"/>
+                      </a:solidFill>
+                      <a:prstDash val="solid"/>
+                      <a:round/>
+                      <a:headEnd type="none" w="med" len="med"/>
+                      <a:tailEnd type="none" w="med" len="med"/>
+                    </a:lnL>
+                    <a:lnR w="12700" cap="flat" cmpd="sng" algn="ctr">
+                      <a:solidFill>
+                        <a:schemeClr val="tx1"/>
+                      </a:solidFill>
+                      <a:prstDash val="solid"/>
+                      <a:round/>
+                      <a:headEnd type="none" w="med" len="med"/>
+                      <a:tailEnd type="none" w="med" len="med"/>
+                    </a:lnR>
+                    <a:lnT w="12700" cap="flat" cmpd="sng" algn="ctr">
+                      <a:solidFill>
+                        <a:schemeClr val="tx1"/>
+                      </a:solidFill>
+                      <a:prstDash val="solid"/>
+                      <a:round/>
+                      <a:headEnd type="none" w="med" len="med"/>
+                      <a:tailEnd type="none" w="med" len="med"/>
+                    </a:lnT>
+                    <a:lnB w="12700" cap="flat" cmpd="sng" algn="ctr">
+                      <a:solidFill>
+                        <a:schemeClr val="tx1"/>
+                      </a:solidFill>
+                      <a:prstDash val="solid"/>
+                      <a:round/>
+                      <a:headEnd type="none" w="med" len="med"/>
+                      <a:tailEnd type="none" w="med" len="med"/>
+                    </a:lnB>
+                    <a:lnTlToBr w="12700" cmpd="sng">
+                      <a:noFill/>
+                      <a:prstDash val="solid"/>
+                    </a:lnTlToBr>
+                    <a:lnBlToTr w="12700" cmpd="sng">
+                      <a:noFill/>
+                      <a:prstDash val="solid"/>
+                    </a:lnBlToTr>
+                  </a:tcPr>
+                </a:tc>
+                <a:extLst>
+                  <a:ext uri="{0D108BD9-81ED-4DB2-BD59-A6C34878D82A}">
+                    <a16:rowId xmlns:a16="http://schemas.microsoft.com/office/drawing/2014/main" val="124231198"/>
+                  </a:ext>
+                </a:extLst>
+              </a:tr>
+              <a:tr h="640080">
+                <a:tc>
+                  <a:txBody>
+                    <a:bodyPr/>
+                    <a:lstStyle/>
+                    <a:p>
+                      <a:pPr algn="ctr" latinLnBrk="1"/>
+                      <a:r>
+                        <a:rPr lang="en-US" altLang="ko-KR" dirty="0" smtClean="0"/>
+                        <a:t>Single LI</a:t>
+                      </a:r>
+                    </a:p>
+                    <a:p>
+                      <a:pPr algn="ctr" latinLnBrk="1"/>
+                      <a:r>
+                        <a:rPr lang="en-US" altLang="ko-KR" baseline="0" dirty="0" smtClean="0"/>
+                        <a:t>Scope &amp; Test</a:t>
+                      </a:r>
+                      <a:endParaRPr lang="ko-KR" altLang="en-US" dirty="0"/>
+                    </a:p>
+                  </a:txBody>
+                  <a:tcPr anchor="ctr">
+                    <a:lnL w="12700" cap="flat" cmpd="sng" algn="ctr">
+                      <a:solidFill>
+                        <a:schemeClr val="tx1"/>
+                      </a:solidFill>
+                      <a:prstDash val="solid"/>
+                      <a:round/>
+                      <a:headEnd type="none" w="med" len="med"/>
+                      <a:tailEnd type="none" w="med" len="med"/>
+                    </a:lnL>
+                    <a:lnR w="12700" cap="flat" cmpd="sng" algn="ctr">
+                      <a:solidFill>
+                        <a:schemeClr val="tx1"/>
+                      </a:solidFill>
+                      <a:prstDash val="solid"/>
+                      <a:round/>
+                      <a:headEnd type="none" w="med" len="med"/>
+                      <a:tailEnd type="none" w="med" len="med"/>
+                    </a:lnR>
+                    <a:lnT w="12700" cap="flat" cmpd="sng" algn="ctr">
+                      <a:solidFill>
+                        <a:schemeClr val="tx1"/>
+                      </a:solidFill>
+                      <a:prstDash val="solid"/>
+                      <a:round/>
+                      <a:headEnd type="none" w="med" len="med"/>
+                      <a:tailEnd type="none" w="med" len="med"/>
+                    </a:lnT>
+                    <a:lnB w="12700" cap="flat" cmpd="sng" algn="ctr">
+                      <a:solidFill>
+                        <a:schemeClr val="tx1"/>
+                      </a:solidFill>
+                      <a:prstDash val="solid"/>
+                      <a:round/>
+                      <a:headEnd type="none" w="med" len="med"/>
+                      <a:tailEnd type="none" w="med" len="med"/>
+                    </a:lnB>
+                    <a:lnTlToBr w="12700" cmpd="sng">
+                      <a:noFill/>
+                      <a:prstDash val="solid"/>
+                    </a:lnTlToBr>
+                    <a:lnBlToTr w="12700" cmpd="sng">
+                      <a:noFill/>
+                      <a:prstDash val="solid"/>
+                    </a:lnBlToTr>
+                  </a:tcPr>
+                </a:tc>
+                <a:tc>
+                  <a:txBody>
+                    <a:bodyPr/>
+                    <a:lstStyle/>
+                    <a:p>
+                      <a:pPr algn="ctr" latinLnBrk="1"/>
+                      <a:endParaRPr lang="ko-KR" altLang="en-US" dirty="0"/>
+                    </a:p>
+                  </a:txBody>
+                  <a:tcPr anchor="ctr">
+                    <a:lnL w="12700" cap="flat" cmpd="sng" algn="ctr">
+                      <a:solidFill>
+                        <a:schemeClr val="tx1"/>
+                      </a:solidFill>
+                      <a:prstDash val="solid"/>
+                      <a:round/>
+                      <a:headEnd type="none" w="med" len="med"/>
+                      <a:tailEnd type="none" w="med" len="med"/>
+                    </a:lnL>
+                    <a:lnR w="12700" cap="flat" cmpd="sng" algn="ctr">
+                      <a:solidFill>
+                        <a:schemeClr val="tx1"/>
+                      </a:solidFill>
+                      <a:prstDash val="solid"/>
+                      <a:round/>
+                      <a:headEnd type="none" w="med" len="med"/>
+                      <a:tailEnd type="none" w="med" len="med"/>
+                    </a:lnR>
+                    <a:lnT w="12700" cap="flat" cmpd="sng" algn="ctr">
+                      <a:solidFill>
+                        <a:schemeClr val="tx1"/>
+                      </a:solidFill>
+                      <a:prstDash val="solid"/>
+                      <a:round/>
+                      <a:headEnd type="none" w="med" len="med"/>
+                      <a:tailEnd type="none" w="med" len="med"/>
+                    </a:lnT>
+                    <a:lnB w="12700" cap="flat" cmpd="sng" algn="ctr">
+                      <a:solidFill>
+                        <a:schemeClr val="tx1"/>
+                      </a:solidFill>
+                      <a:prstDash val="solid"/>
+                      <a:round/>
+                      <a:headEnd type="none" w="med" len="med"/>
+                      <a:tailEnd type="none" w="med" len="med"/>
+                    </a:lnB>
+                    <a:lnTlToBr w="12700" cmpd="sng">
+                      <a:noFill/>
+                      <a:prstDash val="solid"/>
+                    </a:lnTlToBr>
+                    <a:lnBlToTr w="12700" cmpd="sng">
+                      <a:noFill/>
+                      <a:prstDash val="solid"/>
+                    </a:lnBlToTr>
+                  </a:tcPr>
+                </a:tc>
+                <a:tc>
+                  <a:txBody>
+                    <a:bodyPr/>
+                    <a:lstStyle/>
+                    <a:p>
+                      <a:pPr algn="ctr" latinLnBrk="1"/>
+                      <a:endParaRPr lang="ko-KR" altLang="en-US" dirty="0"/>
+                    </a:p>
+                  </a:txBody>
+                  <a:tcPr anchor="ctr">
+                    <a:lnL w="12700" cap="flat" cmpd="sng" algn="ctr">
+                      <a:solidFill>
+                        <a:schemeClr val="tx1"/>
+                      </a:solidFill>
+                      <a:prstDash val="solid"/>
+                      <a:round/>
+                      <a:headEnd type="none" w="med" len="med"/>
+                      <a:tailEnd type="none" w="med" len="med"/>
+                    </a:lnL>
+                    <a:lnR w="12700" cap="flat" cmpd="sng" algn="ctr">
+                      <a:solidFill>
+                        <a:schemeClr val="tx1"/>
+                      </a:solidFill>
+                      <a:prstDash val="solid"/>
+                      <a:round/>
+                      <a:headEnd type="none" w="med" len="med"/>
+                      <a:tailEnd type="none" w="med" len="med"/>
+                    </a:lnR>
+                    <a:lnT w="12700" cap="flat" cmpd="sng" algn="ctr">
+                      <a:solidFill>
+                        <a:schemeClr val="tx1"/>
+                      </a:solidFill>
+                      <a:prstDash val="solid"/>
+                      <a:round/>
+                      <a:headEnd type="none" w="med" len="med"/>
+                      <a:tailEnd type="none" w="med" len="med"/>
+                    </a:lnT>
+                    <a:lnB w="12700" cap="flat" cmpd="sng" algn="ctr">
+                      <a:solidFill>
+                        <a:schemeClr val="tx1"/>
+                      </a:solidFill>
+                      <a:prstDash val="solid"/>
+                      <a:round/>
+                      <a:headEnd type="none" w="med" len="med"/>
+                      <a:tailEnd type="none" w="med" len="med"/>
+                    </a:lnB>
+                    <a:lnTlToBr w="12700" cmpd="sng">
+                      <a:noFill/>
+                      <a:prstDash val="solid"/>
+                    </a:lnTlToBr>
+                    <a:lnBlToTr w="12700" cmpd="sng">
+                      <a:noFill/>
+                      <a:prstDash val="solid"/>
+                    </a:lnBlToTr>
+                  </a:tcPr>
+                </a:tc>
+                <a:tc>
+                  <a:txBody>
+                    <a:bodyPr/>
+                    <a:lstStyle/>
+                    <a:p>
+                      <a:pPr algn="ctr" latinLnBrk="1"/>
+                      <a:endParaRPr lang="ko-KR" altLang="en-US"/>
+                    </a:p>
+                  </a:txBody>
+                  <a:tcPr anchor="ctr">
+                    <a:lnL w="12700" cap="flat" cmpd="sng" algn="ctr">
+                      <a:solidFill>
+                        <a:schemeClr val="tx1"/>
+                      </a:solidFill>
+                      <a:prstDash val="solid"/>
+                      <a:round/>
+                      <a:headEnd type="none" w="med" len="med"/>
+                      <a:tailEnd type="none" w="med" len="med"/>
+                    </a:lnL>
+                    <a:lnR w="12700" cap="flat" cmpd="sng" algn="ctr">
+                      <a:solidFill>
+                        <a:schemeClr val="tx1"/>
+                      </a:solidFill>
+                      <a:prstDash val="solid"/>
+                      <a:round/>
+                      <a:headEnd type="none" w="med" len="med"/>
+                      <a:tailEnd type="none" w="med" len="med"/>
+                    </a:lnR>
+                    <a:lnT w="12700" cap="flat" cmpd="sng" algn="ctr">
+                      <a:solidFill>
+                        <a:schemeClr val="tx1"/>
+                      </a:solidFill>
+                      <a:prstDash val="solid"/>
+                      <a:round/>
+                      <a:headEnd type="none" w="med" len="med"/>
+                      <a:tailEnd type="none" w="med" len="med"/>
+                    </a:lnT>
+                    <a:lnB w="12700" cap="flat" cmpd="sng" algn="ctr">
+                      <a:solidFill>
+                        <a:schemeClr val="tx1"/>
+                      </a:solidFill>
+                      <a:prstDash val="solid"/>
+                      <a:round/>
+                      <a:headEnd type="none" w="med" len="med"/>
+                      <a:tailEnd type="none" w="med" len="med"/>
+                    </a:lnB>
+                    <a:lnTlToBr w="12700" cmpd="sng">
+                      <a:noFill/>
+                      <a:prstDash val="solid"/>
+                    </a:lnTlToBr>
+                    <a:lnBlToTr w="12700" cmpd="sng">
+                      <a:noFill/>
+                      <a:prstDash val="solid"/>
+                    </a:lnBlToTr>
+                  </a:tcPr>
+                </a:tc>
+                <a:tc>
+                  <a:txBody>
+                    <a:bodyPr/>
+                    <a:lstStyle/>
+                    <a:p>
+                      <a:pPr algn="ctr" latinLnBrk="1"/>
+                      <a:endParaRPr lang="ko-KR" altLang="en-US" dirty="0"/>
+                    </a:p>
+                  </a:txBody>
+                  <a:tcPr anchor="ctr">
+                    <a:lnL w="12700" cap="flat" cmpd="sng" algn="ctr">
+                      <a:solidFill>
+                        <a:schemeClr val="tx1"/>
+                      </a:solidFill>
+                      <a:prstDash val="solid"/>
+                      <a:round/>
+                      <a:headEnd type="none" w="med" len="med"/>
+                      <a:tailEnd type="none" w="med" len="med"/>
+                    </a:lnL>
+                    <a:lnR w="12700" cap="flat" cmpd="sng" algn="ctr">
+                      <a:solidFill>
+                        <a:schemeClr val="tx1"/>
+                      </a:solidFill>
+                      <a:prstDash val="solid"/>
+                      <a:round/>
+                      <a:headEnd type="none" w="med" len="med"/>
+                      <a:tailEnd type="none" w="med" len="med"/>
+                    </a:lnR>
+                    <a:lnT w="12700" cap="flat" cmpd="sng" algn="ctr">
+                      <a:solidFill>
+                        <a:schemeClr val="tx1"/>
+                      </a:solidFill>
+                      <a:prstDash val="solid"/>
+                      <a:round/>
+                      <a:headEnd type="none" w="med" len="med"/>
+                      <a:tailEnd type="none" w="med" len="med"/>
+                    </a:lnT>
+                    <a:lnB w="12700" cap="flat" cmpd="sng" algn="ctr">
+                      <a:solidFill>
+                        <a:schemeClr val="tx1"/>
+                      </a:solidFill>
+                      <a:prstDash val="solid"/>
+                      <a:round/>
+                      <a:headEnd type="none" w="med" len="med"/>
+                      <a:tailEnd type="none" w="med" len="med"/>
+                    </a:lnB>
+                    <a:lnTlToBr w="12700" cmpd="sng">
+                      <a:noFill/>
+                      <a:prstDash val="solid"/>
+                    </a:lnTlToBr>
+                    <a:lnBlToTr w="12700" cmpd="sng">
+                      <a:noFill/>
+                      <a:prstDash val="solid"/>
+                    </a:lnBlToTr>
+                  </a:tcPr>
+                </a:tc>
+                <a:tc>
+                  <a:txBody>
+                    <a:bodyPr/>
+                    <a:lstStyle/>
+                    <a:p>
+                      <a:pPr algn="ctr" latinLnBrk="1"/>
+                      <a:endParaRPr lang="ko-KR" altLang="en-US"/>
+                    </a:p>
+                  </a:txBody>
+                  <a:tcPr anchor="ctr">
+                    <a:lnL w="12700" cap="flat" cmpd="sng" algn="ctr">
+                      <a:solidFill>
+                        <a:schemeClr val="tx1"/>
+                      </a:solidFill>
+                      <a:prstDash val="solid"/>
+                      <a:round/>
+                      <a:headEnd type="none" w="med" len="med"/>
+                      <a:tailEnd type="none" w="med" len="med"/>
+                    </a:lnL>
+                    <a:lnR w="12700" cap="flat" cmpd="sng" algn="ctr">
+                      <a:solidFill>
+                        <a:schemeClr val="tx1"/>
+                      </a:solidFill>
+                      <a:prstDash val="solid"/>
+                      <a:round/>
+                      <a:headEnd type="none" w="med" len="med"/>
+                      <a:tailEnd type="none" w="med" len="med"/>
+                    </a:lnR>
+                    <a:lnT w="12700" cap="flat" cmpd="sng" algn="ctr">
+                      <a:solidFill>
+                        <a:schemeClr val="tx1"/>
+                      </a:solidFill>
+                      <a:prstDash val="solid"/>
+                      <a:round/>
+                      <a:headEnd type="none" w="med" len="med"/>
+                      <a:tailEnd type="none" w="med" len="med"/>
+                    </a:lnT>
+                    <a:lnB w="12700" cap="flat" cmpd="sng" algn="ctr">
+                      <a:solidFill>
+                        <a:schemeClr val="tx1"/>
+                      </a:solidFill>
+                      <a:prstDash val="solid"/>
+                      <a:round/>
+                      <a:headEnd type="none" w="med" len="med"/>
+                      <a:tailEnd type="none" w="med" len="med"/>
+                    </a:lnB>
+                    <a:lnTlToBr w="12700" cmpd="sng">
+                      <a:noFill/>
+                      <a:prstDash val="solid"/>
+                    </a:lnTlToBr>
+                    <a:lnBlToTr w="12700" cmpd="sng">
+                      <a:noFill/>
+                      <a:prstDash val="solid"/>
+                    </a:lnBlToTr>
+                  </a:tcPr>
+                </a:tc>
+                <a:extLst>
+                  <a:ext uri="{0D108BD9-81ED-4DB2-BD59-A6C34878D82A}">
+                    <a16:rowId xmlns:a16="http://schemas.microsoft.com/office/drawing/2014/main" val="1389960326"/>
+                  </a:ext>
+                </a:extLst>
+              </a:tr>
+              <a:tr h="640080">
+                <a:tc>
+                  <a:txBody>
+                    <a:bodyPr/>
+                    <a:lstStyle/>
+                    <a:p>
+                      <a:pPr algn="ctr" latinLnBrk="1"/>
+                      <a:r>
+                        <a:rPr lang="en-US" altLang="ko-KR" dirty="0" smtClean="0"/>
+                        <a:t>Dual LI</a:t>
+                      </a:r>
+                    </a:p>
+                    <a:p>
+                      <a:pPr algn="ctr" latinLnBrk="1"/>
+                      <a:r>
+                        <a:rPr lang="en-US" altLang="ko-KR" dirty="0" smtClean="0"/>
+                        <a:t>Mixer</a:t>
+                      </a:r>
+                      <a:r>
+                        <a:rPr lang="en-US" altLang="ko-KR" baseline="0" dirty="0" smtClean="0"/>
+                        <a:t> Design</a:t>
+                      </a:r>
+                      <a:endParaRPr lang="ko-KR" altLang="en-US" dirty="0"/>
+                    </a:p>
+                  </a:txBody>
+                  <a:tcPr anchor="ctr">
+                    <a:lnL w="12700" cap="flat" cmpd="sng" algn="ctr">
+                      <a:solidFill>
+                        <a:schemeClr val="tx1"/>
+                      </a:solidFill>
+                      <a:prstDash val="solid"/>
+                      <a:round/>
+                      <a:headEnd type="none" w="med" len="med"/>
+                      <a:tailEnd type="none" w="med" len="med"/>
+                    </a:lnL>
+                    <a:lnR w="12700" cap="flat" cmpd="sng" algn="ctr">
+                      <a:solidFill>
+                        <a:schemeClr val="tx1"/>
+                      </a:solidFill>
+                      <a:prstDash val="solid"/>
+                      <a:round/>
+                      <a:headEnd type="none" w="med" len="med"/>
+                      <a:tailEnd type="none" w="med" len="med"/>
+                    </a:lnR>
+                    <a:lnT w="12700" cap="flat" cmpd="sng" algn="ctr">
+                      <a:solidFill>
+                        <a:schemeClr val="tx1"/>
+                      </a:solidFill>
+                      <a:prstDash val="solid"/>
+                      <a:round/>
+                      <a:headEnd type="none" w="med" len="med"/>
+                      <a:tailEnd type="none" w="med" len="med"/>
+                    </a:lnT>
+                    <a:lnB w="12700" cap="flat" cmpd="sng" algn="ctr">
+                      <a:solidFill>
+                        <a:schemeClr val="tx1"/>
+                      </a:solidFill>
+                      <a:prstDash val="solid"/>
+                      <a:round/>
+                      <a:headEnd type="none" w="med" len="med"/>
+                      <a:tailEnd type="none" w="med" len="med"/>
+                    </a:lnB>
+                    <a:lnTlToBr w="12700" cmpd="sng">
+                      <a:noFill/>
+                      <a:prstDash val="solid"/>
+                    </a:lnTlToBr>
+                    <a:lnBlToTr w="12700" cmpd="sng">
+                      <a:noFill/>
+                      <a:prstDash val="solid"/>
+                    </a:lnBlToTr>
+                  </a:tcPr>
+                </a:tc>
+                <a:tc>
+                  <a:txBody>
+                    <a:bodyPr/>
+                    <a:lstStyle/>
+                    <a:p>
+                      <a:pPr algn="ctr" latinLnBrk="1"/>
+                      <a:endParaRPr lang="ko-KR" altLang="en-US" dirty="0"/>
+                    </a:p>
+                  </a:txBody>
+                  <a:tcPr anchor="ctr">
+                    <a:lnL w="12700" cap="flat" cmpd="sng" algn="ctr">
+                      <a:solidFill>
+                        <a:schemeClr val="tx1"/>
+                      </a:solidFill>
+                      <a:prstDash val="solid"/>
+                      <a:round/>
+                      <a:headEnd type="none" w="med" len="med"/>
+                      <a:tailEnd type="none" w="med" len="med"/>
+                    </a:lnL>
+                    <a:lnR w="12700" cap="flat" cmpd="sng" algn="ctr">
+                      <a:solidFill>
+                        <a:schemeClr val="tx1"/>
+                      </a:solidFill>
+                      <a:prstDash val="solid"/>
+                      <a:round/>
+                      <a:headEnd type="none" w="med" len="med"/>
+                      <a:tailEnd type="none" w="med" len="med"/>
+                    </a:lnR>
+                    <a:lnT w="12700" cap="flat" cmpd="sng" algn="ctr">
+                      <a:solidFill>
+                        <a:schemeClr val="tx1"/>
+                      </a:solidFill>
+                      <a:prstDash val="solid"/>
+                      <a:round/>
+                      <a:headEnd type="none" w="med" len="med"/>
+                      <a:tailEnd type="none" w="med" len="med"/>
+                    </a:lnT>
+                    <a:lnB w="12700" cap="flat" cmpd="sng" algn="ctr">
+                      <a:solidFill>
+                        <a:schemeClr val="tx1"/>
+                      </a:solidFill>
+                      <a:prstDash val="solid"/>
+                      <a:round/>
+                      <a:headEnd type="none" w="med" len="med"/>
+                      <a:tailEnd type="none" w="med" len="med"/>
+                    </a:lnB>
+                    <a:lnTlToBr w="12700" cmpd="sng">
+                      <a:noFill/>
+                      <a:prstDash val="solid"/>
+                    </a:lnTlToBr>
+                    <a:lnBlToTr w="12700" cmpd="sng">
+                      <a:noFill/>
+                      <a:prstDash val="solid"/>
+                    </a:lnBlToTr>
+                  </a:tcPr>
+                </a:tc>
+                <a:tc>
+                  <a:txBody>
+                    <a:bodyPr/>
+                    <a:lstStyle/>
+                    <a:p>
+                      <a:pPr algn="ctr" latinLnBrk="1"/>
+                      <a:endParaRPr lang="ko-KR" altLang="en-US" dirty="0"/>
+                    </a:p>
+                  </a:txBody>
+                  <a:tcPr anchor="ctr">
+                    <a:lnL w="12700" cap="flat" cmpd="sng" algn="ctr">
+                      <a:solidFill>
+                        <a:schemeClr val="tx1"/>
+                      </a:solidFill>
+                      <a:prstDash val="solid"/>
+                      <a:round/>
+                      <a:headEnd type="none" w="med" len="med"/>
+                      <a:tailEnd type="none" w="med" len="med"/>
+                    </a:lnL>
+                    <a:lnR w="12700" cap="flat" cmpd="sng" algn="ctr">
+                      <a:solidFill>
+                        <a:schemeClr val="tx1"/>
+                      </a:solidFill>
+                      <a:prstDash val="solid"/>
+                      <a:round/>
+                      <a:headEnd type="none" w="med" len="med"/>
+                      <a:tailEnd type="none" w="med" len="med"/>
+                    </a:lnR>
+                    <a:lnT w="12700" cap="flat" cmpd="sng" algn="ctr">
+                      <a:solidFill>
+                        <a:schemeClr val="tx1"/>
+                      </a:solidFill>
+                      <a:prstDash val="solid"/>
+                      <a:round/>
+                      <a:headEnd type="none" w="med" len="med"/>
+                      <a:tailEnd type="none" w="med" len="med"/>
+                    </a:lnT>
+                    <a:lnB w="12700" cap="flat" cmpd="sng" algn="ctr">
+                      <a:solidFill>
+                        <a:schemeClr val="tx1"/>
+                      </a:solidFill>
+                      <a:prstDash val="solid"/>
+                      <a:round/>
+                      <a:headEnd type="none" w="med" len="med"/>
+                      <a:tailEnd type="none" w="med" len="med"/>
+                    </a:lnB>
+                    <a:lnTlToBr w="12700" cmpd="sng">
+                      <a:noFill/>
+                      <a:prstDash val="solid"/>
+                    </a:lnTlToBr>
+                    <a:lnBlToTr w="12700" cmpd="sng">
+                      <a:noFill/>
+                      <a:prstDash val="solid"/>
+                    </a:lnBlToTr>
+                  </a:tcPr>
+                </a:tc>
+                <a:tc>
+                  <a:txBody>
+                    <a:bodyPr/>
+                    <a:lstStyle/>
+                    <a:p>
+                      <a:pPr algn="ctr" latinLnBrk="1"/>
+                      <a:endParaRPr lang="ko-KR" altLang="en-US" dirty="0"/>
+                    </a:p>
+                  </a:txBody>
+                  <a:tcPr anchor="ctr">
+                    <a:lnL w="12700" cap="flat" cmpd="sng" algn="ctr">
+                      <a:solidFill>
+                        <a:schemeClr val="tx1"/>
+                      </a:solidFill>
+                      <a:prstDash val="solid"/>
+                      <a:round/>
+                      <a:headEnd type="none" w="med" len="med"/>
+                      <a:tailEnd type="none" w="med" len="med"/>
+                    </a:lnL>
+                    <a:lnR w="12700" cap="flat" cmpd="sng" algn="ctr">
+                      <a:solidFill>
+                        <a:schemeClr val="tx1"/>
+                      </a:solidFill>
+                      <a:prstDash val="solid"/>
+                      <a:round/>
+                      <a:headEnd type="none" w="med" len="med"/>
+                      <a:tailEnd type="none" w="med" len="med"/>
+                    </a:lnR>
+                    <a:lnT w="12700" cap="flat" cmpd="sng" algn="ctr">
+                      <a:solidFill>
+                        <a:schemeClr val="tx1"/>
+                      </a:solidFill>
+                      <a:prstDash val="solid"/>
+                      <a:round/>
+                      <a:headEnd type="none" w="med" len="med"/>
+                      <a:tailEnd type="none" w="med" len="med"/>
+                    </a:lnT>
+                    <a:lnB w="12700" cap="flat" cmpd="sng" algn="ctr">
+                      <a:solidFill>
+                        <a:schemeClr val="tx1"/>
+                      </a:solidFill>
+                      <a:prstDash val="solid"/>
+                      <a:round/>
+                      <a:headEnd type="none" w="med" len="med"/>
+                      <a:tailEnd type="none" w="med" len="med"/>
+                    </a:lnB>
+                    <a:lnTlToBr w="12700" cmpd="sng">
+                      <a:noFill/>
+                      <a:prstDash val="solid"/>
+                    </a:lnTlToBr>
+                    <a:lnBlToTr w="12700" cmpd="sng">
+                      <a:noFill/>
+                      <a:prstDash val="solid"/>
+                    </a:lnBlToTr>
+                  </a:tcPr>
+                </a:tc>
+                <a:tc>
+                  <a:txBody>
+                    <a:bodyPr/>
+                    <a:lstStyle/>
+                    <a:p>
+                      <a:pPr algn="ctr" latinLnBrk="1"/>
+                      <a:endParaRPr lang="ko-KR" altLang="en-US"/>
+                    </a:p>
+                  </a:txBody>
+                  <a:tcPr anchor="ctr">
+                    <a:lnL w="12700" cap="flat" cmpd="sng" algn="ctr">
+                      <a:solidFill>
+                        <a:schemeClr val="tx1"/>
+                      </a:solidFill>
+                      <a:prstDash val="solid"/>
+                      <a:round/>
+                      <a:headEnd type="none" w="med" len="med"/>
+                      <a:tailEnd type="none" w="med" len="med"/>
+                    </a:lnL>
+                    <a:lnR w="12700" cap="flat" cmpd="sng" algn="ctr">
+                      <a:solidFill>
+                        <a:schemeClr val="tx1"/>
+                      </a:solidFill>
+                      <a:prstDash val="solid"/>
+                      <a:round/>
+                      <a:headEnd type="none" w="med" len="med"/>
+                      <a:tailEnd type="none" w="med" len="med"/>
+                    </a:lnR>
+                    <a:lnT w="12700" cap="flat" cmpd="sng" algn="ctr">
+                      <a:solidFill>
+                        <a:schemeClr val="tx1"/>
+                      </a:solidFill>
+                      <a:prstDash val="solid"/>
+                      <a:round/>
+                      <a:headEnd type="none" w="med" len="med"/>
+                      <a:tailEnd type="none" w="med" len="med"/>
+                    </a:lnT>
+                    <a:lnB w="12700" cap="flat" cmpd="sng" algn="ctr">
+                      <a:solidFill>
+                        <a:schemeClr val="tx1"/>
+                      </a:solidFill>
+                      <a:prstDash val="solid"/>
+                      <a:round/>
+                      <a:headEnd type="none" w="med" len="med"/>
+                      <a:tailEnd type="none" w="med" len="med"/>
+                    </a:lnB>
+                    <a:lnTlToBr w="12700" cmpd="sng">
+                      <a:noFill/>
+                      <a:prstDash val="solid"/>
+                    </a:lnTlToBr>
+                    <a:lnBlToTr w="12700" cmpd="sng">
+                      <a:noFill/>
+                      <a:prstDash val="solid"/>
+                    </a:lnBlToTr>
+                  </a:tcPr>
+                </a:tc>
+                <a:tc>
+                  <a:txBody>
+                    <a:bodyPr/>
+                    <a:lstStyle/>
+                    <a:p>
+                      <a:pPr algn="ctr" latinLnBrk="1"/>
+                      <a:endParaRPr lang="ko-KR" altLang="en-US"/>
+                    </a:p>
+                  </a:txBody>
+                  <a:tcPr anchor="ctr">
+                    <a:lnL w="12700" cap="flat" cmpd="sng" algn="ctr">
+                      <a:solidFill>
+                        <a:schemeClr val="tx1"/>
+                      </a:solidFill>
+                      <a:prstDash val="solid"/>
+                      <a:round/>
+                      <a:headEnd type="none" w="med" len="med"/>
+                      <a:tailEnd type="none" w="med" len="med"/>
+                    </a:lnL>
+                    <a:lnR w="12700" cap="flat" cmpd="sng" algn="ctr">
+                      <a:solidFill>
+                        <a:schemeClr val="tx1"/>
+                      </a:solidFill>
+                      <a:prstDash val="solid"/>
+                      <a:round/>
+                      <a:headEnd type="none" w="med" len="med"/>
+                      <a:tailEnd type="none" w="med" len="med"/>
+                    </a:lnR>
+                    <a:lnT w="12700" cap="flat" cmpd="sng" algn="ctr">
+                      <a:solidFill>
+                        <a:schemeClr val="tx1"/>
+                      </a:solidFill>
+                      <a:prstDash val="solid"/>
+                      <a:round/>
+                      <a:headEnd type="none" w="med" len="med"/>
+                      <a:tailEnd type="none" w="med" len="med"/>
+                    </a:lnT>
+                    <a:lnB w="12700" cap="flat" cmpd="sng" algn="ctr">
+                      <a:solidFill>
+                        <a:schemeClr val="tx1"/>
+                      </a:solidFill>
+                      <a:prstDash val="solid"/>
+                      <a:round/>
+                      <a:headEnd type="none" w="med" len="med"/>
+                      <a:tailEnd type="none" w="med" len="med"/>
+                    </a:lnB>
+                    <a:lnTlToBr w="12700" cmpd="sng">
+                      <a:noFill/>
+                      <a:prstDash val="solid"/>
+                    </a:lnTlToBr>
+                    <a:lnBlToTr w="12700" cmpd="sng">
+                      <a:noFill/>
+                      <a:prstDash val="solid"/>
+                    </a:lnBlToTr>
+                  </a:tcPr>
+                </a:tc>
+                <a:extLst>
+                  <a:ext uri="{0D108BD9-81ED-4DB2-BD59-A6C34878D82A}">
+                    <a16:rowId xmlns:a16="http://schemas.microsoft.com/office/drawing/2014/main" val="4219604525"/>
+                  </a:ext>
+                </a:extLst>
+              </a:tr>
+              <a:tr h="640080">
+                <a:tc>
+                  <a:txBody>
+                    <a:bodyPr/>
+                    <a:lstStyle/>
+                    <a:p>
+                      <a:pPr algn="ctr" latinLnBrk="1"/>
+                      <a:r>
+                        <a:rPr lang="en-US" altLang="ko-KR" dirty="0" smtClean="0"/>
+                        <a:t>Dual LI</a:t>
+                      </a:r>
+                    </a:p>
+                    <a:p>
+                      <a:pPr algn="ctr" latinLnBrk="1"/>
+                      <a:r>
+                        <a:rPr lang="en-US" altLang="ko-KR" dirty="0" smtClean="0"/>
+                        <a:t>Scope &amp; Test</a:t>
+                      </a:r>
+                      <a:endParaRPr lang="ko-KR" altLang="en-US" dirty="0"/>
+                    </a:p>
+                  </a:txBody>
+                  <a:tcPr anchor="ctr">
+                    <a:lnL w="12700" cap="flat" cmpd="sng" algn="ctr">
+                      <a:solidFill>
+                        <a:schemeClr val="tx1"/>
+                      </a:solidFill>
+                      <a:prstDash val="solid"/>
+                      <a:round/>
+                      <a:headEnd type="none" w="med" len="med"/>
+                      <a:tailEnd type="none" w="med" len="med"/>
+                    </a:lnL>
+                    <a:lnR w="12700" cap="flat" cmpd="sng" algn="ctr">
+                      <a:solidFill>
+                        <a:schemeClr val="tx1"/>
+                      </a:solidFill>
+                      <a:prstDash val="solid"/>
+                      <a:round/>
+                      <a:headEnd type="none" w="med" len="med"/>
+                      <a:tailEnd type="none" w="med" len="med"/>
+                    </a:lnR>
+                    <a:lnT w="12700" cap="flat" cmpd="sng" algn="ctr">
+                      <a:solidFill>
+                        <a:schemeClr val="tx1"/>
+                      </a:solidFill>
+                      <a:prstDash val="solid"/>
+                      <a:round/>
+                      <a:headEnd type="none" w="med" len="med"/>
+                      <a:tailEnd type="none" w="med" len="med"/>
+                    </a:lnT>
+                    <a:lnB w="12700" cap="flat" cmpd="sng" algn="ctr">
+                      <a:solidFill>
+                        <a:schemeClr val="tx1"/>
+                      </a:solidFill>
+                      <a:prstDash val="solid"/>
+                      <a:round/>
+                      <a:headEnd type="none" w="med" len="med"/>
+                      <a:tailEnd type="none" w="med" len="med"/>
+                    </a:lnB>
+                    <a:lnTlToBr w="12700" cmpd="sng">
+                      <a:noFill/>
+                      <a:prstDash val="solid"/>
+                    </a:lnTlToBr>
+                    <a:lnBlToTr w="12700" cmpd="sng">
+                      <a:noFill/>
+                      <a:prstDash val="solid"/>
+                    </a:lnBlToTr>
+                  </a:tcPr>
+                </a:tc>
+                <a:tc>
+                  <a:txBody>
+                    <a:bodyPr/>
+                    <a:lstStyle/>
+                    <a:p>
+                      <a:pPr algn="ctr" latinLnBrk="1"/>
+                      <a:endParaRPr lang="ko-KR" altLang="en-US"/>
+                    </a:p>
+                  </a:txBody>
+                  <a:tcPr anchor="ctr">
+                    <a:lnL w="12700" cap="flat" cmpd="sng" algn="ctr">
+                      <a:solidFill>
+                        <a:schemeClr val="tx1"/>
+                      </a:solidFill>
+                      <a:prstDash val="solid"/>
+                      <a:round/>
+                      <a:headEnd type="none" w="med" len="med"/>
+                      <a:tailEnd type="none" w="med" len="med"/>
+                    </a:lnL>
+                    <a:lnR w="12700" cap="flat" cmpd="sng" algn="ctr">
+                      <a:solidFill>
+                        <a:schemeClr val="tx1"/>
+                      </a:solidFill>
+                      <a:prstDash val="solid"/>
+                      <a:round/>
+                      <a:headEnd type="none" w="med" len="med"/>
+                      <a:tailEnd type="none" w="med" len="med"/>
+                    </a:lnR>
+                    <a:lnT w="12700" cap="flat" cmpd="sng" algn="ctr">
+                      <a:solidFill>
+                        <a:schemeClr val="tx1"/>
+                      </a:solidFill>
+                      <a:prstDash val="solid"/>
+                      <a:round/>
+                      <a:headEnd type="none" w="med" len="med"/>
+                      <a:tailEnd type="none" w="med" len="med"/>
+                    </a:lnT>
+                    <a:lnB w="12700" cap="flat" cmpd="sng" algn="ctr">
+                      <a:solidFill>
+                        <a:schemeClr val="tx1"/>
+                      </a:solidFill>
+                      <a:prstDash val="solid"/>
+                      <a:round/>
+                      <a:headEnd type="none" w="med" len="med"/>
+                      <a:tailEnd type="none" w="med" len="med"/>
+                    </a:lnB>
+                    <a:lnTlToBr w="12700" cmpd="sng">
+                      <a:noFill/>
+                      <a:prstDash val="solid"/>
+                    </a:lnTlToBr>
+                    <a:lnBlToTr w="12700" cmpd="sng">
+                      <a:noFill/>
+                      <a:prstDash val="solid"/>
+                    </a:lnBlToTr>
+                  </a:tcPr>
+                </a:tc>
+                <a:tc>
+                  <a:txBody>
+                    <a:bodyPr/>
+                    <a:lstStyle/>
+                    <a:p>
+                      <a:pPr algn="ctr" latinLnBrk="1"/>
+                      <a:endParaRPr lang="ko-KR" altLang="en-US"/>
+                    </a:p>
+                  </a:txBody>
+                  <a:tcPr anchor="ctr">
+                    <a:lnL w="12700" cap="flat" cmpd="sng" algn="ctr">
+                      <a:solidFill>
+                        <a:schemeClr val="tx1"/>
+                      </a:solidFill>
+                      <a:prstDash val="solid"/>
+                      <a:round/>
+                      <a:headEnd type="none" w="med" len="med"/>
+                      <a:tailEnd type="none" w="med" len="med"/>
+                    </a:lnL>
+                    <a:lnR w="12700" cap="flat" cmpd="sng" algn="ctr">
+                      <a:solidFill>
+                        <a:schemeClr val="tx1"/>
+                      </a:solidFill>
+                      <a:prstDash val="solid"/>
+                      <a:round/>
+                      <a:headEnd type="none" w="med" len="med"/>
+                      <a:tailEnd type="none" w="med" len="med"/>
+                    </a:lnR>
+                    <a:lnT w="12700" cap="flat" cmpd="sng" algn="ctr">
+                      <a:solidFill>
+                        <a:schemeClr val="tx1"/>
+                      </a:solidFill>
+                      <a:prstDash val="solid"/>
+                      <a:round/>
+                      <a:headEnd type="none" w="med" len="med"/>
+                      <a:tailEnd type="none" w="med" len="med"/>
+                    </a:lnT>
+                    <a:lnB w="12700" cap="flat" cmpd="sng" algn="ctr">
+                      <a:solidFill>
+                        <a:schemeClr val="tx1"/>
+                      </a:solidFill>
+                      <a:prstDash val="solid"/>
+                      <a:round/>
+                      <a:headEnd type="none" w="med" len="med"/>
+                      <a:tailEnd type="none" w="med" len="med"/>
+                    </a:lnB>
+                    <a:lnTlToBr w="12700" cmpd="sng">
+                      <a:noFill/>
+                      <a:prstDash val="solid"/>
+                    </a:lnTlToBr>
+                    <a:lnBlToTr w="12700" cmpd="sng">
+                      <a:noFill/>
+                      <a:prstDash val="solid"/>
+                    </a:lnBlToTr>
+                  </a:tcPr>
+                </a:tc>
+                <a:tc>
+                  <a:txBody>
+                    <a:bodyPr/>
+                    <a:lstStyle/>
+                    <a:p>
+                      <a:pPr algn="ctr" latinLnBrk="1"/>
+                      <a:endParaRPr lang="ko-KR" altLang="en-US"/>
+                    </a:p>
+                  </a:txBody>
+                  <a:tcPr anchor="ctr">
+                    <a:lnL w="12700" cap="flat" cmpd="sng" algn="ctr">
+                      <a:solidFill>
+                        <a:schemeClr val="tx1"/>
+                      </a:solidFill>
+                      <a:prstDash val="solid"/>
+                      <a:round/>
+                      <a:headEnd type="none" w="med" len="med"/>
+                      <a:tailEnd type="none" w="med" len="med"/>
+                    </a:lnL>
+                    <a:lnR w="12700" cap="flat" cmpd="sng" algn="ctr">
+                      <a:solidFill>
+                        <a:schemeClr val="tx1"/>
+                      </a:solidFill>
+                      <a:prstDash val="solid"/>
+                      <a:round/>
+                      <a:headEnd type="none" w="med" len="med"/>
+                      <a:tailEnd type="none" w="med" len="med"/>
+                    </a:lnR>
+                    <a:lnT w="12700" cap="flat" cmpd="sng" algn="ctr">
+                      <a:solidFill>
+                        <a:schemeClr val="tx1"/>
+                      </a:solidFill>
+                      <a:prstDash val="solid"/>
+                      <a:round/>
+                      <a:headEnd type="none" w="med" len="med"/>
+                      <a:tailEnd type="none" w="med" len="med"/>
+                    </a:lnT>
+                    <a:lnB w="12700" cap="flat" cmpd="sng" algn="ctr">
+                      <a:solidFill>
+                        <a:schemeClr val="tx1"/>
+                      </a:solidFill>
+                      <a:prstDash val="solid"/>
+                      <a:round/>
+                      <a:headEnd type="none" w="med" len="med"/>
+                      <a:tailEnd type="none" w="med" len="med"/>
+                    </a:lnB>
+                    <a:lnTlToBr w="12700" cmpd="sng">
+                      <a:noFill/>
+                      <a:prstDash val="solid"/>
+                    </a:lnTlToBr>
+                    <a:lnBlToTr w="12700" cmpd="sng">
+                      <a:noFill/>
+                      <a:prstDash val="solid"/>
+                    </a:lnBlToTr>
+                  </a:tcPr>
+                </a:tc>
+                <a:tc>
+                  <a:txBody>
+                    <a:bodyPr/>
+                    <a:lstStyle/>
+                    <a:p>
+                      <a:pPr algn="ctr" latinLnBrk="1"/>
+                      <a:endParaRPr lang="ko-KR" altLang="en-US"/>
+                    </a:p>
+                  </a:txBody>
+                  <a:tcPr anchor="ctr">
+                    <a:lnL w="12700" cap="flat" cmpd="sng" algn="ctr">
+                      <a:solidFill>
+                        <a:schemeClr val="tx1"/>
+                      </a:solidFill>
+                      <a:prstDash val="solid"/>
+                      <a:round/>
+                      <a:headEnd type="none" w="med" len="med"/>
+                      <a:tailEnd type="none" w="med" len="med"/>
+                    </a:lnL>
+                    <a:lnR w="12700" cap="flat" cmpd="sng" algn="ctr">
+                      <a:solidFill>
+                        <a:schemeClr val="tx1"/>
+                      </a:solidFill>
+                      <a:prstDash val="solid"/>
+                      <a:round/>
+                      <a:headEnd type="none" w="med" len="med"/>
+                      <a:tailEnd type="none" w="med" len="med"/>
+                    </a:lnR>
+                    <a:lnT w="12700" cap="flat" cmpd="sng" algn="ctr">
+                      <a:solidFill>
+                        <a:schemeClr val="tx1"/>
+                      </a:solidFill>
+                      <a:prstDash val="solid"/>
+                      <a:round/>
+                      <a:headEnd type="none" w="med" len="med"/>
+                      <a:tailEnd type="none" w="med" len="med"/>
+                    </a:lnT>
+                    <a:lnB w="12700" cap="flat" cmpd="sng" algn="ctr">
+                      <a:solidFill>
+                        <a:schemeClr val="tx1"/>
+                      </a:solidFill>
+                      <a:prstDash val="solid"/>
+                      <a:round/>
+                      <a:headEnd type="none" w="med" len="med"/>
+                      <a:tailEnd type="none" w="med" len="med"/>
+                    </a:lnB>
+                    <a:lnTlToBr w="12700" cmpd="sng">
+                      <a:noFill/>
+                      <a:prstDash val="solid"/>
+                    </a:lnTlToBr>
+                    <a:lnBlToTr w="12700" cmpd="sng">
+                      <a:noFill/>
+                      <a:prstDash val="solid"/>
+                    </a:lnBlToTr>
+                  </a:tcPr>
+                </a:tc>
+                <a:tc>
+                  <a:txBody>
+                    <a:bodyPr/>
+                    <a:lstStyle/>
+                    <a:p>
+                      <a:pPr algn="ctr" latinLnBrk="1"/>
+                      <a:endParaRPr lang="ko-KR" altLang="en-US" dirty="0"/>
+                    </a:p>
+                  </a:txBody>
+                  <a:tcPr anchor="ctr">
+                    <a:lnL w="12700" cap="flat" cmpd="sng" algn="ctr">
+                      <a:solidFill>
+                        <a:schemeClr val="tx1"/>
+                      </a:solidFill>
+                      <a:prstDash val="solid"/>
+                      <a:round/>
+                      <a:headEnd type="none" w="med" len="med"/>
+                      <a:tailEnd type="none" w="med" len="med"/>
+                    </a:lnL>
+                    <a:lnR w="12700" cap="flat" cmpd="sng" algn="ctr">
+                      <a:solidFill>
+                        <a:schemeClr val="tx1"/>
+                      </a:solidFill>
+                      <a:prstDash val="solid"/>
+                      <a:round/>
+                      <a:headEnd type="none" w="med" len="med"/>
+                      <a:tailEnd type="none" w="med" len="med"/>
+                    </a:lnR>
+                    <a:lnT w="12700" cap="flat" cmpd="sng" algn="ctr">
+                      <a:solidFill>
+                        <a:schemeClr val="tx1"/>
+                      </a:solidFill>
+                      <a:prstDash val="solid"/>
+                      <a:round/>
+                      <a:headEnd type="none" w="med" len="med"/>
+                      <a:tailEnd type="none" w="med" len="med"/>
+                    </a:lnT>
+                    <a:lnB w="12700" cap="flat" cmpd="sng" algn="ctr">
+                      <a:solidFill>
+                        <a:schemeClr val="tx1"/>
+                      </a:solidFill>
+                      <a:prstDash val="solid"/>
+                      <a:round/>
+                      <a:headEnd type="none" w="med" len="med"/>
+                      <a:tailEnd type="none" w="med" len="med"/>
+                    </a:lnB>
+                    <a:lnTlToBr w="12700" cmpd="sng">
+                      <a:noFill/>
+                      <a:prstDash val="solid"/>
+                    </a:lnTlToBr>
+                    <a:lnBlToTr w="12700" cmpd="sng">
+                      <a:noFill/>
+                      <a:prstDash val="solid"/>
+                    </a:lnBlToTr>
+                  </a:tcPr>
+                </a:tc>
+                <a:extLst>
+                  <a:ext uri="{0D108BD9-81ED-4DB2-BD59-A6C34878D82A}">
+                    <a16:rowId xmlns:a16="http://schemas.microsoft.com/office/drawing/2014/main" val="1127636178"/>
+                  </a:ext>
+                </a:extLst>
+              </a:tr>
+            </a:tbl>
+          </a:graphicData>
+        </a:graphic>
+      </p:graphicFrame>
+      <p:sp>
+        <p:nvSpPr>
+          <p:cNvPr id="7" name="오른쪽 화살표 6"/>
+          <p:cNvSpPr/>
+          <p:nvPr/>
+        </p:nvSpPr>
+        <p:spPr>
+          <a:xfrm>
+            <a:off x="2686050" y="2228666"/>
+            <a:ext cx="1046706" cy="275573"/>
+          </a:xfrm>
+          <a:prstGeom prst="rightArrow">
+            <a:avLst/>
+          </a:prstGeom>
+          <a:ln>
+            <a:noFill/>
+          </a:ln>
+        </p:spPr>
+        <p:style>
+          <a:lnRef idx="2">
+            <a:schemeClr val="accent1">
+              <a:shade val="50000"/>
+            </a:schemeClr>
+          </a:lnRef>
+          <a:fillRef idx="1">
+            <a:schemeClr val="accent1"/>
+          </a:fillRef>
+          <a:effectRef idx="0">
+            <a:schemeClr val="accent1"/>
+          </a:effectRef>
+          <a:fontRef idx="minor">
+            <a:schemeClr val="lt1"/>
+          </a:fontRef>
+        </p:style>
+        <p:txBody>
+          <a:bodyPr rtlCol="0" anchor="ctr"/>
+          <a:lstStyle/>
+          <a:p>
+            <a:pPr algn="ctr"/>
+            <a:endParaRPr lang="ko-KR" altLang="en-US"/>
+          </a:p>
+        </p:txBody>
+      </p:sp>
+      <p:sp>
+        <p:nvSpPr>
+          <p:cNvPr id="10" name="오른쪽 화살표 9"/>
+          <p:cNvSpPr/>
+          <p:nvPr/>
+        </p:nvSpPr>
+        <p:spPr>
+          <a:xfrm>
+            <a:off x="2686050" y="2856663"/>
+            <a:ext cx="2249206" cy="310786"/>
+          </a:xfrm>
+          <a:prstGeom prst="rightArrow">
+            <a:avLst/>
+          </a:prstGeom>
+          <a:ln>
+            <a:noFill/>
+          </a:ln>
+        </p:spPr>
+        <p:style>
+          <a:lnRef idx="2">
+            <a:schemeClr val="accent1">
+              <a:shade val="50000"/>
+            </a:schemeClr>
+          </a:lnRef>
+          <a:fillRef idx="1">
+            <a:schemeClr val="accent1"/>
+          </a:fillRef>
+          <a:effectRef idx="0">
+            <a:schemeClr val="accent1"/>
+          </a:effectRef>
+          <a:fontRef idx="minor">
+            <a:schemeClr val="lt1"/>
+          </a:fontRef>
+        </p:style>
+        <p:txBody>
+          <a:bodyPr rtlCol="0" anchor="ctr"/>
+          <a:lstStyle/>
+          <a:p>
+            <a:pPr algn="ctr"/>
+            <a:endParaRPr lang="ko-KR" altLang="en-US"/>
+          </a:p>
+        </p:txBody>
+      </p:sp>
+      <p:sp>
+        <p:nvSpPr>
+          <p:cNvPr id="11" name="오른쪽 화살표 10"/>
+          <p:cNvSpPr/>
+          <p:nvPr/>
+        </p:nvSpPr>
+        <p:spPr>
+          <a:xfrm>
+            <a:off x="3732756" y="3552379"/>
+            <a:ext cx="2249206" cy="310786"/>
+          </a:xfrm>
+          <a:prstGeom prst="rightArrow">
+            <a:avLst/>
+          </a:prstGeom>
+          <a:ln>
+            <a:noFill/>
+          </a:ln>
+        </p:spPr>
+        <p:style>
+          <a:lnRef idx="2">
+            <a:schemeClr val="accent1">
+              <a:shade val="50000"/>
+            </a:schemeClr>
+          </a:lnRef>
+          <a:fillRef idx="1">
+            <a:schemeClr val="accent1"/>
+          </a:fillRef>
+          <a:effectRef idx="0">
+            <a:schemeClr val="accent1"/>
+          </a:effectRef>
+          <a:fontRef idx="minor">
+            <a:schemeClr val="lt1"/>
+          </a:fontRef>
+        </p:style>
+        <p:txBody>
+          <a:bodyPr rtlCol="0" anchor="ctr"/>
+          <a:lstStyle/>
+          <a:p>
+            <a:pPr algn="ctr"/>
+            <a:endParaRPr lang="ko-KR" altLang="en-US"/>
+          </a:p>
+        </p:txBody>
+      </p:sp>
+      <p:sp>
+        <p:nvSpPr>
+          <p:cNvPr id="12" name="오른쪽 화살표 11"/>
+          <p:cNvSpPr/>
+          <p:nvPr/>
+        </p:nvSpPr>
+        <p:spPr>
+          <a:xfrm>
+            <a:off x="3732755" y="4233475"/>
+            <a:ext cx="3344449" cy="310786"/>
+          </a:xfrm>
+          <a:prstGeom prst="rightArrow">
+            <a:avLst/>
+          </a:prstGeom>
+          <a:ln>
+            <a:noFill/>
+          </a:ln>
+        </p:spPr>
+        <p:style>
+          <a:lnRef idx="2">
+            <a:schemeClr val="accent1">
+              <a:shade val="50000"/>
+            </a:schemeClr>
+          </a:lnRef>
+          <a:fillRef idx="1">
+            <a:schemeClr val="accent1"/>
+          </a:fillRef>
+          <a:effectRef idx="0">
+            <a:schemeClr val="accent1"/>
+          </a:effectRef>
+          <a:fontRef idx="minor">
+            <a:schemeClr val="lt1"/>
+          </a:fontRef>
+        </p:style>
+        <p:txBody>
+          <a:bodyPr rtlCol="0" anchor="ctr"/>
+          <a:lstStyle/>
+          <a:p>
+            <a:pPr algn="ctr"/>
+            <a:endParaRPr lang="ko-KR" altLang="en-US"/>
+          </a:p>
+        </p:txBody>
+      </p:sp>
     </p:spTree>
     <p:extLst>
       <p:ext uri="{BB962C8B-B14F-4D97-AF65-F5344CB8AC3E}">

--- a/랩미팅/201805/180528 Zurich Lock-In(Jong).pptx
+++ b/랩미팅/201805/180528 Zurich Lock-In(Jong).pptx
@@ -5,15 +5,17 @@
     <p:sldMasterId id="2147483660" r:id="rId1"/>
   </p:sldMasterIdLst>
   <p:notesMasterIdLst>
-    <p:notesMasterId r:id="rId8"/>
+    <p:notesMasterId r:id="rId10"/>
   </p:notesMasterIdLst>
   <p:sldIdLst>
     <p:sldId id="258" r:id="rId2"/>
     <p:sldId id="279" r:id="rId3"/>
     <p:sldId id="282" r:id="rId4"/>
-    <p:sldId id="283" r:id="rId5"/>
-    <p:sldId id="284" r:id="rId6"/>
-    <p:sldId id="281" r:id="rId7"/>
+    <p:sldId id="285" r:id="rId5"/>
+    <p:sldId id="283" r:id="rId6"/>
+    <p:sldId id="286" r:id="rId7"/>
+    <p:sldId id="284" r:id="rId8"/>
+    <p:sldId id="281" r:id="rId9"/>
   </p:sldIdLst>
   <p:sldSz cx="9144000" cy="6858000" type="screen4x3"/>
   <p:notesSz cx="6735763" cy="9866313"/>
@@ -202,7 +204,7 @@
           <a:p>
             <a:fld id="{A9D6DECA-6E4E-4D09-9277-E151A2E3F74C}" type="datetimeFigureOut">
               <a:rPr lang="ko-KR" altLang="en-US" smtClean="0"/>
-              <a:t>2018-05-27</a:t>
+              <a:t>2018-05-28</a:t>
             </a:fld>
             <a:endParaRPr lang="ko-KR" altLang="en-US"/>
           </a:p>
@@ -796,7 +798,7 @@
     </p:spTree>
     <p:extLst>
       <p:ext uri="{BB962C8B-B14F-4D97-AF65-F5344CB8AC3E}">
-        <p14:creationId xmlns:p14="http://schemas.microsoft.com/office/powerpoint/2010/main" val="2362799957"/>
+        <p14:creationId xmlns:p14="http://schemas.microsoft.com/office/powerpoint/2010/main" val="3466344919"/>
       </p:ext>
     </p:extLst>
   </p:cSld>
@@ -880,7 +882,7 @@
     </p:spTree>
     <p:extLst>
       <p:ext uri="{BB962C8B-B14F-4D97-AF65-F5344CB8AC3E}">
-        <p14:creationId xmlns:p14="http://schemas.microsoft.com/office/powerpoint/2010/main" val="1841031049"/>
+        <p14:creationId xmlns:p14="http://schemas.microsoft.com/office/powerpoint/2010/main" val="2362799957"/>
       </p:ext>
     </p:extLst>
   </p:cSld>
@@ -956,6 +958,174 @@
             <a:fld id="{6D0ABE42-EEBB-47F0-BC6E-2BB25FA03CFE}" type="slidenum">
               <a:rPr lang="ko-KR" altLang="en-US" smtClean="0"/>
               <a:t>6</a:t>
+            </a:fld>
+            <a:endParaRPr lang="ko-KR" altLang="en-US"/>
+          </a:p>
+        </p:txBody>
+      </p:sp>
+    </p:spTree>
+    <p:extLst>
+      <p:ext uri="{BB962C8B-B14F-4D97-AF65-F5344CB8AC3E}">
+        <p14:creationId xmlns:p14="http://schemas.microsoft.com/office/powerpoint/2010/main" val="3569554939"/>
+      </p:ext>
+    </p:extLst>
+  </p:cSld>
+  <p:clrMapOvr>
+    <a:masterClrMapping/>
+  </p:clrMapOvr>
+</p:notes>
+</file>
+
+<file path=ppt/notesSlides/notesSlide7.xml><?xml version="1.0" encoding="utf-8"?>
+<p:notes xmlns:a="http://schemas.openxmlformats.org/drawingml/2006/main" xmlns:r="http://schemas.openxmlformats.org/officeDocument/2006/relationships" xmlns:p="http://schemas.openxmlformats.org/presentationml/2006/main">
+  <p:cSld>
+    <p:spTree>
+      <p:nvGrpSpPr>
+        <p:cNvPr id="1" name=""/>
+        <p:cNvGrpSpPr/>
+        <p:nvPr/>
+      </p:nvGrpSpPr>
+      <p:grpSpPr>
+        <a:xfrm>
+          <a:off x="0" y="0"/>
+          <a:ext cx="0" cy="0"/>
+          <a:chOff x="0" y="0"/>
+          <a:chExt cx="0" cy="0"/>
+        </a:xfrm>
+      </p:grpSpPr>
+      <p:sp>
+        <p:nvSpPr>
+          <p:cNvPr id="2" name="슬라이드 이미지 개체 틀 1"/>
+          <p:cNvSpPr>
+            <a:spLocks noGrp="1" noRot="1" noChangeAspect="1"/>
+          </p:cNvSpPr>
+          <p:nvPr>
+            <p:ph type="sldImg"/>
+          </p:nvPr>
+        </p:nvSpPr>
+        <p:spPr/>
+      </p:sp>
+      <p:sp>
+        <p:nvSpPr>
+          <p:cNvPr id="3" name="슬라이드 노트 개체 틀 2"/>
+          <p:cNvSpPr>
+            <a:spLocks noGrp="1"/>
+          </p:cNvSpPr>
+          <p:nvPr>
+            <p:ph type="body" idx="1"/>
+          </p:nvPr>
+        </p:nvSpPr>
+        <p:spPr/>
+        <p:txBody>
+          <a:bodyPr/>
+          <a:lstStyle/>
+          <a:p>
+            <a:endParaRPr lang="ko-KR" altLang="en-US"/>
+          </a:p>
+        </p:txBody>
+      </p:sp>
+      <p:sp>
+        <p:nvSpPr>
+          <p:cNvPr id="4" name="슬라이드 번호 개체 틀 3"/>
+          <p:cNvSpPr>
+            <a:spLocks noGrp="1"/>
+          </p:cNvSpPr>
+          <p:nvPr>
+            <p:ph type="sldNum" sz="quarter" idx="10"/>
+          </p:nvPr>
+        </p:nvSpPr>
+        <p:spPr/>
+        <p:txBody>
+          <a:bodyPr/>
+          <a:lstStyle/>
+          <a:p>
+            <a:fld id="{6D0ABE42-EEBB-47F0-BC6E-2BB25FA03CFE}" type="slidenum">
+              <a:rPr lang="ko-KR" altLang="en-US" smtClean="0"/>
+              <a:t>7</a:t>
+            </a:fld>
+            <a:endParaRPr lang="ko-KR" altLang="en-US"/>
+          </a:p>
+        </p:txBody>
+      </p:sp>
+    </p:spTree>
+    <p:extLst>
+      <p:ext uri="{BB962C8B-B14F-4D97-AF65-F5344CB8AC3E}">
+        <p14:creationId xmlns:p14="http://schemas.microsoft.com/office/powerpoint/2010/main" val="1841031049"/>
+      </p:ext>
+    </p:extLst>
+  </p:cSld>
+  <p:clrMapOvr>
+    <a:masterClrMapping/>
+  </p:clrMapOvr>
+</p:notes>
+</file>
+
+<file path=ppt/notesSlides/notesSlide8.xml><?xml version="1.0" encoding="utf-8"?>
+<p:notes xmlns:a="http://schemas.openxmlformats.org/drawingml/2006/main" xmlns:r="http://schemas.openxmlformats.org/officeDocument/2006/relationships" xmlns:p="http://schemas.openxmlformats.org/presentationml/2006/main">
+  <p:cSld>
+    <p:spTree>
+      <p:nvGrpSpPr>
+        <p:cNvPr id="1" name=""/>
+        <p:cNvGrpSpPr/>
+        <p:nvPr/>
+      </p:nvGrpSpPr>
+      <p:grpSpPr>
+        <a:xfrm>
+          <a:off x="0" y="0"/>
+          <a:ext cx="0" cy="0"/>
+          <a:chOff x="0" y="0"/>
+          <a:chExt cx="0" cy="0"/>
+        </a:xfrm>
+      </p:grpSpPr>
+      <p:sp>
+        <p:nvSpPr>
+          <p:cNvPr id="2" name="슬라이드 이미지 개체 틀 1"/>
+          <p:cNvSpPr>
+            <a:spLocks noGrp="1" noRot="1" noChangeAspect="1"/>
+          </p:cNvSpPr>
+          <p:nvPr>
+            <p:ph type="sldImg"/>
+          </p:nvPr>
+        </p:nvSpPr>
+        <p:spPr/>
+      </p:sp>
+      <p:sp>
+        <p:nvSpPr>
+          <p:cNvPr id="3" name="슬라이드 노트 개체 틀 2"/>
+          <p:cNvSpPr>
+            <a:spLocks noGrp="1"/>
+          </p:cNvSpPr>
+          <p:nvPr>
+            <p:ph type="body" idx="1"/>
+          </p:nvPr>
+        </p:nvSpPr>
+        <p:spPr/>
+        <p:txBody>
+          <a:bodyPr/>
+          <a:lstStyle/>
+          <a:p>
+            <a:endParaRPr lang="ko-KR" altLang="en-US"/>
+          </a:p>
+        </p:txBody>
+      </p:sp>
+      <p:sp>
+        <p:nvSpPr>
+          <p:cNvPr id="4" name="슬라이드 번호 개체 틀 3"/>
+          <p:cNvSpPr>
+            <a:spLocks noGrp="1"/>
+          </p:cNvSpPr>
+          <p:nvPr>
+            <p:ph type="sldNum" sz="quarter" idx="10"/>
+          </p:nvPr>
+        </p:nvSpPr>
+        <p:spPr/>
+        <p:txBody>
+          <a:bodyPr/>
+          <a:lstStyle/>
+          <a:p>
+            <a:fld id="{6D0ABE42-EEBB-47F0-BC6E-2BB25FA03CFE}" type="slidenum">
+              <a:rPr lang="ko-KR" altLang="en-US" smtClean="0"/>
+              <a:t>8</a:t>
             </a:fld>
             <a:endParaRPr lang="ko-KR" altLang="en-US"/>
           </a:p>
@@ -1105,7 +1275,7 @@
           <a:p>
             <a:fld id="{78E89258-A40F-4400-BA1A-638141289729}" type="datetime1">
               <a:rPr lang="ko-KR" altLang="en-US" smtClean="0"/>
-              <a:t>2018-05-27</a:t>
+              <a:t>2018-05-28</a:t>
             </a:fld>
             <a:endParaRPr lang="ko-KR" altLang="en-US"/>
           </a:p>
@@ -1282,7 +1452,7 @@
           <a:p>
             <a:fld id="{CD116CEF-802E-43F7-8932-78519DF2A264}" type="datetime1">
               <a:rPr lang="ko-KR" altLang="en-US" smtClean="0"/>
-              <a:t>2018-05-27</a:t>
+              <a:t>2018-05-28</a:t>
             </a:fld>
             <a:endParaRPr lang="ko-KR" altLang="en-US"/>
           </a:p>
@@ -1462,7 +1632,7 @@
           <a:p>
             <a:fld id="{EFD9D7C3-1982-427D-BFA7-1AF9687AAB0F}" type="datetime1">
               <a:rPr lang="ko-KR" altLang="en-US" smtClean="0"/>
-              <a:t>2018-05-27</a:t>
+              <a:t>2018-05-28</a:t>
             </a:fld>
             <a:endParaRPr lang="ko-KR" altLang="en-US"/>
           </a:p>
@@ -1632,7 +1802,7 @@
           <a:p>
             <a:fld id="{EDD93E7F-B437-40E5-8ACB-B79696783EFA}" type="datetime1">
               <a:rPr lang="ko-KR" altLang="en-US" smtClean="0"/>
-              <a:t>2018-05-27</a:t>
+              <a:t>2018-05-28</a:t>
             </a:fld>
             <a:endParaRPr lang="ko-KR" altLang="en-US"/>
           </a:p>
@@ -1876,7 +2046,7 @@
           <a:p>
             <a:fld id="{DB249950-0BD4-4F6E-BE3F-CB53B7E2FD06}" type="datetime1">
               <a:rPr lang="ko-KR" altLang="en-US" smtClean="0"/>
-              <a:t>2018-05-27</a:t>
+              <a:t>2018-05-28</a:t>
             </a:fld>
             <a:endParaRPr lang="ko-KR" altLang="en-US"/>
           </a:p>
@@ -2108,7 +2278,7 @@
           <a:p>
             <a:fld id="{7B016D7E-32C0-4DB3-B6B3-0506A62840FB}" type="datetime1">
               <a:rPr lang="ko-KR" altLang="en-US" smtClean="0"/>
-              <a:t>2018-05-27</a:t>
+              <a:t>2018-05-28</a:t>
             </a:fld>
             <a:endParaRPr lang="ko-KR" altLang="en-US"/>
           </a:p>
@@ -2475,7 +2645,7 @@
           <a:p>
             <a:fld id="{B246672D-B3FD-4B2E-92C0-4A80DA670927}" type="datetime1">
               <a:rPr lang="ko-KR" altLang="en-US" smtClean="0"/>
-              <a:t>2018-05-27</a:t>
+              <a:t>2018-05-28</a:t>
             </a:fld>
             <a:endParaRPr lang="ko-KR" altLang="en-US"/>
           </a:p>
@@ -2593,7 +2763,7 @@
           <a:p>
             <a:fld id="{9B9B7D2E-B202-4D7A-9519-0C490A04EB9C}" type="datetime1">
               <a:rPr lang="ko-KR" altLang="en-US" smtClean="0"/>
-              <a:t>2018-05-27</a:t>
+              <a:t>2018-05-28</a:t>
             </a:fld>
             <a:endParaRPr lang="ko-KR" altLang="en-US"/>
           </a:p>
@@ -2688,7 +2858,7 @@
           <a:p>
             <a:fld id="{12FB9327-987E-47D6-AE2D-63CED8A79494}" type="datetime1">
               <a:rPr lang="ko-KR" altLang="en-US" smtClean="0"/>
-              <a:t>2018-05-27</a:t>
+              <a:t>2018-05-28</a:t>
             </a:fld>
             <a:endParaRPr lang="ko-KR" altLang="en-US"/>
           </a:p>
@@ -2965,7 +3135,7 @@
           <a:p>
             <a:fld id="{D8D87011-7294-4632-A156-4F695AB9E41C}" type="datetime1">
               <a:rPr lang="ko-KR" altLang="en-US" smtClean="0"/>
-              <a:t>2018-05-27</a:t>
+              <a:t>2018-05-28</a:t>
             </a:fld>
             <a:endParaRPr lang="ko-KR" altLang="en-US"/>
           </a:p>
@@ -3222,7 +3392,7 @@
           <a:p>
             <a:fld id="{1BDC7FDB-72DE-4D65-AF4F-510496DAF70F}" type="datetime1">
               <a:rPr lang="ko-KR" altLang="en-US" smtClean="0"/>
-              <a:t>2018-05-27</a:t>
+              <a:t>2018-05-28</a:t>
             </a:fld>
             <a:endParaRPr lang="ko-KR" altLang="en-US"/>
           </a:p>
@@ -3435,7 +3605,7 @@
           <a:p>
             <a:fld id="{9A286DBF-DB43-470A-A903-26374CB6EF47}" type="datetime1">
               <a:rPr lang="ko-KR" altLang="en-US" smtClean="0"/>
-              <a:t>2018-05-27</a:t>
+              <a:t>2018-05-28</a:t>
             </a:fld>
             <a:endParaRPr lang="ko-KR" altLang="en-US"/>
           </a:p>
@@ -4020,7 +4190,7 @@
           <a:p>
             <a:fld id="{32C03489-23FC-4021-B9AB-958EFB3C0FE7}" type="datetime1">
               <a:rPr lang="ko-KR" altLang="en-US" smtClean="0"/>
-              <a:t>2018-05-27</a:t>
+              <a:t>2018-05-28</a:t>
             </a:fld>
             <a:endParaRPr lang="ko-KR" altLang="en-US"/>
           </a:p>
@@ -4137,7 +4307,7 @@
           <a:p>
             <a:pPr algn="ctr"/>
             <a:r>
-              <a:rPr lang="en-US" altLang="ko-KR" sz="2800" dirty="0" smtClean="0">
+              <a:rPr lang="en-US" altLang="ko-KR" sz="2800" smtClean="0">
                 <a:solidFill>
                   <a:schemeClr val="bg1"/>
                 </a:solidFill>
@@ -4146,14 +4316,20 @@
               <a:t>Last </a:t>
             </a:r>
             <a:r>
-              <a:rPr lang="en-US" altLang="ko-KR" sz="2800" dirty="0" smtClean="0">
+              <a:rPr lang="en-US" altLang="ko-KR" sz="2800" smtClean="0">
                 <a:solidFill>
                   <a:schemeClr val="bg1"/>
                 </a:solidFill>
                 <a:latin typeface="Arial" panose="020B0604020202020204" pitchFamily="34" charset="0"/>
               </a:rPr>
-              <a:t>Week…</a:t>
-            </a:r>
+              <a:t>Points</a:t>
+            </a:r>
+            <a:endParaRPr lang="en-US" altLang="ko-KR" sz="2800" dirty="0" smtClean="0">
+              <a:solidFill>
+                <a:schemeClr val="bg1"/>
+              </a:solidFill>
+              <a:latin typeface="Arial" panose="020B0604020202020204" pitchFamily="34" charset="0"/>
+            </a:endParaRPr>
           </a:p>
         </p:txBody>
       </p:sp>
@@ -4174,7 +4350,7 @@
           <a:p>
             <a:fld id="{53646E5C-8775-44A9-9523-40B6CCA06789}" type="datetime1">
               <a:rPr lang="ko-KR" altLang="en-US" smtClean="0"/>
-              <a:t>2018-05-27</a:t>
+              <a:t>2018-05-28</a:t>
             </a:fld>
             <a:endParaRPr lang="ko-KR" altLang="en-US"/>
           </a:p>
@@ -4279,11 +4455,7 @@
             </a:r>
             <a:r>
               <a:rPr lang="ko-KR" altLang="en-US" dirty="0" smtClean="0"/>
-              <a:t>가 학교에서 </a:t>
-            </a:r>
-            <a:r>
-              <a:rPr lang="ko-KR" altLang="en-US" dirty="0" smtClean="0"/>
-              <a:t>제공된 것 </a:t>
+              <a:t>가 학교에서 제공된 것 </a:t>
             </a:r>
             <a:r>
               <a:rPr lang="en-US" altLang="ko-KR" dirty="0" smtClean="0">
@@ -4333,7 +4505,7 @@
         </p:nvSpPr>
         <p:spPr>
           <a:xfrm>
-            <a:off x="628650" y="3126259"/>
+            <a:off x="720969" y="3126259"/>
             <a:ext cx="2853504" cy="400110"/>
           </a:xfrm>
           <a:prstGeom prst="rect">
@@ -4553,12 +4725,6 @@
               </a:rPr>
               <a:t>Single Lock-In</a:t>
             </a:r>
-            <a:endParaRPr lang="en-US" altLang="ko-KR" sz="2800" dirty="0" smtClean="0">
-              <a:solidFill>
-                <a:schemeClr val="bg1"/>
-              </a:solidFill>
-              <a:latin typeface="Arial" panose="020B0604020202020204" pitchFamily="34" charset="0"/>
-            </a:endParaRPr>
           </a:p>
         </p:txBody>
       </p:sp>
@@ -4579,7 +4745,7 @@
           <a:p>
             <a:fld id="{53646E5C-8775-44A9-9523-40B6CCA06789}" type="datetime1">
               <a:rPr lang="ko-KR" altLang="en-US" smtClean="0"/>
-              <a:t>2018-05-27</a:t>
+              <a:t>2018-05-28</a:t>
             </a:fld>
             <a:endParaRPr lang="ko-KR" altLang="en-US"/>
           </a:p>
@@ -4722,11 +4888,6 @@
               </a:rPr>
               <a:t>SR830</a:t>
             </a:r>
-            <a:endParaRPr lang="en-US" altLang="ko-KR" sz="2000" dirty="0" smtClean="0">
-              <a:solidFill>
-                <a:srgbClr val="3333FF"/>
-              </a:solidFill>
-            </a:endParaRPr>
           </a:p>
         </p:txBody>
       </p:sp>
@@ -4760,11 +4921,6 @@
               </a:rPr>
               <a:t>Zurich HF2LI</a:t>
             </a:r>
-            <a:endParaRPr lang="en-US" altLang="ko-KR" sz="2000" dirty="0" smtClean="0">
-              <a:solidFill>
-                <a:srgbClr val="3333FF"/>
-              </a:solidFill>
-            </a:endParaRPr>
           </a:p>
         </p:txBody>
       </p:sp>
@@ -5376,12 +5532,6 @@
               </a:rPr>
               <a:t>Single Lock-In</a:t>
             </a:r>
-            <a:endParaRPr lang="en-US" altLang="ko-KR" sz="2800" dirty="0" smtClean="0">
-              <a:solidFill>
-                <a:schemeClr val="bg1"/>
-              </a:solidFill>
-              <a:latin typeface="Arial" panose="020B0604020202020204" pitchFamily="34" charset="0"/>
-            </a:endParaRPr>
           </a:p>
         </p:txBody>
       </p:sp>
@@ -5402,7 +5552,7 @@
           <a:p>
             <a:fld id="{53646E5C-8775-44A9-9523-40B6CCA06789}" type="datetime1">
               <a:rPr lang="ko-KR" altLang="en-US" smtClean="0"/>
-              <a:t>2018-05-27</a:t>
+              <a:t>2018-05-28</a:t>
             </a:fld>
             <a:endParaRPr lang="ko-KR" altLang="en-US"/>
           </a:p>
@@ -5454,20 +5604,12 @@
           <a:lstStyle/>
           <a:p>
             <a:r>
-              <a:rPr lang="en-US" altLang="ko-KR" sz="2000" dirty="0" err="1" smtClean="0">
-                <a:solidFill>
-                  <a:srgbClr val="3333FF"/>
-                </a:solidFill>
-              </a:rPr>
-              <a:t>LabOne</a:t>
-            </a:r>
-            <a:r>
               <a:rPr lang="en-US" altLang="ko-KR" sz="2000" dirty="0" smtClean="0">
                 <a:solidFill>
                   <a:srgbClr val="3333FF"/>
                 </a:solidFill>
               </a:rPr>
-              <a:t> Setting</a:t>
+              <a:t>Device Connection</a:t>
             </a:r>
             <a:endParaRPr lang="en-US" altLang="ko-KR" sz="2000" dirty="0" smtClean="0">
               <a:solidFill>
@@ -5479,183 +5621,23 @@
       </p:sp>
       <p:sp>
         <p:nvSpPr>
-          <p:cNvPr id="17" name="TextBox 16"/>
-          <p:cNvSpPr txBox="1"/>
+          <p:cNvPr id="3" name="직사각형 2"/>
+          <p:cNvSpPr/>
           <p:nvPr/>
         </p:nvSpPr>
         <p:spPr>
           <a:xfrm>
-            <a:off x="720969" y="2924085"/>
-            <a:ext cx="2853504" cy="400110"/>
+            <a:off x="2221345" y="2202873"/>
+            <a:ext cx="4701309" cy="1791854"/>
           </a:xfrm>
           <a:prstGeom prst="rect">
             <a:avLst/>
           </a:prstGeom>
           <a:noFill/>
-        </p:spPr>
-        <p:txBody>
-          <a:bodyPr wrap="square" rtlCol="0">
-            <a:spAutoFit/>
-          </a:bodyPr>
-          <a:lstStyle/>
-          <a:p>
-            <a:r>
-              <a:rPr lang="en-US" altLang="ko-KR" sz="2000" dirty="0" smtClean="0">
-                <a:solidFill>
-                  <a:srgbClr val="3333FF"/>
-                </a:solidFill>
-              </a:rPr>
-              <a:t>LabVIEW Setting</a:t>
-            </a:r>
-            <a:endParaRPr lang="en-US" altLang="ko-KR" sz="2000" dirty="0" smtClean="0">
-              <a:solidFill>
-                <a:srgbClr val="3333FF"/>
-              </a:solidFill>
-            </a:endParaRPr>
-          </a:p>
-        </p:txBody>
-      </p:sp>
-      <p:pic>
-        <p:nvPicPr>
-          <p:cNvPr id="5" name="그림 4"/>
-          <p:cNvPicPr>
-            <a:picLocks noChangeAspect="1"/>
-          </p:cNvPicPr>
-          <p:nvPr/>
-        </p:nvPicPr>
-        <p:blipFill>
-          <a:blip r:embed="rId3"/>
-          <a:stretch>
-            <a:fillRect/>
-          </a:stretch>
-        </p:blipFill>
-        <p:spPr>
-          <a:xfrm>
-            <a:off x="745907" y="3481080"/>
-            <a:ext cx="3630202" cy="2652840"/>
-          </a:xfrm>
-          <a:prstGeom prst="rect">
-            <a:avLst/>
-          </a:prstGeom>
-        </p:spPr>
-      </p:pic>
-      <p:pic>
-        <p:nvPicPr>
-          <p:cNvPr id="7" name="그림 6"/>
-          <p:cNvPicPr>
-            <a:picLocks noChangeAspect="1"/>
-          </p:cNvPicPr>
-          <p:nvPr/>
-        </p:nvPicPr>
-        <p:blipFill rotWithShape="1">
-          <a:blip r:embed="rId4"/>
-          <a:srcRect l="2124" t="13121" r="6744" b="3129"/>
-          <a:stretch/>
-        </p:blipFill>
-        <p:spPr>
-          <a:xfrm>
-            <a:off x="4903470" y="3571585"/>
-            <a:ext cx="3108960" cy="2471830"/>
-          </a:xfrm>
-          <a:prstGeom prst="rect">
-            <a:avLst/>
-          </a:prstGeom>
-        </p:spPr>
-      </p:pic>
-      <p:sp>
-        <p:nvSpPr>
-          <p:cNvPr id="25" name="TextBox 24"/>
-          <p:cNvSpPr txBox="1"/>
-          <p:nvPr/>
-        </p:nvSpPr>
-        <p:spPr>
-          <a:xfrm>
-            <a:off x="720968" y="1210366"/>
-            <a:ext cx="7496106" cy="646331"/>
-          </a:xfrm>
-          <a:prstGeom prst="rect">
-            <a:avLst/>
-          </a:prstGeom>
-          <a:noFill/>
-        </p:spPr>
-        <p:txBody>
-          <a:bodyPr wrap="square" rtlCol="0">
-            <a:spAutoFit/>
-          </a:bodyPr>
-          <a:lstStyle/>
-          <a:p>
-            <a:r>
-              <a:rPr lang="en-US" altLang="ko-KR" dirty="0" smtClean="0"/>
-              <a:t>PLL</a:t>
-            </a:r>
-            <a:r>
-              <a:rPr lang="ko-KR" altLang="en-US" dirty="0" smtClean="0"/>
-              <a:t>에서 </a:t>
-            </a:r>
-            <a:r>
-              <a:rPr lang="en-US" altLang="ko-KR" dirty="0" smtClean="0"/>
-              <a:t>freq.</a:t>
-            </a:r>
-            <a:r>
-              <a:rPr lang="ko-KR" altLang="en-US" dirty="0" smtClean="0"/>
-              <a:t>와 </a:t>
-            </a:r>
-            <a:r>
-              <a:rPr lang="en-US" altLang="ko-KR" dirty="0" smtClean="0"/>
-              <a:t>phase </a:t>
-            </a:r>
-            <a:r>
-              <a:rPr lang="ko-KR" altLang="en-US" dirty="0" smtClean="0"/>
-              <a:t>정보를 얻으면 내부</a:t>
-            </a:r>
-            <a:r>
-              <a:rPr lang="en-US" altLang="ko-KR" dirty="0"/>
-              <a:t> </a:t>
-            </a:r>
-            <a:r>
-              <a:rPr lang="en-US" altLang="ko-KR" dirty="0" smtClean="0"/>
-              <a:t>oscillator</a:t>
-            </a:r>
-            <a:r>
-              <a:rPr lang="ko-KR" altLang="en-US" dirty="0" smtClean="0"/>
-              <a:t>에서 이를 다시 구현하여 </a:t>
-            </a:r>
-            <a:r>
-              <a:rPr lang="en-US" altLang="ko-KR" dirty="0" smtClean="0"/>
-              <a:t>lock-in mixer</a:t>
-            </a:r>
-            <a:r>
-              <a:rPr lang="ko-KR" altLang="en-US" dirty="0" smtClean="0"/>
-              <a:t>에 입력한다</a:t>
-            </a:r>
-            <a:r>
-              <a:rPr lang="en-US" altLang="ko-KR" dirty="0" smtClean="0"/>
-              <a:t>.</a:t>
-            </a:r>
-            <a:endParaRPr lang="en-US" altLang="ko-KR" dirty="0" smtClean="0"/>
-          </a:p>
-        </p:txBody>
-      </p:sp>
-      <p:sp>
-        <p:nvSpPr>
-          <p:cNvPr id="8" name="직사각형 7"/>
-          <p:cNvSpPr/>
-          <p:nvPr/>
-        </p:nvSpPr>
-        <p:spPr>
-          <a:xfrm>
-            <a:off x="831272" y="4740544"/>
-            <a:ext cx="1379913" cy="902520"/>
-          </a:xfrm>
-          <a:prstGeom prst="rect">
-            <a:avLst/>
-          </a:prstGeom>
-          <a:noFill/>
-          <a:ln w="38100">
+          <a:ln>
             <a:solidFill>
-              <a:srgbClr val="FF0000"/>
+              <a:schemeClr val="tx1"/>
             </a:solidFill>
-            <a:prstDash val="dash"/>
           </a:ln>
         </p:spPr>
         <p:style>
@@ -5685,14 +5667,595 @@
       </p:sp>
       <p:sp>
         <p:nvSpPr>
-          <p:cNvPr id="29" name="TextBox 28"/>
+          <p:cNvPr id="13" name="직사각형 12"/>
+          <p:cNvSpPr/>
+          <p:nvPr/>
+        </p:nvSpPr>
+        <p:spPr>
+          <a:xfrm>
+            <a:off x="2221345" y="4486390"/>
+            <a:ext cx="4701309" cy="1791854"/>
+          </a:xfrm>
+          <a:prstGeom prst="rect">
+            <a:avLst/>
+          </a:prstGeom>
+          <a:noFill/>
+          <a:ln>
+            <a:solidFill>
+              <a:schemeClr val="tx1"/>
+            </a:solidFill>
+          </a:ln>
+        </p:spPr>
+        <p:style>
+          <a:lnRef idx="2">
+            <a:schemeClr val="accent1">
+              <a:shade val="50000"/>
+            </a:schemeClr>
+          </a:lnRef>
+          <a:fillRef idx="1">
+            <a:schemeClr val="accent1"/>
+          </a:fillRef>
+          <a:effectRef idx="0">
+            <a:schemeClr val="accent1"/>
+          </a:effectRef>
+          <a:fontRef idx="minor">
+            <a:schemeClr val="lt1"/>
+          </a:fontRef>
+        </p:style>
+        <p:txBody>
+          <a:bodyPr rtlCol="0" anchor="ctr"/>
+          <a:lstStyle/>
+          <a:p>
+            <a:pPr algn="ctr"/>
+            <a:endParaRPr lang="ko-KR" altLang="en-US"/>
+          </a:p>
+        </p:txBody>
+      </p:sp>
+      <p:grpSp>
+        <p:nvGrpSpPr>
+          <p:cNvPr id="6" name="그룹 5"/>
+          <p:cNvGrpSpPr/>
+          <p:nvPr/>
+        </p:nvGrpSpPr>
+        <p:grpSpPr>
+          <a:xfrm>
+            <a:off x="2750703" y="5650444"/>
+            <a:ext cx="323273" cy="323273"/>
+            <a:chOff x="2826327" y="5237018"/>
+            <a:chExt cx="323273" cy="323273"/>
+          </a:xfrm>
+        </p:grpSpPr>
+        <p:sp>
+          <p:nvSpPr>
+            <p:cNvPr id="4" name="타원 3"/>
+            <p:cNvSpPr/>
+            <p:nvPr/>
+          </p:nvSpPr>
+          <p:spPr>
+            <a:xfrm>
+              <a:off x="2826327" y="5237018"/>
+              <a:ext cx="323273" cy="323273"/>
+            </a:xfrm>
+            <a:prstGeom prst="ellipse">
+              <a:avLst/>
+            </a:prstGeom>
+            <a:noFill/>
+            <a:ln>
+              <a:solidFill>
+                <a:schemeClr val="tx1"/>
+              </a:solidFill>
+            </a:ln>
+          </p:spPr>
+          <p:style>
+            <a:lnRef idx="2">
+              <a:schemeClr val="accent1">
+                <a:shade val="50000"/>
+              </a:schemeClr>
+            </a:lnRef>
+            <a:fillRef idx="1">
+              <a:schemeClr val="accent1"/>
+            </a:fillRef>
+            <a:effectRef idx="0">
+              <a:schemeClr val="accent1"/>
+            </a:effectRef>
+            <a:fontRef idx="minor">
+              <a:schemeClr val="lt1"/>
+            </a:fontRef>
+          </p:style>
+          <p:txBody>
+            <a:bodyPr rtlCol="0" anchor="ctr"/>
+            <a:lstStyle/>
+            <a:p>
+              <a:pPr algn="ctr"/>
+              <a:endParaRPr lang="ko-KR" altLang="en-US"/>
+            </a:p>
+          </p:txBody>
+        </p:sp>
+        <p:sp>
+          <p:nvSpPr>
+            <p:cNvPr id="18" name="타원 17"/>
+            <p:cNvSpPr/>
+            <p:nvPr/>
+          </p:nvSpPr>
+          <p:spPr>
+            <a:xfrm>
+              <a:off x="2902526" y="5313217"/>
+              <a:ext cx="170873" cy="170873"/>
+            </a:xfrm>
+            <a:prstGeom prst="ellipse">
+              <a:avLst/>
+            </a:prstGeom>
+            <a:noFill/>
+            <a:ln>
+              <a:solidFill>
+                <a:schemeClr val="tx1"/>
+              </a:solidFill>
+            </a:ln>
+          </p:spPr>
+          <p:style>
+            <a:lnRef idx="2">
+              <a:schemeClr val="accent1">
+                <a:shade val="50000"/>
+              </a:schemeClr>
+            </a:lnRef>
+            <a:fillRef idx="1">
+              <a:schemeClr val="accent1"/>
+            </a:fillRef>
+            <a:effectRef idx="0">
+              <a:schemeClr val="accent1"/>
+            </a:effectRef>
+            <a:fontRef idx="minor">
+              <a:schemeClr val="lt1"/>
+            </a:fontRef>
+          </p:style>
+          <p:txBody>
+            <a:bodyPr rtlCol="0" anchor="ctr"/>
+            <a:lstStyle/>
+            <a:p>
+              <a:pPr algn="ctr"/>
+              <a:endParaRPr lang="ko-KR" altLang="en-US"/>
+            </a:p>
+          </p:txBody>
+        </p:sp>
+      </p:grpSp>
+      <p:grpSp>
+        <p:nvGrpSpPr>
+          <p:cNvPr id="22" name="그룹 21"/>
+          <p:cNvGrpSpPr/>
+          <p:nvPr/>
+        </p:nvGrpSpPr>
+        <p:grpSpPr>
+          <a:xfrm>
+            <a:off x="3863974" y="5650444"/>
+            <a:ext cx="323273" cy="323273"/>
+            <a:chOff x="2826327" y="5237018"/>
+            <a:chExt cx="323273" cy="323273"/>
+          </a:xfrm>
+        </p:grpSpPr>
+        <p:sp>
+          <p:nvSpPr>
+            <p:cNvPr id="23" name="타원 22"/>
+            <p:cNvSpPr/>
+            <p:nvPr/>
+          </p:nvSpPr>
+          <p:spPr>
+            <a:xfrm>
+              <a:off x="2826327" y="5237018"/>
+              <a:ext cx="323273" cy="323273"/>
+            </a:xfrm>
+            <a:prstGeom prst="ellipse">
+              <a:avLst/>
+            </a:prstGeom>
+            <a:noFill/>
+            <a:ln>
+              <a:solidFill>
+                <a:schemeClr val="tx1"/>
+              </a:solidFill>
+            </a:ln>
+          </p:spPr>
+          <p:style>
+            <a:lnRef idx="2">
+              <a:schemeClr val="accent1">
+                <a:shade val="50000"/>
+              </a:schemeClr>
+            </a:lnRef>
+            <a:fillRef idx="1">
+              <a:schemeClr val="accent1"/>
+            </a:fillRef>
+            <a:effectRef idx="0">
+              <a:schemeClr val="accent1"/>
+            </a:effectRef>
+            <a:fontRef idx="minor">
+              <a:schemeClr val="lt1"/>
+            </a:fontRef>
+          </p:style>
+          <p:txBody>
+            <a:bodyPr rtlCol="0" anchor="ctr"/>
+            <a:lstStyle/>
+            <a:p>
+              <a:pPr algn="ctr"/>
+              <a:endParaRPr lang="ko-KR" altLang="en-US"/>
+            </a:p>
+          </p:txBody>
+        </p:sp>
+        <p:sp>
+          <p:nvSpPr>
+            <p:cNvPr id="24" name="타원 23"/>
+            <p:cNvSpPr/>
+            <p:nvPr/>
+          </p:nvSpPr>
+          <p:spPr>
+            <a:xfrm>
+              <a:off x="2902526" y="5313217"/>
+              <a:ext cx="170873" cy="170873"/>
+            </a:xfrm>
+            <a:prstGeom prst="ellipse">
+              <a:avLst/>
+            </a:prstGeom>
+            <a:noFill/>
+            <a:ln>
+              <a:solidFill>
+                <a:schemeClr val="tx1"/>
+              </a:solidFill>
+            </a:ln>
+          </p:spPr>
+          <p:style>
+            <a:lnRef idx="2">
+              <a:schemeClr val="accent1">
+                <a:shade val="50000"/>
+              </a:schemeClr>
+            </a:lnRef>
+            <a:fillRef idx="1">
+              <a:schemeClr val="accent1"/>
+            </a:fillRef>
+            <a:effectRef idx="0">
+              <a:schemeClr val="accent1"/>
+            </a:effectRef>
+            <a:fontRef idx="minor">
+              <a:schemeClr val="lt1"/>
+            </a:fontRef>
+          </p:style>
+          <p:txBody>
+            <a:bodyPr rtlCol="0" anchor="ctr"/>
+            <a:lstStyle/>
+            <a:p>
+              <a:pPr algn="ctr"/>
+              <a:endParaRPr lang="ko-KR" altLang="en-US"/>
+            </a:p>
+          </p:txBody>
+        </p:sp>
+      </p:grpSp>
+      <p:grpSp>
+        <p:nvGrpSpPr>
+          <p:cNvPr id="26" name="그룹 25"/>
+          <p:cNvGrpSpPr/>
+          <p:nvPr/>
+        </p:nvGrpSpPr>
+        <p:grpSpPr>
+          <a:xfrm>
+            <a:off x="4977245" y="5650444"/>
+            <a:ext cx="323273" cy="323273"/>
+            <a:chOff x="2826327" y="5237018"/>
+            <a:chExt cx="323273" cy="323273"/>
+          </a:xfrm>
+        </p:grpSpPr>
+        <p:sp>
+          <p:nvSpPr>
+            <p:cNvPr id="27" name="타원 26"/>
+            <p:cNvSpPr/>
+            <p:nvPr/>
+          </p:nvSpPr>
+          <p:spPr>
+            <a:xfrm>
+              <a:off x="2826327" y="5237018"/>
+              <a:ext cx="323273" cy="323273"/>
+            </a:xfrm>
+            <a:prstGeom prst="ellipse">
+              <a:avLst/>
+            </a:prstGeom>
+            <a:noFill/>
+            <a:ln>
+              <a:solidFill>
+                <a:schemeClr val="tx1"/>
+              </a:solidFill>
+            </a:ln>
+          </p:spPr>
+          <p:style>
+            <a:lnRef idx="2">
+              <a:schemeClr val="accent1">
+                <a:shade val="50000"/>
+              </a:schemeClr>
+            </a:lnRef>
+            <a:fillRef idx="1">
+              <a:schemeClr val="accent1"/>
+            </a:fillRef>
+            <a:effectRef idx="0">
+              <a:schemeClr val="accent1"/>
+            </a:effectRef>
+            <a:fontRef idx="minor">
+              <a:schemeClr val="lt1"/>
+            </a:fontRef>
+          </p:style>
+          <p:txBody>
+            <a:bodyPr rtlCol="0" anchor="ctr"/>
+            <a:lstStyle/>
+            <a:p>
+              <a:pPr algn="ctr"/>
+              <a:endParaRPr lang="ko-KR" altLang="en-US"/>
+            </a:p>
+          </p:txBody>
+        </p:sp>
+        <p:sp>
+          <p:nvSpPr>
+            <p:cNvPr id="28" name="타원 27"/>
+            <p:cNvSpPr/>
+            <p:nvPr/>
+          </p:nvSpPr>
+          <p:spPr>
+            <a:xfrm>
+              <a:off x="2902526" y="5313217"/>
+              <a:ext cx="170873" cy="170873"/>
+            </a:xfrm>
+            <a:prstGeom prst="ellipse">
+              <a:avLst/>
+            </a:prstGeom>
+            <a:noFill/>
+            <a:ln>
+              <a:solidFill>
+                <a:schemeClr val="tx1"/>
+              </a:solidFill>
+            </a:ln>
+          </p:spPr>
+          <p:style>
+            <a:lnRef idx="2">
+              <a:schemeClr val="accent1">
+                <a:shade val="50000"/>
+              </a:schemeClr>
+            </a:lnRef>
+            <a:fillRef idx="1">
+              <a:schemeClr val="accent1"/>
+            </a:fillRef>
+            <a:effectRef idx="0">
+              <a:schemeClr val="accent1"/>
+            </a:effectRef>
+            <a:fontRef idx="minor">
+              <a:schemeClr val="lt1"/>
+            </a:fontRef>
+          </p:style>
+          <p:txBody>
+            <a:bodyPr rtlCol="0" anchor="ctr"/>
+            <a:lstStyle/>
+            <a:p>
+              <a:pPr algn="ctr"/>
+              <a:endParaRPr lang="ko-KR" altLang="en-US"/>
+            </a:p>
+          </p:txBody>
+        </p:sp>
+      </p:grpSp>
+      <p:grpSp>
+        <p:nvGrpSpPr>
+          <p:cNvPr id="30" name="그룹 29"/>
+          <p:cNvGrpSpPr/>
+          <p:nvPr/>
+        </p:nvGrpSpPr>
+        <p:grpSpPr>
+          <a:xfrm>
+            <a:off x="6090515" y="5650444"/>
+            <a:ext cx="323273" cy="323273"/>
+            <a:chOff x="2826327" y="5237018"/>
+            <a:chExt cx="323273" cy="323273"/>
+          </a:xfrm>
+        </p:grpSpPr>
+        <p:sp>
+          <p:nvSpPr>
+            <p:cNvPr id="31" name="타원 30"/>
+            <p:cNvSpPr/>
+            <p:nvPr/>
+          </p:nvSpPr>
+          <p:spPr>
+            <a:xfrm>
+              <a:off x="2826327" y="5237018"/>
+              <a:ext cx="323273" cy="323273"/>
+            </a:xfrm>
+            <a:prstGeom prst="ellipse">
+              <a:avLst/>
+            </a:prstGeom>
+            <a:noFill/>
+            <a:ln>
+              <a:solidFill>
+                <a:schemeClr val="tx1"/>
+              </a:solidFill>
+            </a:ln>
+          </p:spPr>
+          <p:style>
+            <a:lnRef idx="2">
+              <a:schemeClr val="accent1">
+                <a:shade val="50000"/>
+              </a:schemeClr>
+            </a:lnRef>
+            <a:fillRef idx="1">
+              <a:schemeClr val="accent1"/>
+            </a:fillRef>
+            <a:effectRef idx="0">
+              <a:schemeClr val="accent1"/>
+            </a:effectRef>
+            <a:fontRef idx="minor">
+              <a:schemeClr val="lt1"/>
+            </a:fontRef>
+          </p:style>
+          <p:txBody>
+            <a:bodyPr rtlCol="0" anchor="ctr"/>
+            <a:lstStyle/>
+            <a:p>
+              <a:pPr algn="ctr"/>
+              <a:endParaRPr lang="ko-KR" altLang="en-US"/>
+            </a:p>
+          </p:txBody>
+        </p:sp>
+        <p:sp>
+          <p:nvSpPr>
+            <p:cNvPr id="32" name="타원 31"/>
+            <p:cNvSpPr/>
+            <p:nvPr/>
+          </p:nvSpPr>
+          <p:spPr>
+            <a:xfrm>
+              <a:off x="2902526" y="5313217"/>
+              <a:ext cx="170873" cy="170873"/>
+            </a:xfrm>
+            <a:prstGeom prst="ellipse">
+              <a:avLst/>
+            </a:prstGeom>
+            <a:noFill/>
+            <a:ln>
+              <a:solidFill>
+                <a:schemeClr val="tx1"/>
+              </a:solidFill>
+            </a:ln>
+          </p:spPr>
+          <p:style>
+            <a:lnRef idx="2">
+              <a:schemeClr val="accent1">
+                <a:shade val="50000"/>
+              </a:schemeClr>
+            </a:lnRef>
+            <a:fillRef idx="1">
+              <a:schemeClr val="accent1"/>
+            </a:fillRef>
+            <a:effectRef idx="0">
+              <a:schemeClr val="accent1"/>
+            </a:effectRef>
+            <a:fontRef idx="minor">
+              <a:schemeClr val="lt1"/>
+            </a:fontRef>
+          </p:style>
+          <p:txBody>
+            <a:bodyPr rtlCol="0" anchor="ctr"/>
+            <a:lstStyle/>
+            <a:p>
+              <a:pPr algn="ctr"/>
+              <a:endParaRPr lang="ko-KR" altLang="en-US"/>
+            </a:p>
+          </p:txBody>
+        </p:sp>
+      </p:grpSp>
+      <p:grpSp>
+        <p:nvGrpSpPr>
+          <p:cNvPr id="33" name="그룹 32"/>
+          <p:cNvGrpSpPr/>
+          <p:nvPr/>
+        </p:nvGrpSpPr>
+        <p:grpSpPr>
+          <a:xfrm>
+            <a:off x="2750701" y="3237433"/>
+            <a:ext cx="323273" cy="323273"/>
+            <a:chOff x="2826327" y="5237018"/>
+            <a:chExt cx="323273" cy="323273"/>
+          </a:xfrm>
+        </p:grpSpPr>
+        <p:sp>
+          <p:nvSpPr>
+            <p:cNvPr id="34" name="타원 33"/>
+            <p:cNvSpPr/>
+            <p:nvPr/>
+          </p:nvSpPr>
+          <p:spPr>
+            <a:xfrm>
+              <a:off x="2826327" y="5237018"/>
+              <a:ext cx="323273" cy="323273"/>
+            </a:xfrm>
+            <a:prstGeom prst="ellipse">
+              <a:avLst/>
+            </a:prstGeom>
+            <a:noFill/>
+            <a:ln>
+              <a:solidFill>
+                <a:schemeClr val="tx1"/>
+              </a:solidFill>
+            </a:ln>
+          </p:spPr>
+          <p:style>
+            <a:lnRef idx="2">
+              <a:schemeClr val="accent1">
+                <a:shade val="50000"/>
+              </a:schemeClr>
+            </a:lnRef>
+            <a:fillRef idx="1">
+              <a:schemeClr val="accent1"/>
+            </a:fillRef>
+            <a:effectRef idx="0">
+              <a:schemeClr val="accent1"/>
+            </a:effectRef>
+            <a:fontRef idx="minor">
+              <a:schemeClr val="lt1"/>
+            </a:fontRef>
+          </p:style>
+          <p:txBody>
+            <a:bodyPr rtlCol="0" anchor="ctr"/>
+            <a:lstStyle/>
+            <a:p>
+              <a:pPr algn="ctr"/>
+              <a:endParaRPr lang="ko-KR" altLang="en-US"/>
+            </a:p>
+          </p:txBody>
+        </p:sp>
+        <p:sp>
+          <p:nvSpPr>
+            <p:cNvPr id="35" name="타원 34"/>
+            <p:cNvSpPr/>
+            <p:nvPr/>
+          </p:nvSpPr>
+          <p:spPr>
+            <a:xfrm>
+              <a:off x="2902526" y="5313217"/>
+              <a:ext cx="170873" cy="170873"/>
+            </a:xfrm>
+            <a:prstGeom prst="ellipse">
+              <a:avLst/>
+            </a:prstGeom>
+            <a:noFill/>
+            <a:ln>
+              <a:solidFill>
+                <a:schemeClr val="tx1"/>
+              </a:solidFill>
+            </a:ln>
+          </p:spPr>
+          <p:style>
+            <a:lnRef idx="2">
+              <a:schemeClr val="accent1">
+                <a:shade val="50000"/>
+              </a:schemeClr>
+            </a:lnRef>
+            <a:fillRef idx="1">
+              <a:schemeClr val="accent1"/>
+            </a:fillRef>
+            <a:effectRef idx="0">
+              <a:schemeClr val="accent1"/>
+            </a:effectRef>
+            <a:fontRef idx="minor">
+              <a:schemeClr val="lt1"/>
+            </a:fontRef>
+          </p:style>
+          <p:txBody>
+            <a:bodyPr rtlCol="0" anchor="ctr"/>
+            <a:lstStyle/>
+            <a:p>
+              <a:pPr algn="ctr"/>
+              <a:endParaRPr lang="ko-KR" altLang="en-US"/>
+            </a:p>
+          </p:txBody>
+        </p:sp>
+      </p:grpSp>
+      <p:sp>
+        <p:nvSpPr>
+          <p:cNvPr id="36" name="TextBox 35"/>
           <p:cNvSpPr txBox="1"/>
           <p:nvPr/>
         </p:nvSpPr>
         <p:spPr>
           <a:xfrm>
-            <a:off x="2062356" y="5650051"/>
-            <a:ext cx="2313753" cy="430887"/>
+            <a:off x="3561760" y="2633204"/>
+            <a:ext cx="2020477" cy="646331"/>
           </a:xfrm>
           <a:prstGeom prst="rect">
             <a:avLst/>
@@ -5706,14 +6269,343 @@
           <a:lstStyle/>
           <a:p>
             <a:r>
+              <a:rPr lang="en-US" altLang="ko-KR" dirty="0" smtClean="0"/>
+              <a:t>Function Generator</a:t>
+            </a:r>
+          </a:p>
+          <a:p>
+            <a:r>
+              <a:rPr lang="en-US" altLang="ko-KR" dirty="0" smtClean="0"/>
+              <a:t>(External reference)</a:t>
+            </a:r>
+            <a:endParaRPr lang="en-US" altLang="ko-KR" dirty="0" smtClean="0"/>
+          </a:p>
+        </p:txBody>
+      </p:sp>
+      <p:sp>
+        <p:nvSpPr>
+          <p:cNvPr id="37" name="TextBox 36"/>
+          <p:cNvSpPr txBox="1"/>
+          <p:nvPr/>
+        </p:nvSpPr>
+        <p:spPr>
+          <a:xfrm>
+            <a:off x="4025609" y="4826524"/>
+            <a:ext cx="1415485" cy="369332"/>
+          </a:xfrm>
+          <a:prstGeom prst="rect">
+            <a:avLst/>
+          </a:prstGeom>
+          <a:noFill/>
+        </p:spPr>
+        <p:txBody>
+          <a:bodyPr wrap="square" rtlCol="0">
+            <a:spAutoFit/>
+          </a:bodyPr>
+          <a:lstStyle/>
+          <a:p>
+            <a:r>
+              <a:rPr lang="en-US" altLang="ko-KR" dirty="0" smtClean="0"/>
+              <a:t>Zurich HF2LI</a:t>
+            </a:r>
+            <a:endParaRPr lang="en-US" altLang="ko-KR" dirty="0" smtClean="0"/>
+          </a:p>
+        </p:txBody>
+      </p:sp>
+      <p:cxnSp>
+        <p:nvCxnSpPr>
+          <p:cNvPr id="10" name="직선 연결선 9"/>
+          <p:cNvCxnSpPr/>
+          <p:nvPr/>
+        </p:nvCxnSpPr>
+        <p:spPr>
+          <a:xfrm>
+            <a:off x="2912336" y="3399068"/>
+            <a:ext cx="1113272" cy="2413011"/>
+          </a:xfrm>
+          <a:prstGeom prst="line">
+            <a:avLst/>
+          </a:prstGeom>
+          <a:ln w="57150">
+            <a:solidFill>
+              <a:schemeClr val="tx1"/>
+            </a:solidFill>
+          </a:ln>
+        </p:spPr>
+        <p:style>
+          <a:lnRef idx="1">
+            <a:schemeClr val="accent1"/>
+          </a:lnRef>
+          <a:fillRef idx="0">
+            <a:schemeClr val="accent1"/>
+          </a:fillRef>
+          <a:effectRef idx="0">
+            <a:schemeClr val="accent1"/>
+          </a:effectRef>
+          <a:fontRef idx="minor">
+            <a:schemeClr val="tx1"/>
+          </a:fontRef>
+        </p:style>
+      </p:cxnSp>
+      <p:sp>
+        <p:nvSpPr>
+          <p:cNvPr id="38" name="TextBox 37"/>
+          <p:cNvSpPr txBox="1"/>
+          <p:nvPr/>
+        </p:nvSpPr>
+        <p:spPr>
+          <a:xfrm>
+            <a:off x="2609725" y="2936996"/>
+            <a:ext cx="605221" cy="261610"/>
+          </a:xfrm>
+          <a:prstGeom prst="rect">
+            <a:avLst/>
+          </a:prstGeom>
+          <a:noFill/>
+        </p:spPr>
+        <p:txBody>
+          <a:bodyPr wrap="square" rtlCol="0">
+            <a:spAutoFit/>
+          </a:bodyPr>
+          <a:lstStyle/>
+          <a:p>
+            <a:r>
               <a:rPr lang="en-US" altLang="ko-KR" sz="1100" dirty="0" smtClean="0"/>
-              <a:t>Center frequency, time constant, PID</a:t>
-            </a:r>
-          </a:p>
+              <a:t>output</a:t>
+            </a:r>
+            <a:endParaRPr lang="en-US" altLang="ko-KR" sz="1100" dirty="0" smtClean="0"/>
+          </a:p>
+        </p:txBody>
+      </p:sp>
+      <p:sp>
+        <p:nvSpPr>
+          <p:cNvPr id="39" name="TextBox 38"/>
+          <p:cNvSpPr txBox="1"/>
+          <p:nvPr/>
+        </p:nvSpPr>
+        <p:spPr>
+          <a:xfrm>
+            <a:off x="2268433" y="5426934"/>
+            <a:ext cx="605221" cy="261610"/>
+          </a:xfrm>
+          <a:prstGeom prst="rect">
+            <a:avLst/>
+          </a:prstGeom>
+          <a:noFill/>
+        </p:spPr>
+        <p:txBody>
+          <a:bodyPr wrap="square" rtlCol="0">
+            <a:spAutoFit/>
+          </a:bodyPr>
+          <a:lstStyle/>
           <a:p>
             <a:r>
               <a:rPr lang="en-US" altLang="ko-KR" sz="1100" dirty="0" smtClean="0"/>
-              <a:t>Auto setting</a:t>
+              <a:t>Input 1</a:t>
+            </a:r>
+            <a:endParaRPr lang="en-US" altLang="ko-KR" sz="1100" dirty="0" smtClean="0"/>
+          </a:p>
+        </p:txBody>
+      </p:sp>
+      <p:sp>
+        <p:nvSpPr>
+          <p:cNvPr id="42" name="TextBox 41"/>
+          <p:cNvSpPr txBox="1"/>
+          <p:nvPr/>
+        </p:nvSpPr>
+        <p:spPr>
+          <a:xfrm>
+            <a:off x="3722998" y="5984906"/>
+            <a:ext cx="605221" cy="261610"/>
+          </a:xfrm>
+          <a:prstGeom prst="rect">
+            <a:avLst/>
+          </a:prstGeom>
+          <a:noFill/>
+        </p:spPr>
+        <p:txBody>
+          <a:bodyPr wrap="square" rtlCol="0">
+            <a:spAutoFit/>
+          </a:bodyPr>
+          <a:lstStyle/>
+          <a:p>
+            <a:r>
+              <a:rPr lang="en-US" altLang="ko-KR" sz="1100" dirty="0" smtClean="0"/>
+              <a:t>Input 2</a:t>
+            </a:r>
+            <a:endParaRPr lang="en-US" altLang="ko-KR" sz="1100" dirty="0" smtClean="0"/>
+          </a:p>
+        </p:txBody>
+      </p:sp>
+      <p:sp>
+        <p:nvSpPr>
+          <p:cNvPr id="43" name="TextBox 42"/>
+          <p:cNvSpPr txBox="1"/>
+          <p:nvPr/>
+        </p:nvSpPr>
+        <p:spPr>
+          <a:xfrm>
+            <a:off x="4398867" y="5431302"/>
+            <a:ext cx="746364" cy="261610"/>
+          </a:xfrm>
+          <a:prstGeom prst="rect">
+            <a:avLst/>
+          </a:prstGeom>
+          <a:noFill/>
+        </p:spPr>
+        <p:txBody>
+          <a:bodyPr wrap="square" rtlCol="0">
+            <a:spAutoFit/>
+          </a:bodyPr>
+          <a:lstStyle/>
+          <a:p>
+            <a:r>
+              <a:rPr lang="en-US" altLang="ko-KR" sz="1100" dirty="0" smtClean="0"/>
+              <a:t>Output 1</a:t>
+            </a:r>
+            <a:endParaRPr lang="en-US" altLang="ko-KR" sz="1100" dirty="0" smtClean="0"/>
+          </a:p>
+        </p:txBody>
+      </p:sp>
+      <p:sp>
+        <p:nvSpPr>
+          <p:cNvPr id="44" name="TextBox 43"/>
+          <p:cNvSpPr txBox="1"/>
+          <p:nvPr/>
+        </p:nvSpPr>
+        <p:spPr>
+          <a:xfrm>
+            <a:off x="5878968" y="5984906"/>
+            <a:ext cx="746364" cy="261610"/>
+          </a:xfrm>
+          <a:prstGeom prst="rect">
+            <a:avLst/>
+          </a:prstGeom>
+          <a:noFill/>
+        </p:spPr>
+        <p:txBody>
+          <a:bodyPr wrap="square" rtlCol="0">
+            <a:spAutoFit/>
+          </a:bodyPr>
+          <a:lstStyle/>
+          <a:p>
+            <a:r>
+              <a:rPr lang="en-US" altLang="ko-KR" sz="1100" dirty="0" smtClean="0"/>
+              <a:t>Output 2</a:t>
+            </a:r>
+            <a:endParaRPr lang="en-US" altLang="ko-KR" sz="1100" dirty="0" smtClean="0"/>
+          </a:p>
+        </p:txBody>
+      </p:sp>
+      <p:cxnSp>
+        <p:nvCxnSpPr>
+          <p:cNvPr id="48" name="꺾인 연결선 47"/>
+          <p:cNvCxnSpPr>
+            <a:stCxn id="18" idx="4"/>
+            <a:endCxn id="28" idx="4"/>
+          </p:cNvCxnSpPr>
+          <p:nvPr/>
+        </p:nvCxnSpPr>
+        <p:spPr>
+          <a:xfrm rot="16200000" flipH="1">
+            <a:off x="4025610" y="4784245"/>
+            <a:ext cx="12700" cy="2226542"/>
+          </a:xfrm>
+          <a:prstGeom prst="bentConnector3">
+            <a:avLst>
+              <a:gd name="adj1" fmla="val 5550000"/>
+            </a:avLst>
+          </a:prstGeom>
+          <a:ln w="57150">
+            <a:solidFill>
+              <a:schemeClr val="tx1"/>
+            </a:solidFill>
+          </a:ln>
+        </p:spPr>
+        <p:style>
+          <a:lnRef idx="1">
+            <a:schemeClr val="accent1"/>
+          </a:lnRef>
+          <a:fillRef idx="0">
+            <a:schemeClr val="accent1"/>
+          </a:fillRef>
+          <a:effectRef idx="0">
+            <a:schemeClr val="accent1"/>
+          </a:effectRef>
+          <a:fontRef idx="minor">
+            <a:schemeClr val="tx1"/>
+          </a:fontRef>
+        </p:style>
+      </p:cxnSp>
+      <p:sp>
+        <p:nvSpPr>
+          <p:cNvPr id="60" name="TextBox 59"/>
+          <p:cNvSpPr txBox="1"/>
+          <p:nvPr/>
+        </p:nvSpPr>
+        <p:spPr>
+          <a:xfrm>
+            <a:off x="720968" y="1210366"/>
+            <a:ext cx="7496106" cy="646331"/>
+          </a:xfrm>
+          <a:prstGeom prst="rect">
+            <a:avLst/>
+          </a:prstGeom>
+          <a:noFill/>
+        </p:spPr>
+        <p:txBody>
+          <a:bodyPr wrap="square" rtlCol="0">
+            <a:spAutoFit/>
+          </a:bodyPr>
+          <a:lstStyle/>
+          <a:p>
+            <a:r>
+              <a:rPr lang="en-US" altLang="ko-KR" dirty="0" smtClean="0"/>
+              <a:t>PLL</a:t>
+            </a:r>
+            <a:r>
+              <a:rPr lang="ko-KR" altLang="en-US" dirty="0" smtClean="0"/>
+              <a:t>에서 </a:t>
+            </a:r>
+            <a:r>
+              <a:rPr lang="en-US" altLang="ko-KR" dirty="0" smtClean="0"/>
+              <a:t>freq.</a:t>
+            </a:r>
+            <a:r>
+              <a:rPr lang="ko-KR" altLang="en-US" dirty="0" smtClean="0"/>
+              <a:t>와 </a:t>
+            </a:r>
+            <a:r>
+              <a:rPr lang="en-US" altLang="ko-KR" dirty="0" smtClean="0"/>
+              <a:t>phase </a:t>
+            </a:r>
+            <a:r>
+              <a:rPr lang="ko-KR" altLang="en-US" dirty="0" smtClean="0"/>
+              <a:t>정보를 얻으면 내부</a:t>
+            </a:r>
+            <a:r>
+              <a:rPr lang="en-US" altLang="ko-KR" dirty="0"/>
+              <a:t> </a:t>
+            </a:r>
+            <a:r>
+              <a:rPr lang="en-US" altLang="ko-KR" dirty="0" smtClean="0"/>
+              <a:t>oscillator</a:t>
+            </a:r>
+            <a:r>
+              <a:rPr lang="ko-KR" altLang="en-US" dirty="0" smtClean="0"/>
+              <a:t>에서 이를 다시 구현하여 </a:t>
+            </a:r>
+            <a:r>
+              <a:rPr lang="en-US" altLang="ko-KR" dirty="0" smtClean="0"/>
+              <a:t>lock-in mixer</a:t>
+            </a:r>
+            <a:r>
+              <a:rPr lang="ko-KR" altLang="en-US" dirty="0" smtClean="0"/>
+              <a:t>에 입력한다</a:t>
+            </a:r>
+            <a:r>
+              <a:rPr lang="en-US" altLang="ko-KR" dirty="0" smtClean="0"/>
+              <a:t>.</a:t>
             </a:r>
           </a:p>
         </p:txBody>
@@ -5721,7 +6613,7 @@
     </p:spTree>
     <p:extLst>
       <p:ext uri="{BB962C8B-B14F-4D97-AF65-F5344CB8AC3E}">
-        <p14:creationId xmlns:p14="http://schemas.microsoft.com/office/powerpoint/2010/main" val="3115932472"/>
+        <p14:creationId xmlns:p14="http://schemas.microsoft.com/office/powerpoint/2010/main" val="3237123940"/>
       </p:ext>
     </p:extLst>
   </p:cSld>
@@ -5755,6 +6647,30 @@
           <a:chExt cx="0" cy="0"/>
         </a:xfrm>
       </p:grpSpPr>
+      <p:pic>
+        <p:nvPicPr>
+          <p:cNvPr id="11" name="그림 10"/>
+          <p:cNvPicPr>
+            <a:picLocks noChangeAspect="1"/>
+          </p:cNvPicPr>
+          <p:nvPr/>
+        </p:nvPicPr>
+        <p:blipFill>
+          <a:blip r:embed="rId3"/>
+          <a:stretch>
+            <a:fillRect/>
+          </a:stretch>
+        </p:blipFill>
+        <p:spPr>
+          <a:xfrm>
+            <a:off x="5214938" y="2065574"/>
+            <a:ext cx="3138168" cy="3646698"/>
+          </a:xfrm>
+          <a:prstGeom prst="rect">
+            <a:avLst/>
+          </a:prstGeom>
+        </p:spPr>
+      </p:pic>
       <p:sp>
         <p:nvSpPr>
           <p:cNvPr id="6199" name="Rectangle 55"/>
@@ -5812,23 +6728,8 @@
                 </a:solidFill>
                 <a:latin typeface="Arial" panose="020B0604020202020204" pitchFamily="34" charset="0"/>
               </a:rPr>
-              <a:t>Dual</a:t>
-            </a:r>
-            <a:r>
-              <a:rPr lang="en-US" altLang="ko-KR" sz="2800" dirty="0" smtClean="0">
-                <a:solidFill>
-                  <a:schemeClr val="bg1"/>
-                </a:solidFill>
-                <a:latin typeface="Arial" panose="020B0604020202020204" pitchFamily="34" charset="0"/>
-              </a:rPr>
-              <a:t> Lock-In</a:t>
-            </a:r>
-            <a:endParaRPr lang="en-US" altLang="ko-KR" sz="2800" dirty="0" smtClean="0">
-              <a:solidFill>
-                <a:schemeClr val="bg1"/>
-              </a:solidFill>
-              <a:latin typeface="Arial" panose="020B0604020202020204" pitchFamily="34" charset="0"/>
-            </a:endParaRPr>
+              <a:t>Single Lock-In</a:t>
+            </a:r>
           </a:p>
         </p:txBody>
       </p:sp>
@@ -5849,7 +6750,7 @@
           <a:p>
             <a:fld id="{53646E5C-8775-44A9-9523-40B6CCA06789}" type="datetime1">
               <a:rPr lang="ko-KR" altLang="en-US" smtClean="0"/>
-              <a:t>2018-05-27</a:t>
+              <a:t>2018-05-28</a:t>
             </a:fld>
             <a:endParaRPr lang="ko-KR" altLang="en-US"/>
           </a:p>
@@ -5880,13 +6781,13 @@
       </p:sp>
       <p:sp>
         <p:nvSpPr>
-          <p:cNvPr id="17" name="TextBox 16"/>
+          <p:cNvPr id="16" name="TextBox 15"/>
           <p:cNvSpPr txBox="1"/>
           <p:nvPr/>
         </p:nvSpPr>
         <p:spPr>
           <a:xfrm>
-            <a:off x="720969" y="752702"/>
+            <a:off x="720969" y="1097836"/>
             <a:ext cx="2853504" cy="400110"/>
           </a:xfrm>
           <a:prstGeom prst="rect">
@@ -5901,174 +6802,203 @@
           <a:lstStyle/>
           <a:p>
             <a:r>
+              <a:rPr lang="en-US" altLang="ko-KR" sz="2000" dirty="0" err="1" smtClean="0">
+                <a:solidFill>
+                  <a:srgbClr val="3333FF"/>
+                </a:solidFill>
+              </a:rPr>
+              <a:t>LabOne</a:t>
+            </a:r>
+            <a:r>
               <a:rPr lang="en-US" altLang="ko-KR" sz="2000" dirty="0" smtClean="0">
                 <a:solidFill>
                   <a:srgbClr val="3333FF"/>
                 </a:solidFill>
               </a:rPr>
-              <a:t>Patent Data</a:t>
-            </a:r>
-            <a:endParaRPr lang="en-US" altLang="ko-KR" sz="2000" dirty="0" smtClean="0">
+              <a:t> Setting</a:t>
+            </a:r>
+          </a:p>
+        </p:txBody>
+      </p:sp>
+      <p:grpSp>
+        <p:nvGrpSpPr>
+          <p:cNvPr id="9" name="그룹 8"/>
+          <p:cNvGrpSpPr/>
+          <p:nvPr/>
+        </p:nvGrpSpPr>
+        <p:grpSpPr>
+          <a:xfrm>
+            <a:off x="433387" y="2066233"/>
+            <a:ext cx="4505326" cy="2271956"/>
+            <a:chOff x="190500" y="1947619"/>
+            <a:chExt cx="4505326" cy="2271956"/>
+          </a:xfrm>
+        </p:grpSpPr>
+        <p:pic>
+          <p:nvPicPr>
+            <p:cNvPr id="3" name="그림 2"/>
+            <p:cNvPicPr>
+              <a:picLocks noChangeAspect="1"/>
+            </p:cNvPicPr>
+            <p:nvPr/>
+          </p:nvPicPr>
+          <p:blipFill rotWithShape="1">
+            <a:blip r:embed="rId4"/>
+            <a:srcRect l="23482" r="26145" b="17425"/>
+            <a:stretch/>
+          </p:blipFill>
+          <p:spPr>
+            <a:xfrm>
+              <a:off x="190500" y="1947619"/>
+              <a:ext cx="4505326" cy="2271956"/>
+            </a:xfrm>
+            <a:prstGeom prst="rect">
+              <a:avLst/>
+            </a:prstGeom>
+          </p:spPr>
+        </p:pic>
+        <p:sp>
+          <p:nvSpPr>
+            <p:cNvPr id="4" name="직사각형 3"/>
+            <p:cNvSpPr/>
+            <p:nvPr/>
+          </p:nvSpPr>
+          <p:spPr>
+            <a:xfrm>
+              <a:off x="1866900" y="3571875"/>
+              <a:ext cx="592346" cy="242670"/>
+            </a:xfrm>
+            <a:prstGeom prst="rect">
+              <a:avLst/>
+            </a:prstGeom>
+            <a:noFill/>
+            <a:ln w="38100">
               <a:solidFill>
-                <a:srgbClr val="3333FF"/>
+                <a:srgbClr val="FF0000"/>
               </a:solidFill>
-            </a:endParaRPr>
-          </a:p>
-        </p:txBody>
-      </p:sp>
-      <p:pic>
-        <p:nvPicPr>
-          <p:cNvPr id="3" name="그림 2"/>
-          <p:cNvPicPr>
-            <a:picLocks noChangeAspect="1"/>
-          </p:cNvPicPr>
+            </a:ln>
+          </p:spPr>
+          <p:style>
+            <a:lnRef idx="2">
+              <a:schemeClr val="accent1">
+                <a:shade val="50000"/>
+              </a:schemeClr>
+            </a:lnRef>
+            <a:fillRef idx="1">
+              <a:schemeClr val="accent1"/>
+            </a:fillRef>
+            <a:effectRef idx="0">
+              <a:schemeClr val="accent1"/>
+            </a:effectRef>
+            <a:fontRef idx="minor">
+              <a:schemeClr val="lt1"/>
+            </a:fontRef>
+          </p:style>
+          <p:txBody>
+            <a:bodyPr rtlCol="0" anchor="ctr"/>
+            <a:lstStyle/>
+            <a:p>
+              <a:pPr algn="ctr"/>
+              <a:endParaRPr lang="ko-KR" altLang="en-US"/>
+            </a:p>
+          </p:txBody>
+        </p:sp>
+        <p:sp>
+          <p:nvSpPr>
+            <p:cNvPr id="14" name="직사각형 13"/>
+            <p:cNvSpPr/>
+            <p:nvPr/>
+          </p:nvSpPr>
+          <p:spPr>
+            <a:xfrm>
+              <a:off x="209550" y="2553360"/>
+              <a:ext cx="1485900" cy="170790"/>
+            </a:xfrm>
+            <a:prstGeom prst="rect">
+              <a:avLst/>
+            </a:prstGeom>
+            <a:noFill/>
+            <a:ln w="38100">
+              <a:solidFill>
+                <a:srgbClr val="FF0000"/>
+              </a:solidFill>
+            </a:ln>
+          </p:spPr>
+          <p:style>
+            <a:lnRef idx="2">
+              <a:schemeClr val="accent1">
+                <a:shade val="50000"/>
+              </a:schemeClr>
+            </a:lnRef>
+            <a:fillRef idx="1">
+              <a:schemeClr val="accent1"/>
+            </a:fillRef>
+            <a:effectRef idx="0">
+              <a:schemeClr val="accent1"/>
+            </a:effectRef>
+            <a:fontRef idx="minor">
+              <a:schemeClr val="lt1"/>
+            </a:fontRef>
+          </p:style>
+          <p:txBody>
+            <a:bodyPr rtlCol="0" anchor="ctr"/>
+            <a:lstStyle/>
+            <a:p>
+              <a:pPr algn="ctr"/>
+              <a:endParaRPr lang="ko-KR" altLang="en-US"/>
+            </a:p>
+          </p:txBody>
+        </p:sp>
+      </p:grpSp>
+      <p:sp>
+        <p:nvSpPr>
+          <p:cNvPr id="18" name="직사각형 17"/>
+          <p:cNvSpPr/>
           <p:nvPr/>
-        </p:nvPicPr>
-        <p:blipFill>
-          <a:blip r:embed="rId3"/>
-          <a:stretch>
-            <a:fillRect/>
-          </a:stretch>
-        </p:blipFill>
+        </p:nvSpPr>
         <p:spPr>
           <a:xfrm>
-            <a:off x="848331" y="1152813"/>
-            <a:ext cx="2611952" cy="1897958"/>
-          </a:xfrm>
-          <a:prstGeom prst="rect">
-            <a:avLst/>
-          </a:prstGeom>
-        </p:spPr>
-      </p:pic>
-      <p:sp>
-        <p:nvSpPr>
-          <p:cNvPr id="8" name="직사각형 7"/>
-          <p:cNvSpPr/>
-          <p:nvPr/>
-        </p:nvSpPr>
-        <p:spPr>
-          <a:xfrm>
-            <a:off x="720969" y="6044829"/>
-            <a:ext cx="4572000" cy="369332"/>
-          </a:xfrm>
-          <a:prstGeom prst="rect">
-            <a:avLst/>
-          </a:prstGeom>
-        </p:spPr>
-        <p:txBody>
-          <a:bodyPr>
-            <a:spAutoFit/>
-          </a:bodyPr>
-          <a:lstStyle/>
-          <a:p>
-            <a:r>
-              <a:rPr lang="en-US" altLang="ko-KR" sz="900" i="1" dirty="0">
-                <a:solidFill>
-                  <a:srgbClr val="333333"/>
-                </a:solidFill>
-                <a:latin typeface="Times New Roman" panose="02020603050405020304" pitchFamily="18" charset="0"/>
-                <a:cs typeface="Times New Roman" panose="02020603050405020304" pitchFamily="18" charset="0"/>
-              </a:rPr>
-              <a:t>U.S. Patent No. US 7590196 B2. (2005). Washington, DC: U.S. Patent and Trademark Office</a:t>
-            </a:r>
-            <a:r>
-              <a:rPr lang="en-US" altLang="ko-KR" sz="900" i="1" dirty="0" smtClean="0">
-                <a:solidFill>
-                  <a:srgbClr val="333333"/>
-                </a:solidFill>
-                <a:latin typeface="Times New Roman" panose="02020603050405020304" pitchFamily="18" charset="0"/>
-                <a:cs typeface="Times New Roman" panose="02020603050405020304" pitchFamily="18" charset="0"/>
-              </a:rPr>
-              <a:t>.</a:t>
-            </a:r>
-          </a:p>
-          <a:p>
-            <a:r>
-              <a:rPr lang="en-US" altLang="ko-KR" sz="900" i="1" dirty="0" err="1">
-                <a:latin typeface="Times New Roman" panose="02020603050405020304" pitchFamily="18" charset="0"/>
-                <a:cs typeface="Times New Roman" panose="02020603050405020304" pitchFamily="18" charset="0"/>
-              </a:rPr>
-              <a:t>Goree</a:t>
-            </a:r>
-            <a:r>
-              <a:rPr lang="en-US" altLang="ko-KR" sz="900" i="1" dirty="0">
-                <a:latin typeface="Times New Roman" panose="02020603050405020304" pitchFamily="18" charset="0"/>
-                <a:cs typeface="Times New Roman" panose="02020603050405020304" pitchFamily="18" charset="0"/>
-              </a:rPr>
-              <a:t>, J. Review of Scientific Instruments 1985, 56 (8), 1662–1664.</a:t>
-            </a:r>
-            <a:endParaRPr lang="ko-KR" altLang="en-US" sz="900" i="1" dirty="0">
-              <a:latin typeface="Times New Roman" panose="02020603050405020304" pitchFamily="18" charset="0"/>
-              <a:cs typeface="Times New Roman" panose="02020603050405020304" pitchFamily="18" charset="0"/>
-            </a:endParaRPr>
-          </a:p>
-        </p:txBody>
-      </p:sp>
-      <p:sp>
-        <p:nvSpPr>
-          <p:cNvPr id="9" name="TextBox 8"/>
-          <p:cNvSpPr txBox="1"/>
-          <p:nvPr/>
-        </p:nvSpPr>
-        <p:spPr>
-          <a:xfrm>
-            <a:off x="720969" y="3243005"/>
-            <a:ext cx="2853504" cy="400110"/>
+            <a:off x="5214938" y="2569232"/>
+            <a:ext cx="1557337" cy="821667"/>
           </a:xfrm>
           <a:prstGeom prst="rect">
             <a:avLst/>
           </a:prstGeom>
           <a:noFill/>
+          <a:ln w="38100">
+            <a:solidFill>
+              <a:srgbClr val="FF0000"/>
+            </a:solidFill>
+          </a:ln>
         </p:spPr>
-        <p:txBody>
-          <a:bodyPr wrap="square" rtlCol="0">
-            <a:spAutoFit/>
-          </a:bodyPr>
-          <a:lstStyle/>
-          <a:p>
-            <a:r>
-              <a:rPr lang="en-US" altLang="ko-KR" sz="2000" dirty="0" smtClean="0">
-                <a:solidFill>
-                  <a:srgbClr val="3333FF"/>
-                </a:solidFill>
-              </a:rPr>
-              <a:t>Paper</a:t>
-            </a:r>
-            <a:endParaRPr lang="en-US" altLang="ko-KR" sz="2000" dirty="0" smtClean="0">
-              <a:solidFill>
-                <a:srgbClr val="3333FF"/>
-              </a:solidFill>
-            </a:endParaRPr>
+        <p:style>
+          <a:lnRef idx="2">
+            <a:schemeClr val="accent1">
+              <a:shade val="50000"/>
+            </a:schemeClr>
+          </a:lnRef>
+          <a:fillRef idx="1">
+            <a:schemeClr val="accent1"/>
+          </a:fillRef>
+          <a:effectRef idx="0">
+            <a:schemeClr val="accent1"/>
+          </a:effectRef>
+          <a:fontRef idx="minor">
+            <a:schemeClr val="lt1"/>
+          </a:fontRef>
+        </p:style>
+        <p:txBody>
+          <a:bodyPr rtlCol="0" anchor="ctr"/>
+          <a:lstStyle/>
+          <a:p>
+            <a:pPr algn="ctr"/>
+            <a:endParaRPr lang="ko-KR" altLang="en-US"/>
           </a:p>
         </p:txBody>
       </p:sp>
       <p:pic>
         <p:nvPicPr>
-          <p:cNvPr id="4" name="그림 3"/>
-          <p:cNvPicPr>
-            <a:picLocks noChangeAspect="1"/>
-          </p:cNvPicPr>
-          <p:nvPr/>
-        </p:nvPicPr>
-        <p:blipFill>
-          <a:blip r:embed="rId4"/>
-          <a:stretch>
-            <a:fillRect/>
-          </a:stretch>
-        </p:blipFill>
-        <p:spPr>
-          <a:xfrm>
-            <a:off x="848331" y="3643114"/>
-            <a:ext cx="2564776" cy="1440000"/>
-          </a:xfrm>
-          <a:prstGeom prst="rect">
-            <a:avLst/>
-          </a:prstGeom>
-        </p:spPr>
-      </p:pic>
-      <p:pic>
-        <p:nvPicPr>
-          <p:cNvPr id="5" name="그림 4"/>
+          <p:cNvPr id="10" name="그림 9"/>
           <p:cNvPicPr>
             <a:picLocks noChangeAspect="1"/>
           </p:cNvPicPr>
@@ -6082,32 +7012,8 @@
         </p:blipFill>
         <p:spPr>
           <a:xfrm>
-            <a:off x="3574473" y="3643114"/>
-            <a:ext cx="2578775" cy="1440000"/>
-          </a:xfrm>
-          <a:prstGeom prst="rect">
-            <a:avLst/>
-          </a:prstGeom>
-        </p:spPr>
-      </p:pic>
-      <p:pic>
-        <p:nvPicPr>
-          <p:cNvPr id="6" name="그림 5"/>
-          <p:cNvPicPr>
-            <a:picLocks noChangeAspect="1"/>
-          </p:cNvPicPr>
-          <p:nvPr/>
-        </p:nvPicPr>
-        <p:blipFill>
-          <a:blip r:embed="rId6"/>
-          <a:stretch>
-            <a:fillRect/>
-          </a:stretch>
-        </p:blipFill>
-        <p:spPr>
-          <a:xfrm>
-            <a:off x="6314614" y="920564"/>
-            <a:ext cx="2743200" cy="4895850"/>
+            <a:off x="433387" y="4426397"/>
+            <a:ext cx="4419600" cy="1285875"/>
           </a:xfrm>
           <a:prstGeom prst="rect">
             <a:avLst/>
@@ -6117,7 +7023,7 @@
     </p:spTree>
     <p:extLst>
       <p:ext uri="{BB962C8B-B14F-4D97-AF65-F5344CB8AC3E}">
-        <p14:creationId xmlns:p14="http://schemas.microsoft.com/office/powerpoint/2010/main" val="3354701013"/>
+        <p14:creationId xmlns:p14="http://schemas.microsoft.com/office/powerpoint/2010/main" val="3115932472"/>
       </p:ext>
     </p:extLst>
   </p:cSld>
@@ -6208,7 +7114,7 @@
                 </a:solidFill>
                 <a:latin typeface="Arial" panose="020B0604020202020204" pitchFamily="34" charset="0"/>
               </a:rPr>
-              <a:t>Week Plan</a:t>
+              <a:t>Single Lock-In</a:t>
             </a:r>
           </a:p>
         </p:txBody>
@@ -6230,7 +7136,7 @@
           <a:p>
             <a:fld id="{53646E5C-8775-44A9-9523-40B6CCA06789}" type="datetime1">
               <a:rPr lang="ko-KR" altLang="en-US" smtClean="0"/>
-              <a:t>2018-05-27</a:t>
+              <a:t>2018-05-28</a:t>
             </a:fld>
             <a:endParaRPr lang="ko-KR" altLang="en-US"/>
           </a:p>
@@ -6254,6 +7160,1190 @@
             <a:fld id="{8765F8EB-1186-4395-8E70-F957669279DD}" type="slidenum">
               <a:rPr lang="ko-KR" altLang="en-US" smtClean="0"/>
               <a:t>6</a:t>
+            </a:fld>
+            <a:endParaRPr lang="ko-KR" altLang="en-US"/>
+          </a:p>
+        </p:txBody>
+      </p:sp>
+      <p:sp>
+        <p:nvSpPr>
+          <p:cNvPr id="17" name="TextBox 16"/>
+          <p:cNvSpPr txBox="1"/>
+          <p:nvPr/>
+        </p:nvSpPr>
+        <p:spPr>
+          <a:xfrm>
+            <a:off x="720969" y="1063625"/>
+            <a:ext cx="2853504" cy="400110"/>
+          </a:xfrm>
+          <a:prstGeom prst="rect">
+            <a:avLst/>
+          </a:prstGeom>
+          <a:noFill/>
+        </p:spPr>
+        <p:txBody>
+          <a:bodyPr wrap="square" rtlCol="0">
+            <a:spAutoFit/>
+          </a:bodyPr>
+          <a:lstStyle/>
+          <a:p>
+            <a:r>
+              <a:rPr lang="en-US" altLang="ko-KR" sz="2000" dirty="0" smtClean="0">
+                <a:solidFill>
+                  <a:srgbClr val="3333FF"/>
+                </a:solidFill>
+              </a:rPr>
+              <a:t>LabVIEW Setting</a:t>
+            </a:r>
+          </a:p>
+        </p:txBody>
+      </p:sp>
+      <p:pic>
+        <p:nvPicPr>
+          <p:cNvPr id="5" name="그림 4"/>
+          <p:cNvPicPr>
+            <a:picLocks noChangeAspect="1"/>
+          </p:cNvPicPr>
+          <p:nvPr/>
+        </p:nvPicPr>
+        <p:blipFill>
+          <a:blip r:embed="rId3"/>
+          <a:stretch>
+            <a:fillRect/>
+          </a:stretch>
+        </p:blipFill>
+        <p:spPr>
+          <a:xfrm>
+            <a:off x="745907" y="1812038"/>
+            <a:ext cx="3630202" cy="2652840"/>
+          </a:xfrm>
+          <a:prstGeom prst="rect">
+            <a:avLst/>
+          </a:prstGeom>
+        </p:spPr>
+      </p:pic>
+      <p:pic>
+        <p:nvPicPr>
+          <p:cNvPr id="7" name="그림 6"/>
+          <p:cNvPicPr>
+            <a:picLocks noChangeAspect="1"/>
+          </p:cNvPicPr>
+          <p:nvPr/>
+        </p:nvPicPr>
+        <p:blipFill rotWithShape="1">
+          <a:blip r:embed="rId4"/>
+          <a:srcRect l="2124" t="13121" r="6744" b="3129"/>
+          <a:stretch/>
+        </p:blipFill>
+        <p:spPr>
+          <a:xfrm>
+            <a:off x="4903470" y="1850229"/>
+            <a:ext cx="3108960" cy="2471830"/>
+          </a:xfrm>
+          <a:prstGeom prst="rect">
+            <a:avLst/>
+          </a:prstGeom>
+        </p:spPr>
+      </p:pic>
+      <p:sp>
+        <p:nvSpPr>
+          <p:cNvPr id="8" name="직사각형 7"/>
+          <p:cNvSpPr/>
+          <p:nvPr/>
+        </p:nvSpPr>
+        <p:spPr>
+          <a:xfrm>
+            <a:off x="831272" y="3071502"/>
+            <a:ext cx="1379913" cy="902520"/>
+          </a:xfrm>
+          <a:prstGeom prst="rect">
+            <a:avLst/>
+          </a:prstGeom>
+          <a:noFill/>
+          <a:ln w="38100">
+            <a:solidFill>
+              <a:srgbClr val="FF0000"/>
+            </a:solidFill>
+            <a:prstDash val="dash"/>
+          </a:ln>
+        </p:spPr>
+        <p:style>
+          <a:lnRef idx="2">
+            <a:schemeClr val="accent1">
+              <a:shade val="50000"/>
+            </a:schemeClr>
+          </a:lnRef>
+          <a:fillRef idx="1">
+            <a:schemeClr val="accent1"/>
+          </a:fillRef>
+          <a:effectRef idx="0">
+            <a:schemeClr val="accent1"/>
+          </a:effectRef>
+          <a:fontRef idx="minor">
+            <a:schemeClr val="lt1"/>
+          </a:fontRef>
+        </p:style>
+        <p:txBody>
+          <a:bodyPr rtlCol="0" anchor="ctr"/>
+          <a:lstStyle/>
+          <a:p>
+            <a:pPr algn="ctr"/>
+            <a:endParaRPr lang="ko-KR" altLang="en-US"/>
+          </a:p>
+        </p:txBody>
+      </p:sp>
+      <p:sp>
+        <p:nvSpPr>
+          <p:cNvPr id="29" name="TextBox 28"/>
+          <p:cNvSpPr txBox="1"/>
+          <p:nvPr/>
+        </p:nvSpPr>
+        <p:spPr>
+          <a:xfrm>
+            <a:off x="1987942" y="3974022"/>
+            <a:ext cx="2313753" cy="430887"/>
+          </a:xfrm>
+          <a:prstGeom prst="rect">
+            <a:avLst/>
+          </a:prstGeom>
+          <a:noFill/>
+        </p:spPr>
+        <p:txBody>
+          <a:bodyPr wrap="square" rtlCol="0">
+            <a:spAutoFit/>
+          </a:bodyPr>
+          <a:lstStyle/>
+          <a:p>
+            <a:r>
+              <a:rPr lang="en-US" altLang="ko-KR" sz="1100" dirty="0" smtClean="0"/>
+              <a:t>Center frequency, time constant, PID</a:t>
+            </a:r>
+          </a:p>
+          <a:p>
+            <a:r>
+              <a:rPr lang="en-US" altLang="ko-KR" sz="1100" dirty="0" smtClean="0"/>
+              <a:t>Auto setting</a:t>
+            </a:r>
+          </a:p>
+        </p:txBody>
+      </p:sp>
+      <p:sp>
+        <p:nvSpPr>
+          <p:cNvPr id="14" name="TextBox 13"/>
+          <p:cNvSpPr txBox="1"/>
+          <p:nvPr/>
+        </p:nvSpPr>
+        <p:spPr>
+          <a:xfrm>
+            <a:off x="720968" y="4661098"/>
+            <a:ext cx="7496106" cy="646331"/>
+          </a:xfrm>
+          <a:prstGeom prst="rect">
+            <a:avLst/>
+          </a:prstGeom>
+          <a:noFill/>
+        </p:spPr>
+        <p:txBody>
+          <a:bodyPr wrap="square" rtlCol="0">
+            <a:spAutoFit/>
+          </a:bodyPr>
+          <a:lstStyle/>
+          <a:p>
+            <a:r>
+              <a:rPr lang="en-US" altLang="ko-KR" dirty="0" smtClean="0"/>
+              <a:t>Demodulator</a:t>
+            </a:r>
+            <a:r>
+              <a:rPr lang="ko-KR" altLang="en-US" smtClean="0"/>
+              <a:t>의 </a:t>
+            </a:r>
+            <a:r>
+              <a:rPr lang="en-US" altLang="ko-KR" dirty="0" smtClean="0"/>
+              <a:t>mode</a:t>
+            </a:r>
+            <a:r>
+              <a:rPr lang="ko-KR" altLang="en-US" smtClean="0"/>
+              <a:t>를 변경시키는 </a:t>
+            </a:r>
+            <a:r>
+              <a:rPr lang="en-US" altLang="ko-KR" dirty="0" smtClean="0"/>
+              <a:t>node </a:t>
+            </a:r>
+            <a:r>
+              <a:rPr lang="ko-KR" altLang="en-US" smtClean="0"/>
+              <a:t>없음</a:t>
+            </a:r>
+            <a:endParaRPr lang="en-US" altLang="ko-KR" dirty="0" smtClean="0"/>
+          </a:p>
+          <a:p>
+            <a:r>
+              <a:rPr lang="en-US" altLang="ko-KR" dirty="0" smtClean="0">
+                <a:sym typeface="Wingdings" panose="05000000000000000000" pitchFamily="2" charset="2"/>
+              </a:rPr>
+              <a:t> </a:t>
+            </a:r>
+            <a:r>
+              <a:rPr lang="en-US" altLang="ko-KR" dirty="0" err="1" smtClean="0">
+                <a:sym typeface="Wingdings" panose="05000000000000000000" pitchFamily="2" charset="2"/>
+              </a:rPr>
+              <a:t>LabOne</a:t>
+            </a:r>
+            <a:r>
+              <a:rPr lang="ko-KR" altLang="en-US" smtClean="0">
+                <a:sym typeface="Wingdings" panose="05000000000000000000" pitchFamily="2" charset="2"/>
+              </a:rPr>
+              <a:t>과 동기화 되어 연결되어야 하는지 확인 필요 </a:t>
+            </a:r>
+            <a:endParaRPr lang="en-US" altLang="ko-KR" dirty="0" smtClean="0"/>
+          </a:p>
+        </p:txBody>
+      </p:sp>
+    </p:spTree>
+    <p:extLst>
+      <p:ext uri="{BB962C8B-B14F-4D97-AF65-F5344CB8AC3E}">
+        <p14:creationId xmlns:p14="http://schemas.microsoft.com/office/powerpoint/2010/main" val="296457676"/>
+      </p:ext>
+    </p:extLst>
+  </p:cSld>
+  <p:clrMapOvr>
+    <a:masterClrMapping/>
+  </p:clrMapOvr>
+  <p:timing>
+    <p:tnLst>
+      <p:par>
+        <p:cTn id="1" dur="indefinite" restart="never" nodeType="tmRoot"/>
+      </p:par>
+    </p:tnLst>
+  </p:timing>
+</p:sld>
+</file>
+
+<file path=ppt/slides/slide7.xml><?xml version="1.0" encoding="utf-8"?>
+<p:sld xmlns:a="http://schemas.openxmlformats.org/drawingml/2006/main" xmlns:r="http://schemas.openxmlformats.org/officeDocument/2006/relationships" xmlns:p="http://schemas.openxmlformats.org/presentationml/2006/main">
+  <p:cSld>
+    <p:spTree>
+      <p:nvGrpSpPr>
+        <p:cNvPr id="1" name=""/>
+        <p:cNvGrpSpPr/>
+        <p:nvPr/>
+      </p:nvGrpSpPr>
+      <p:grpSpPr>
+        <a:xfrm>
+          <a:off x="0" y="0"/>
+          <a:ext cx="0" cy="0"/>
+          <a:chOff x="0" y="0"/>
+          <a:chExt cx="0" cy="0"/>
+        </a:xfrm>
+      </p:grpSpPr>
+      <p:sp>
+        <p:nvSpPr>
+          <p:cNvPr id="6199" name="Rectangle 55"/>
+          <p:cNvSpPr>
+            <a:spLocks noChangeArrowheads="1"/>
+          </p:cNvSpPr>
+          <p:nvPr/>
+        </p:nvSpPr>
+        <p:spPr bwMode="auto">
+          <a:xfrm>
+            <a:off x="0" y="0"/>
+            <a:ext cx="9144000" cy="692150"/>
+          </a:xfrm>
+          <a:prstGeom prst="rect">
+            <a:avLst/>
+          </a:prstGeom>
+          <a:solidFill>
+            <a:srgbClr val="3333FF"/>
+          </a:solidFill>
+          <a:ln>
+            <a:noFill/>
+          </a:ln>
+          <a:effectLst/>
+          <a:extLst>
+            <a:ext uri="{91240B29-F687-4F45-9708-019B960494DF}">
+              <a14:hiddenLine xmlns:a14="http://schemas.microsoft.com/office/drawing/2010/main" w="9525">
+                <a:solidFill>
+                  <a:schemeClr val="tx1"/>
+                </a:solidFill>
+                <a:miter lim="800000"/>
+                <a:headEnd/>
+                <a:tailEnd/>
+              </a14:hiddenLine>
+            </a:ext>
+            <a:ext uri="{AF507438-7753-43E0-B8FC-AC1667EBCBE1}">
+              <a14:hiddenEffects xmlns:a14="http://schemas.microsoft.com/office/drawing/2010/main">
+                <a:effectLst>
+                  <a:outerShdw dist="35921" dir="2700000" algn="ctr" rotWithShape="0">
+                    <a:schemeClr val="bg2"/>
+                  </a:outerShdw>
+                </a:effectLst>
+              </a14:hiddenEffects>
+            </a:ext>
+          </a:extLst>
+        </p:spPr>
+        <p:txBody>
+          <a:bodyPr wrap="none" anchor="ctr"/>
+          <a:lstStyle/>
+          <a:p>
+            <a:pPr algn="ctr"/>
+            <a:r>
+              <a:rPr lang="en-US" altLang="ko-KR" sz="2800" dirty="0" smtClean="0">
+                <a:solidFill>
+                  <a:schemeClr val="bg1"/>
+                </a:solidFill>
+                <a:latin typeface="Arial" panose="020B0604020202020204" pitchFamily="34" charset="0"/>
+              </a:rPr>
+              <a:t>Dual Lock-In</a:t>
+            </a:r>
+          </a:p>
+        </p:txBody>
+      </p:sp>
+      <p:sp>
+        <p:nvSpPr>
+          <p:cNvPr id="2" name="날짜 개체 틀 1"/>
+          <p:cNvSpPr>
+            <a:spLocks noGrp="1"/>
+          </p:cNvSpPr>
+          <p:nvPr>
+            <p:ph type="dt" sz="half" idx="10"/>
+          </p:nvPr>
+        </p:nvSpPr>
+        <p:spPr/>
+        <p:txBody>
+          <a:bodyPr/>
+          <a:lstStyle/>
+          <a:p>
+            <a:fld id="{53646E5C-8775-44A9-9523-40B6CCA06789}" type="datetime1">
+              <a:rPr lang="ko-KR" altLang="en-US" smtClean="0"/>
+              <a:t>2018-05-28</a:t>
+            </a:fld>
+            <a:endParaRPr lang="ko-KR" altLang="en-US"/>
+          </a:p>
+        </p:txBody>
+      </p:sp>
+      <p:sp>
+        <p:nvSpPr>
+          <p:cNvPr id="15" name="슬라이드 번호 개체 틀 14"/>
+          <p:cNvSpPr>
+            <a:spLocks noGrp="1"/>
+          </p:cNvSpPr>
+          <p:nvPr>
+            <p:ph type="sldNum" sz="quarter" idx="12"/>
+          </p:nvPr>
+        </p:nvSpPr>
+        <p:spPr/>
+        <p:txBody>
+          <a:bodyPr/>
+          <a:lstStyle/>
+          <a:p>
+            <a:fld id="{8765F8EB-1186-4395-8E70-F957669279DD}" type="slidenum">
+              <a:rPr lang="ko-KR" altLang="en-US" smtClean="0"/>
+              <a:t>7</a:t>
+            </a:fld>
+            <a:endParaRPr lang="ko-KR" altLang="en-US"/>
+          </a:p>
+        </p:txBody>
+      </p:sp>
+      <p:sp>
+        <p:nvSpPr>
+          <p:cNvPr id="17" name="TextBox 16"/>
+          <p:cNvSpPr txBox="1"/>
+          <p:nvPr/>
+        </p:nvSpPr>
+        <p:spPr>
+          <a:xfrm>
+            <a:off x="720969" y="752702"/>
+            <a:ext cx="2853504" cy="400110"/>
+          </a:xfrm>
+          <a:prstGeom prst="rect">
+            <a:avLst/>
+          </a:prstGeom>
+          <a:noFill/>
+        </p:spPr>
+        <p:txBody>
+          <a:bodyPr wrap="square" rtlCol="0">
+            <a:spAutoFit/>
+          </a:bodyPr>
+          <a:lstStyle/>
+          <a:p>
+            <a:r>
+              <a:rPr lang="en-US" altLang="ko-KR" sz="2000" dirty="0" smtClean="0">
+                <a:solidFill>
+                  <a:srgbClr val="3333FF"/>
+                </a:solidFill>
+              </a:rPr>
+              <a:t>Patent Data</a:t>
+            </a:r>
+          </a:p>
+        </p:txBody>
+      </p:sp>
+      <p:pic>
+        <p:nvPicPr>
+          <p:cNvPr id="3" name="그림 2"/>
+          <p:cNvPicPr>
+            <a:picLocks noChangeAspect="1"/>
+          </p:cNvPicPr>
+          <p:nvPr/>
+        </p:nvPicPr>
+        <p:blipFill>
+          <a:blip r:embed="rId3"/>
+          <a:stretch>
+            <a:fillRect/>
+          </a:stretch>
+        </p:blipFill>
+        <p:spPr>
+          <a:xfrm>
+            <a:off x="848331" y="1152813"/>
+            <a:ext cx="2611952" cy="1897958"/>
+          </a:xfrm>
+          <a:prstGeom prst="rect">
+            <a:avLst/>
+          </a:prstGeom>
+        </p:spPr>
+      </p:pic>
+      <p:sp>
+        <p:nvSpPr>
+          <p:cNvPr id="8" name="직사각형 7"/>
+          <p:cNvSpPr/>
+          <p:nvPr/>
+        </p:nvSpPr>
+        <p:spPr>
+          <a:xfrm>
+            <a:off x="720969" y="6044829"/>
+            <a:ext cx="4572000" cy="369332"/>
+          </a:xfrm>
+          <a:prstGeom prst="rect">
+            <a:avLst/>
+          </a:prstGeom>
+        </p:spPr>
+        <p:txBody>
+          <a:bodyPr>
+            <a:spAutoFit/>
+          </a:bodyPr>
+          <a:lstStyle/>
+          <a:p>
+            <a:r>
+              <a:rPr lang="en-US" altLang="ko-KR" sz="900" i="1" dirty="0">
+                <a:solidFill>
+                  <a:srgbClr val="333333"/>
+                </a:solidFill>
+                <a:latin typeface="Times New Roman" panose="02020603050405020304" pitchFamily="18" charset="0"/>
+                <a:cs typeface="Times New Roman" panose="02020603050405020304" pitchFamily="18" charset="0"/>
+              </a:rPr>
+              <a:t>U.S. Patent No. US 7590196 B2. (2005). Washington, DC: U.S. Patent and Trademark Office</a:t>
+            </a:r>
+            <a:r>
+              <a:rPr lang="en-US" altLang="ko-KR" sz="900" i="1" dirty="0" smtClean="0">
+                <a:solidFill>
+                  <a:srgbClr val="333333"/>
+                </a:solidFill>
+                <a:latin typeface="Times New Roman" panose="02020603050405020304" pitchFamily="18" charset="0"/>
+                <a:cs typeface="Times New Roman" panose="02020603050405020304" pitchFamily="18" charset="0"/>
+              </a:rPr>
+              <a:t>.</a:t>
+            </a:r>
+          </a:p>
+          <a:p>
+            <a:r>
+              <a:rPr lang="en-US" altLang="ko-KR" sz="900" i="1" dirty="0" smtClean="0">
+                <a:latin typeface="Times New Roman" panose="02020603050405020304" pitchFamily="18" charset="0"/>
+                <a:cs typeface="Times New Roman" panose="02020603050405020304" pitchFamily="18" charset="0"/>
+              </a:rPr>
+              <a:t>Review of Scientific Instruments 56, 1662 (1985); </a:t>
+            </a:r>
+            <a:r>
+              <a:rPr lang="en-US" altLang="ko-KR" sz="900" i="1" dirty="0" err="1" smtClean="0">
+                <a:latin typeface="Times New Roman" panose="02020603050405020304" pitchFamily="18" charset="0"/>
+                <a:cs typeface="Times New Roman" panose="02020603050405020304" pitchFamily="18" charset="0"/>
+              </a:rPr>
+              <a:t>doi</a:t>
+            </a:r>
+            <a:r>
+              <a:rPr lang="en-US" altLang="ko-KR" sz="900" i="1" dirty="0" smtClean="0">
+                <a:latin typeface="Times New Roman" panose="02020603050405020304" pitchFamily="18" charset="0"/>
+                <a:cs typeface="Times New Roman" panose="02020603050405020304" pitchFamily="18" charset="0"/>
+              </a:rPr>
+              <a:t>: 10. 1063/1.1138121</a:t>
+            </a:r>
+            <a:endParaRPr lang="ko-KR" altLang="en-US" sz="900" i="1" dirty="0">
+              <a:latin typeface="Times New Roman" panose="02020603050405020304" pitchFamily="18" charset="0"/>
+              <a:cs typeface="Times New Roman" panose="02020603050405020304" pitchFamily="18" charset="0"/>
+            </a:endParaRPr>
+          </a:p>
+        </p:txBody>
+      </p:sp>
+      <p:sp>
+        <p:nvSpPr>
+          <p:cNvPr id="9" name="TextBox 8"/>
+          <p:cNvSpPr txBox="1"/>
+          <p:nvPr/>
+        </p:nvSpPr>
+        <p:spPr>
+          <a:xfrm>
+            <a:off x="720969" y="3243005"/>
+            <a:ext cx="2853504" cy="400110"/>
+          </a:xfrm>
+          <a:prstGeom prst="rect">
+            <a:avLst/>
+          </a:prstGeom>
+          <a:noFill/>
+        </p:spPr>
+        <p:txBody>
+          <a:bodyPr wrap="square" rtlCol="0">
+            <a:spAutoFit/>
+          </a:bodyPr>
+          <a:lstStyle/>
+          <a:p>
+            <a:r>
+              <a:rPr lang="en-US" altLang="ko-KR" sz="2000" dirty="0" smtClean="0">
+                <a:solidFill>
+                  <a:srgbClr val="3333FF"/>
+                </a:solidFill>
+              </a:rPr>
+              <a:t>Paper</a:t>
+            </a:r>
+          </a:p>
+        </p:txBody>
+      </p:sp>
+      <p:pic>
+        <p:nvPicPr>
+          <p:cNvPr id="5" name="그림 4"/>
+          <p:cNvPicPr>
+            <a:picLocks noChangeAspect="1"/>
+          </p:cNvPicPr>
+          <p:nvPr/>
+        </p:nvPicPr>
+        <p:blipFill>
+          <a:blip r:embed="rId4"/>
+          <a:stretch>
+            <a:fillRect/>
+          </a:stretch>
+        </p:blipFill>
+        <p:spPr>
+          <a:xfrm>
+            <a:off x="720969" y="3643114"/>
+            <a:ext cx="2578775" cy="1440000"/>
+          </a:xfrm>
+          <a:prstGeom prst="rect">
+            <a:avLst/>
+          </a:prstGeom>
+        </p:spPr>
+      </p:pic>
+      <p:pic>
+        <p:nvPicPr>
+          <p:cNvPr id="6" name="그림 5"/>
+          <p:cNvPicPr>
+            <a:picLocks noChangeAspect="1"/>
+          </p:cNvPicPr>
+          <p:nvPr/>
+        </p:nvPicPr>
+        <p:blipFill>
+          <a:blip r:embed="rId5"/>
+          <a:stretch>
+            <a:fillRect/>
+          </a:stretch>
+        </p:blipFill>
+        <p:spPr>
+          <a:xfrm>
+            <a:off x="6188417" y="920564"/>
+            <a:ext cx="2362514" cy="4216432"/>
+          </a:xfrm>
+          <a:prstGeom prst="rect">
+            <a:avLst/>
+          </a:prstGeom>
+        </p:spPr>
+      </p:pic>
+      <p:pic>
+        <p:nvPicPr>
+          <p:cNvPr id="7" name="그림 6"/>
+          <p:cNvPicPr>
+            <a:picLocks noChangeAspect="1"/>
+          </p:cNvPicPr>
+          <p:nvPr/>
+        </p:nvPicPr>
+        <p:blipFill>
+          <a:blip r:embed="rId6"/>
+          <a:stretch>
+            <a:fillRect/>
+          </a:stretch>
+        </p:blipFill>
+        <p:spPr>
+          <a:xfrm>
+            <a:off x="3334913" y="3443060"/>
+            <a:ext cx="2548258" cy="1609787"/>
+          </a:xfrm>
+          <a:prstGeom prst="rect">
+            <a:avLst/>
+          </a:prstGeom>
+        </p:spPr>
+      </p:pic>
+      <mc:AlternateContent xmlns:mc="http://schemas.openxmlformats.org/markup-compatibility/2006">
+        <mc:Choice xmlns:a14="http://schemas.microsoft.com/office/drawing/2010/main" Requires="a14">
+          <p:sp>
+            <p:nvSpPr>
+              <p:cNvPr id="13" name="TextBox 12"/>
+              <p:cNvSpPr txBox="1"/>
+              <p:nvPr/>
+            </p:nvSpPr>
+            <p:spPr>
+              <a:xfrm>
+                <a:off x="3650303" y="5136996"/>
+                <a:ext cx="2313753" cy="426976"/>
+              </a:xfrm>
+              <a:prstGeom prst="rect">
+                <a:avLst/>
+              </a:prstGeom>
+              <a:noFill/>
+            </p:spPr>
+            <p:txBody>
+              <a:bodyPr wrap="square" rtlCol="0">
+                <a:spAutoFit/>
+              </a:bodyPr>
+              <a:lstStyle/>
+              <a:p>
+                <a14:m>
+                  <m:oMathPara xmlns:m="http://schemas.openxmlformats.org/officeDocument/2006/math">
+                    <m:oMathParaPr>
+                      <m:jc m:val="centerGroup"/>
+                    </m:oMathParaPr>
+                    <m:oMath xmlns:m="http://schemas.openxmlformats.org/officeDocument/2006/math">
+                      <m:sSub>
+                        <m:sSubPr>
+                          <m:ctrlPr>
+                            <a:rPr lang="en-US" altLang="ko-KR" sz="1100" b="0" i="1" smtClean="0">
+                              <a:latin typeface="Cambria Math" panose="02040503050406030204" pitchFamily="18" charset="0"/>
+                            </a:rPr>
+                          </m:ctrlPr>
+                        </m:sSubPr>
+                        <m:e>
+                          <m:r>
+                            <a:rPr lang="en-US" altLang="ko-KR" sz="1100" b="0" i="1" smtClean="0">
+                              <a:latin typeface="Cambria Math" panose="02040503050406030204" pitchFamily="18" charset="0"/>
+                            </a:rPr>
+                            <m:t>𝑓</m:t>
+                          </m:r>
+                        </m:e>
+                        <m:sub>
+                          <m:r>
+                            <a:rPr lang="en-US" altLang="ko-KR" sz="1100" b="0" i="1" smtClean="0">
+                              <a:latin typeface="Cambria Math" panose="02040503050406030204" pitchFamily="18" charset="0"/>
+                            </a:rPr>
+                            <m:t>1</m:t>
+                          </m:r>
+                        </m:sub>
+                      </m:sSub>
+                      <m:r>
+                        <a:rPr lang="en-US" altLang="ko-KR" sz="1100" b="0" i="1" smtClean="0">
+                          <a:latin typeface="Cambria Math" panose="02040503050406030204" pitchFamily="18" charset="0"/>
+                        </a:rPr>
+                        <m:t>=12.5</m:t>
+                      </m:r>
+                      <m:r>
+                        <a:rPr lang="en-US" altLang="ko-KR" sz="1100" b="0" i="1" smtClean="0">
+                          <a:latin typeface="Cambria Math" panose="02040503050406030204" pitchFamily="18" charset="0"/>
+                        </a:rPr>
+                        <m:t>𝑀𝐻𝑧</m:t>
+                      </m:r>
+                      <m:r>
+                        <a:rPr lang="en-US" altLang="ko-KR" sz="1100" b="0" i="1" smtClean="0">
+                          <a:latin typeface="Cambria Math" panose="02040503050406030204" pitchFamily="18" charset="0"/>
+                        </a:rPr>
+                        <m:t>, </m:t>
+                      </m:r>
+                      <m:sSub>
+                        <m:sSubPr>
+                          <m:ctrlPr>
+                            <a:rPr lang="en-US" altLang="ko-KR" sz="1100" b="0" i="1" smtClean="0">
+                              <a:latin typeface="Cambria Math" panose="02040503050406030204" pitchFamily="18" charset="0"/>
+                            </a:rPr>
+                          </m:ctrlPr>
+                        </m:sSubPr>
+                        <m:e>
+                          <m:r>
+                            <a:rPr lang="en-US" altLang="ko-KR" sz="1100" b="0" i="1" smtClean="0">
+                              <a:latin typeface="Cambria Math" panose="02040503050406030204" pitchFamily="18" charset="0"/>
+                            </a:rPr>
+                            <m:t>𝑓</m:t>
+                          </m:r>
+                        </m:e>
+                        <m:sub>
+                          <m:r>
+                            <a:rPr lang="en-US" altLang="ko-KR" sz="1100" b="0" i="1" smtClean="0">
+                              <a:latin typeface="Cambria Math" panose="02040503050406030204" pitchFamily="18" charset="0"/>
+                            </a:rPr>
+                            <m:t>2</m:t>
+                          </m:r>
+                        </m:sub>
+                      </m:sSub>
+                      <m:r>
+                        <a:rPr lang="en-US" altLang="ko-KR" sz="1100" b="0" i="1" smtClean="0">
+                          <a:latin typeface="Cambria Math" panose="02040503050406030204" pitchFamily="18" charset="0"/>
+                        </a:rPr>
+                        <m:t>=520</m:t>
+                      </m:r>
+                      <m:r>
+                        <a:rPr lang="en-US" altLang="ko-KR" sz="1100" b="0" i="1" smtClean="0">
+                          <a:latin typeface="Cambria Math" panose="02040503050406030204" pitchFamily="18" charset="0"/>
+                        </a:rPr>
+                        <m:t>𝐻𝑧</m:t>
+                      </m:r>
+                    </m:oMath>
+                  </m:oMathPara>
+                </a14:m>
+                <a:endParaRPr lang="en-US" altLang="ko-KR" sz="1100" b="0" i="1" dirty="0" smtClean="0">
+                  <a:latin typeface="Cambria Math" panose="02040503050406030204" pitchFamily="18" charset="0"/>
+                </a:endParaRPr>
+              </a:p>
+              <a:p>
+                <a14:m>
+                  <m:oMathPara xmlns:m="http://schemas.openxmlformats.org/officeDocument/2006/math">
+                    <m:oMathParaPr>
+                      <m:jc m:val="centerGroup"/>
+                    </m:oMathParaPr>
+                    <m:oMath xmlns:m="http://schemas.openxmlformats.org/officeDocument/2006/math">
+                      <m:sSub>
+                        <m:sSubPr>
+                          <m:ctrlPr>
+                            <a:rPr lang="en-US" altLang="ko-KR" sz="1100" b="0" i="1" smtClean="0">
+                              <a:latin typeface="Cambria Math" panose="02040503050406030204" pitchFamily="18" charset="0"/>
+                            </a:rPr>
+                          </m:ctrlPr>
+                        </m:sSubPr>
+                        <m:e>
+                          <m:r>
+                            <a:rPr lang="en-US" altLang="ko-KR" sz="1100" b="0" i="1" smtClean="0">
+                              <a:latin typeface="Cambria Math" panose="02040503050406030204" pitchFamily="18" charset="0"/>
+                            </a:rPr>
+                            <m:t>𝜏</m:t>
+                          </m:r>
+                        </m:e>
+                        <m:sub>
+                          <m:r>
+                            <a:rPr lang="en-US" altLang="ko-KR" sz="1100" b="0" i="1" smtClean="0">
+                              <a:latin typeface="Cambria Math" panose="02040503050406030204" pitchFamily="18" charset="0"/>
+                            </a:rPr>
+                            <m:t>1</m:t>
+                          </m:r>
+                        </m:sub>
+                      </m:sSub>
+                      <m:r>
+                        <a:rPr lang="en-US" altLang="ko-KR" sz="1100" b="0" i="1" smtClean="0">
+                          <a:latin typeface="Cambria Math" panose="02040503050406030204" pitchFamily="18" charset="0"/>
+                        </a:rPr>
+                        <m:t>=500</m:t>
+                      </m:r>
+                      <m:r>
+                        <a:rPr lang="en-US" altLang="ko-KR" sz="1100" b="0" i="1" smtClean="0">
+                          <a:latin typeface="Cambria Math" panose="02040503050406030204" pitchFamily="18" charset="0"/>
+                        </a:rPr>
+                        <m:t>𝜇</m:t>
+                      </m:r>
+                      <m:r>
+                        <a:rPr lang="en-US" altLang="ko-KR" sz="1100" b="0" i="1" smtClean="0">
+                          <a:latin typeface="Cambria Math" panose="02040503050406030204" pitchFamily="18" charset="0"/>
+                        </a:rPr>
+                        <m:t>𝑠</m:t>
+                      </m:r>
+                      <m:r>
+                        <a:rPr lang="en-US" altLang="ko-KR" sz="1100" b="0" i="1" smtClean="0">
+                          <a:latin typeface="Cambria Math" panose="02040503050406030204" pitchFamily="18" charset="0"/>
+                        </a:rPr>
+                        <m:t>, </m:t>
+                      </m:r>
+                      <m:sSub>
+                        <m:sSubPr>
+                          <m:ctrlPr>
+                            <a:rPr lang="en-US" altLang="ko-KR" sz="1100" b="0" i="1" smtClean="0">
+                              <a:latin typeface="Cambria Math" panose="02040503050406030204" pitchFamily="18" charset="0"/>
+                            </a:rPr>
+                          </m:ctrlPr>
+                        </m:sSubPr>
+                        <m:e>
+                          <m:r>
+                            <a:rPr lang="en-US" altLang="ko-KR" sz="1100" b="0" i="1" smtClean="0">
+                              <a:latin typeface="Cambria Math" panose="02040503050406030204" pitchFamily="18" charset="0"/>
+                            </a:rPr>
+                            <m:t>𝜏</m:t>
+                          </m:r>
+                        </m:e>
+                        <m:sub>
+                          <m:r>
+                            <a:rPr lang="en-US" altLang="ko-KR" sz="1100" b="0" i="1" smtClean="0">
+                              <a:latin typeface="Cambria Math" panose="02040503050406030204" pitchFamily="18" charset="0"/>
+                            </a:rPr>
+                            <m:t>2</m:t>
+                          </m:r>
+                        </m:sub>
+                      </m:sSub>
+                      <m:r>
+                        <a:rPr lang="en-US" altLang="ko-KR" sz="1100" b="0" i="1" smtClean="0">
+                          <a:latin typeface="Cambria Math" panose="02040503050406030204" pitchFamily="18" charset="0"/>
+                        </a:rPr>
+                        <m:t>=4</m:t>
+                      </m:r>
+                      <m:r>
+                        <a:rPr lang="en-US" altLang="ko-KR" sz="1100" b="0" i="1" smtClean="0">
+                          <a:latin typeface="Cambria Math" panose="02040503050406030204" pitchFamily="18" charset="0"/>
+                        </a:rPr>
+                        <m:t>𝑠</m:t>
+                      </m:r>
+                      <m:r>
+                        <a:rPr lang="en-US" altLang="ko-KR" sz="1100" b="0" i="1" smtClean="0">
+                          <a:latin typeface="Cambria Math" panose="02040503050406030204" pitchFamily="18" charset="0"/>
+                        </a:rPr>
+                        <m:t> </m:t>
+                      </m:r>
+                    </m:oMath>
+                  </m:oMathPara>
+                </a14:m>
+                <a:endParaRPr lang="en-US" altLang="ko-KR" sz="1100" dirty="0" smtClean="0"/>
+              </a:p>
+            </p:txBody>
+          </p:sp>
+        </mc:Choice>
+        <mc:Fallback>
+          <p:sp>
+            <p:nvSpPr>
+              <p:cNvPr id="13" name="TextBox 12"/>
+              <p:cNvSpPr txBox="1">
+                <a:spLocks noRot="1" noChangeAspect="1" noMove="1" noResize="1" noEditPoints="1" noAdjustHandles="1" noChangeArrowheads="1" noChangeShapeType="1" noTextEdit="1"/>
+              </p:cNvSpPr>
+              <p:nvPr/>
+            </p:nvSpPr>
+            <p:spPr>
+              <a:xfrm>
+                <a:off x="3650303" y="5136996"/>
+                <a:ext cx="2313753" cy="426976"/>
+              </a:xfrm>
+              <a:prstGeom prst="rect">
+                <a:avLst/>
+              </a:prstGeom>
+              <a:blipFill rotWithShape="0">
+                <a:blip r:embed="rId7"/>
+                <a:stretch>
+                  <a:fillRect b="-2857"/>
+                </a:stretch>
+              </a:blipFill>
+            </p:spPr>
+            <p:txBody>
+              <a:bodyPr/>
+              <a:lstStyle/>
+              <a:p>
+                <a:r>
+                  <a:rPr lang="ko-KR" altLang="en-US">
+                    <a:noFill/>
+                  </a:rPr>
+                  <a:t> </a:t>
+                </a:r>
+              </a:p>
+            </p:txBody>
+          </p:sp>
+        </mc:Fallback>
+      </mc:AlternateContent>
+      <mc:AlternateContent xmlns:mc="http://schemas.openxmlformats.org/markup-compatibility/2006">
+        <mc:Choice xmlns:a14="http://schemas.microsoft.com/office/drawing/2010/main" Requires="a14">
+          <p:sp>
+            <p:nvSpPr>
+              <p:cNvPr id="14" name="TextBox 13"/>
+              <p:cNvSpPr txBox="1"/>
+              <p:nvPr/>
+            </p:nvSpPr>
+            <p:spPr>
+              <a:xfrm>
+                <a:off x="6846913" y="5115279"/>
+                <a:ext cx="1045522" cy="431015"/>
+              </a:xfrm>
+              <a:prstGeom prst="rect">
+                <a:avLst/>
+              </a:prstGeom>
+              <a:noFill/>
+            </p:spPr>
+            <p:txBody>
+              <a:bodyPr wrap="square" rtlCol="0">
+                <a:spAutoFit/>
+              </a:bodyPr>
+              <a:lstStyle/>
+              <a:p>
+                <a14:m>
+                  <m:oMathPara xmlns:m="http://schemas.openxmlformats.org/officeDocument/2006/math">
+                    <m:oMathParaPr>
+                      <m:jc m:val="centerGroup"/>
+                    </m:oMathParaPr>
+                    <m:oMath xmlns:m="http://schemas.openxmlformats.org/officeDocument/2006/math">
+                      <m:f>
+                        <m:fPr>
+                          <m:ctrlPr>
+                            <a:rPr lang="en-US" altLang="ko-KR" sz="1100" b="0" i="1" smtClean="0">
+                              <a:latin typeface="Cambria Math" panose="02040503050406030204" pitchFamily="18" charset="0"/>
+                            </a:rPr>
+                          </m:ctrlPr>
+                        </m:fPr>
+                        <m:num>
+                          <m:r>
+                            <a:rPr lang="en-US" altLang="ko-KR" sz="1100" b="0" i="1" smtClean="0">
+                              <a:latin typeface="Cambria Math" panose="02040503050406030204" pitchFamily="18" charset="0"/>
+                            </a:rPr>
+                            <m:t>𝑆𝑁</m:t>
+                          </m:r>
+                          <m:sSup>
+                            <m:sSupPr>
+                              <m:ctrlPr>
+                                <a:rPr lang="en-US" altLang="ko-KR" sz="1100" b="0" i="1" smtClean="0">
+                                  <a:latin typeface="Cambria Math" panose="02040503050406030204" pitchFamily="18" charset="0"/>
+                                </a:rPr>
+                              </m:ctrlPr>
+                            </m:sSupPr>
+                            <m:e>
+                              <m:r>
+                                <a:rPr lang="en-US" altLang="ko-KR" sz="1100" b="0" i="1" smtClean="0">
+                                  <a:latin typeface="Cambria Math" panose="02040503050406030204" pitchFamily="18" charset="0"/>
+                                </a:rPr>
+                                <m:t>𝑅</m:t>
+                              </m:r>
+                            </m:e>
+                            <m:sup>
+                              <m:r>
+                                <a:rPr lang="en-US" altLang="ko-KR" sz="1100" b="0" i="1" smtClean="0">
+                                  <a:latin typeface="Cambria Math" panose="02040503050406030204" pitchFamily="18" charset="0"/>
+                                </a:rPr>
+                                <m:t>𝐷𝐿𝐼</m:t>
+                              </m:r>
+                            </m:sup>
+                          </m:sSup>
+                        </m:num>
+                        <m:den>
+                          <m:r>
+                            <a:rPr lang="en-US" altLang="ko-KR" sz="1100" b="0" i="1" smtClean="0">
+                              <a:latin typeface="Cambria Math" panose="02040503050406030204" pitchFamily="18" charset="0"/>
+                            </a:rPr>
+                            <m:t>𝑆𝑁</m:t>
+                          </m:r>
+                          <m:sSup>
+                            <m:sSupPr>
+                              <m:ctrlPr>
+                                <a:rPr lang="en-US" altLang="ko-KR" sz="1100" b="0" i="1" smtClean="0">
+                                  <a:latin typeface="Cambria Math" panose="02040503050406030204" pitchFamily="18" charset="0"/>
+                                </a:rPr>
+                              </m:ctrlPr>
+                            </m:sSupPr>
+                            <m:e>
+                              <m:r>
+                                <a:rPr lang="en-US" altLang="ko-KR" sz="1100" b="0" i="1" smtClean="0">
+                                  <a:latin typeface="Cambria Math" panose="02040503050406030204" pitchFamily="18" charset="0"/>
+                                </a:rPr>
+                                <m:t>𝑅</m:t>
+                              </m:r>
+                            </m:e>
+                            <m:sup>
+                              <m:r>
+                                <a:rPr lang="en-US" altLang="ko-KR" sz="1100" b="0" i="1" smtClean="0">
+                                  <a:latin typeface="Cambria Math" panose="02040503050406030204" pitchFamily="18" charset="0"/>
+                                </a:rPr>
+                                <m:t>𝑆𝐿𝐼</m:t>
+                              </m:r>
+                            </m:sup>
+                          </m:sSup>
+                        </m:den>
+                      </m:f>
+                      <m:r>
+                        <a:rPr lang="en-US" altLang="ko-KR" sz="1100" b="0" i="1" smtClean="0">
+                          <a:latin typeface="Cambria Math" panose="02040503050406030204" pitchFamily="18" charset="0"/>
+                          <a:ea typeface="Cambria Math" panose="02040503050406030204" pitchFamily="18" charset="0"/>
+                        </a:rPr>
+                        <m:t>≅20</m:t>
+                      </m:r>
+                      <m:r>
+                        <a:rPr lang="en-US" altLang="ko-KR" sz="1100" b="0" i="1" smtClean="0">
+                          <a:latin typeface="Cambria Math" panose="02040503050406030204" pitchFamily="18" charset="0"/>
+                        </a:rPr>
+                        <m:t> </m:t>
+                      </m:r>
+                    </m:oMath>
+                  </m:oMathPara>
+                </a14:m>
+                <a:endParaRPr lang="en-US" altLang="ko-KR" sz="1100" dirty="0" smtClean="0"/>
+              </a:p>
+            </p:txBody>
+          </p:sp>
+        </mc:Choice>
+        <mc:Fallback>
+          <p:sp>
+            <p:nvSpPr>
+              <p:cNvPr id="14" name="TextBox 13"/>
+              <p:cNvSpPr txBox="1">
+                <a:spLocks noRot="1" noChangeAspect="1" noMove="1" noResize="1" noEditPoints="1" noAdjustHandles="1" noChangeArrowheads="1" noChangeShapeType="1" noTextEdit="1"/>
+              </p:cNvSpPr>
+              <p:nvPr/>
+            </p:nvSpPr>
+            <p:spPr>
+              <a:xfrm>
+                <a:off x="6846913" y="5115279"/>
+                <a:ext cx="1045522" cy="431015"/>
+              </a:xfrm>
+              <a:prstGeom prst="rect">
+                <a:avLst/>
+              </a:prstGeom>
+              <a:blipFill rotWithShape="0">
+                <a:blip r:embed="rId8"/>
+                <a:stretch>
+                  <a:fillRect/>
+                </a:stretch>
+              </a:blipFill>
+            </p:spPr>
+            <p:txBody>
+              <a:bodyPr/>
+              <a:lstStyle/>
+              <a:p>
+                <a:r>
+                  <a:rPr lang="ko-KR" altLang="en-US">
+                    <a:noFill/>
+                  </a:rPr>
+                  <a:t> </a:t>
+                </a:r>
+              </a:p>
+            </p:txBody>
+          </p:sp>
+        </mc:Fallback>
+      </mc:AlternateContent>
+    </p:spTree>
+    <p:extLst>
+      <p:ext uri="{BB962C8B-B14F-4D97-AF65-F5344CB8AC3E}">
+        <p14:creationId xmlns:p14="http://schemas.microsoft.com/office/powerpoint/2010/main" val="3354701013"/>
+      </p:ext>
+    </p:extLst>
+  </p:cSld>
+  <p:clrMapOvr>
+    <a:masterClrMapping/>
+  </p:clrMapOvr>
+  <p:timing>
+    <p:tnLst>
+      <p:par>
+        <p:cTn id="1" dur="indefinite" restart="never" nodeType="tmRoot"/>
+      </p:par>
+    </p:tnLst>
+  </p:timing>
+</p:sld>
+</file>
+
+<file path=ppt/slides/slide8.xml><?xml version="1.0" encoding="utf-8"?>
+<p:sld xmlns:a="http://schemas.openxmlformats.org/drawingml/2006/main" xmlns:r="http://schemas.openxmlformats.org/officeDocument/2006/relationships" xmlns:p="http://schemas.openxmlformats.org/presentationml/2006/main">
+  <p:cSld>
+    <p:spTree>
+      <p:nvGrpSpPr>
+        <p:cNvPr id="1" name=""/>
+        <p:cNvGrpSpPr/>
+        <p:nvPr/>
+      </p:nvGrpSpPr>
+      <p:grpSpPr>
+        <a:xfrm>
+          <a:off x="0" y="0"/>
+          <a:ext cx="0" cy="0"/>
+          <a:chOff x="0" y="0"/>
+          <a:chExt cx="0" cy="0"/>
+        </a:xfrm>
+      </p:grpSpPr>
+      <p:sp>
+        <p:nvSpPr>
+          <p:cNvPr id="6199" name="Rectangle 55"/>
+          <p:cNvSpPr>
+            <a:spLocks noChangeArrowheads="1"/>
+          </p:cNvSpPr>
+          <p:nvPr/>
+        </p:nvSpPr>
+        <p:spPr bwMode="auto">
+          <a:xfrm>
+            <a:off x="0" y="0"/>
+            <a:ext cx="9144000" cy="692150"/>
+          </a:xfrm>
+          <a:prstGeom prst="rect">
+            <a:avLst/>
+          </a:prstGeom>
+          <a:solidFill>
+            <a:srgbClr val="3333FF"/>
+          </a:solidFill>
+          <a:ln>
+            <a:noFill/>
+          </a:ln>
+          <a:effectLst/>
+          <a:extLst>
+            <a:ext uri="{91240B29-F687-4F45-9708-019B960494DF}">
+              <a14:hiddenLine xmlns:a14="http://schemas.microsoft.com/office/drawing/2010/main" w="9525">
+                <a:solidFill>
+                  <a:schemeClr val="tx1"/>
+                </a:solidFill>
+                <a:miter lim="800000"/>
+                <a:headEnd/>
+                <a:tailEnd/>
+              </a14:hiddenLine>
+            </a:ext>
+            <a:ext uri="{AF507438-7753-43E0-B8FC-AC1667EBCBE1}">
+              <a14:hiddenEffects xmlns:a14="http://schemas.microsoft.com/office/drawing/2010/main">
+                <a:effectLst>
+                  <a:outerShdw dist="35921" dir="2700000" algn="ctr" rotWithShape="0">
+                    <a:schemeClr val="bg2"/>
+                  </a:outerShdw>
+                </a:effectLst>
+              </a14:hiddenEffects>
+            </a:ext>
+          </a:extLst>
+        </p:spPr>
+        <p:txBody>
+          <a:bodyPr wrap="none" anchor="ctr"/>
+          <a:lstStyle/>
+          <a:p>
+            <a:pPr algn="ctr"/>
+            <a:r>
+              <a:rPr lang="en-US" altLang="ko-KR" sz="2800" dirty="0" smtClean="0">
+                <a:solidFill>
+                  <a:schemeClr val="bg1"/>
+                </a:solidFill>
+                <a:latin typeface="Arial" panose="020B0604020202020204" pitchFamily="34" charset="0"/>
+              </a:rPr>
+              <a:t>Week Plan</a:t>
+            </a:r>
+          </a:p>
+        </p:txBody>
+      </p:sp>
+      <p:sp>
+        <p:nvSpPr>
+          <p:cNvPr id="2" name="날짜 개체 틀 1"/>
+          <p:cNvSpPr>
+            <a:spLocks noGrp="1"/>
+          </p:cNvSpPr>
+          <p:nvPr>
+            <p:ph type="dt" sz="half" idx="10"/>
+          </p:nvPr>
+        </p:nvSpPr>
+        <p:spPr/>
+        <p:txBody>
+          <a:bodyPr/>
+          <a:lstStyle/>
+          <a:p>
+            <a:fld id="{53646E5C-8775-44A9-9523-40B6CCA06789}" type="datetime1">
+              <a:rPr lang="ko-KR" altLang="en-US" smtClean="0"/>
+              <a:t>2018-05-28</a:t>
+            </a:fld>
+            <a:endParaRPr lang="ko-KR" altLang="en-US"/>
+          </a:p>
+        </p:txBody>
+      </p:sp>
+      <p:sp>
+        <p:nvSpPr>
+          <p:cNvPr id="15" name="슬라이드 번호 개체 틀 14"/>
+          <p:cNvSpPr>
+            <a:spLocks noGrp="1"/>
+          </p:cNvSpPr>
+          <p:nvPr>
+            <p:ph type="sldNum" sz="quarter" idx="12"/>
+          </p:nvPr>
+        </p:nvSpPr>
+        <p:spPr/>
+        <p:txBody>
+          <a:bodyPr/>
+          <a:lstStyle/>
+          <a:p>
+            <a:fld id="{8765F8EB-1186-4395-8E70-F957669279DD}" type="slidenum">
+              <a:rPr lang="ko-KR" altLang="en-US" smtClean="0"/>
+              <a:t>8</a:t>
             </a:fld>
             <a:endParaRPr lang="ko-KR" altLang="en-US" dirty="0"/>
           </a:p>
@@ -6287,42 +8377,42 @@
                 <a:gridCol w="1490596">
                   <a:extLst>
                     <a:ext uri="{9D8B030D-6E8A-4147-A177-3AD203B41FA5}">
-                      <a16:colId xmlns:a16="http://schemas.microsoft.com/office/drawing/2014/main" val="3751341464"/>
+                      <a16:colId xmlns:a16="http://schemas.microsoft.com/office/drawing/2014/main" xmlns="" val="3751341464"/>
                     </a:ext>
                   </a:extLst>
                 </a:gridCol>
                 <a:gridCol w="1119827">
                   <a:extLst>
                     <a:ext uri="{9D8B030D-6E8A-4147-A177-3AD203B41FA5}">
-                      <a16:colId xmlns:a16="http://schemas.microsoft.com/office/drawing/2014/main" val="4090605972"/>
+                      <a16:colId xmlns:a16="http://schemas.microsoft.com/office/drawing/2014/main" xmlns="" val="4090605972"/>
                     </a:ext>
                   </a:extLst>
                 </a:gridCol>
                 <a:gridCol w="1119827">
                   <a:extLst>
                     <a:ext uri="{9D8B030D-6E8A-4147-A177-3AD203B41FA5}">
-                      <a16:colId xmlns:a16="http://schemas.microsoft.com/office/drawing/2014/main" val="3510855832"/>
+                      <a16:colId xmlns:a16="http://schemas.microsoft.com/office/drawing/2014/main" xmlns="" val="3510855832"/>
                     </a:ext>
                   </a:extLst>
                 </a:gridCol>
                 <a:gridCol w="1119827">
                   <a:extLst>
                     <a:ext uri="{9D8B030D-6E8A-4147-A177-3AD203B41FA5}">
-                      <a16:colId xmlns:a16="http://schemas.microsoft.com/office/drawing/2014/main" val="835025531"/>
+                      <a16:colId xmlns:a16="http://schemas.microsoft.com/office/drawing/2014/main" xmlns="" val="835025531"/>
                     </a:ext>
                   </a:extLst>
                 </a:gridCol>
                 <a:gridCol w="1119827">
                   <a:extLst>
                     <a:ext uri="{9D8B030D-6E8A-4147-A177-3AD203B41FA5}">
-                      <a16:colId xmlns:a16="http://schemas.microsoft.com/office/drawing/2014/main" val="4005027411"/>
+                      <a16:colId xmlns:a16="http://schemas.microsoft.com/office/drawing/2014/main" xmlns="" val="4005027411"/>
                     </a:ext>
                   </a:extLst>
                 </a:gridCol>
                 <a:gridCol w="1119827">
                   <a:extLst>
                     <a:ext uri="{9D8B030D-6E8A-4147-A177-3AD203B41FA5}">
-                      <a16:colId xmlns:a16="http://schemas.microsoft.com/office/drawing/2014/main" val="2760397003"/>
+                      <a16:colId xmlns:a16="http://schemas.microsoft.com/office/drawing/2014/main" xmlns="" val="2760397003"/>
                     </a:ext>
                   </a:extLst>
                 </a:gridCol>
@@ -6883,7 +8973,7 @@
                 </a:tc>
                 <a:extLst>
                   <a:ext uri="{0D108BD9-81ED-4DB2-BD59-A6C34878D82A}">
-                    <a16:rowId xmlns:a16="http://schemas.microsoft.com/office/drawing/2014/main" val="4057196349"/>
+                    <a16:rowId xmlns:a16="http://schemas.microsoft.com/office/drawing/2014/main" xmlns="" val="4057196349"/>
                   </a:ext>
                 </a:extLst>
               </a:tr>
@@ -7230,7 +9320,7 @@
                 </a:tc>
                 <a:extLst>
                   <a:ext uri="{0D108BD9-81ED-4DB2-BD59-A6C34878D82A}">
-                    <a16:rowId xmlns:a16="http://schemas.microsoft.com/office/drawing/2014/main" val="124231198"/>
+                    <a16:rowId xmlns:a16="http://schemas.microsoft.com/office/drawing/2014/main" xmlns="" val="124231198"/>
                   </a:ext>
                 </a:extLst>
               </a:tr>
@@ -7584,7 +9674,7 @@
                 </a:tc>
                 <a:extLst>
                   <a:ext uri="{0D108BD9-81ED-4DB2-BD59-A6C34878D82A}">
-                    <a16:rowId xmlns:a16="http://schemas.microsoft.com/office/drawing/2014/main" val="1389960326"/>
+                    <a16:rowId xmlns:a16="http://schemas.microsoft.com/office/drawing/2014/main" xmlns="" val="1389960326"/>
                   </a:ext>
                 </a:extLst>
               </a:tr>
@@ -7942,7 +10032,7 @@
                 </a:tc>
                 <a:extLst>
                   <a:ext uri="{0D108BD9-81ED-4DB2-BD59-A6C34878D82A}">
-                    <a16:rowId xmlns:a16="http://schemas.microsoft.com/office/drawing/2014/main" val="4219604525"/>
+                    <a16:rowId xmlns:a16="http://schemas.microsoft.com/office/drawing/2014/main" xmlns="" val="4219604525"/>
                   </a:ext>
                 </a:extLst>
               </a:tr>
@@ -8296,7 +10386,7 @@
                 </a:tc>
                 <a:extLst>
                   <a:ext uri="{0D108BD9-81ED-4DB2-BD59-A6C34878D82A}">
-                    <a16:rowId xmlns:a16="http://schemas.microsoft.com/office/drawing/2014/main" val="1127636178"/>
+                    <a16:rowId xmlns:a16="http://schemas.microsoft.com/office/drawing/2014/main" xmlns="" val="1127636178"/>
                   </a:ext>
                 </a:extLst>
               </a:tr>
@@ -8356,7 +10446,7 @@
         <p:spPr>
           <a:xfrm>
             <a:off x="2686050" y="2856663"/>
-            <a:ext cx="2249206" cy="310786"/>
+            <a:ext cx="1046705" cy="310786"/>
           </a:xfrm>
           <a:prstGeom prst="rightArrow">
             <a:avLst/>
